--- a/Documents/소공ppt.pptx
+++ b/Documents/소공ppt.pptx
@@ -5,11 +5,16 @@
     <p:sldMasterId id="2147483720" r:id="rId1"/>
   </p:sldMasterIdLst>
   <p:sldIdLst>
-    <p:sldId id="292" r:id="rId2"/>
-    <p:sldId id="293" r:id="rId3"/>
-    <p:sldId id="296" r:id="rId4"/>
-    <p:sldId id="297" r:id="rId5"/>
-    <p:sldId id="294" r:id="rId6"/>
+    <p:sldId id="298" r:id="rId2"/>
+    <p:sldId id="301" r:id="rId3"/>
+    <p:sldId id="293" r:id="rId4"/>
+    <p:sldId id="302" r:id="rId5"/>
+    <p:sldId id="296" r:id="rId6"/>
+    <p:sldId id="297" r:id="rId7"/>
+    <p:sldId id="294" r:id="rId8"/>
+    <p:sldId id="300" r:id="rId9"/>
+    <p:sldId id="303" r:id="rId10"/>
+    <p:sldId id="299" r:id="rId11"/>
   </p:sldIdLst>
   <p:sldSz cx="9906000" cy="6858000" type="A4"/>
   <p:notesSz cx="6858000" cy="9144000"/>
@@ -127,6 +132,10 @@
 </p:presentation>
 </file>
 
+<file path=ppt/revisionInfo.xml><?xml version="1.0" encoding="utf-8"?>
+<p1510:revInfo xmlns:a="http://schemas.openxmlformats.org/drawingml/2006/main" xmlns:r="http://schemas.openxmlformats.org/officeDocument/2006/relationships" xmlns:p1510="http://schemas.microsoft.com/office/powerpoint/2015/10/main"/>
+</file>
+
 <file path=ppt/slideLayouts/slideLayout1.xml><?xml version="1.0" encoding="utf-8"?>
 <p:sldLayout xmlns:a="http://schemas.openxmlformats.org/drawingml/2006/main" xmlns:r="http://schemas.openxmlformats.org/officeDocument/2006/relationships" xmlns:p="http://schemas.openxmlformats.org/presentationml/2006/main" type="title" preserve="1">
   <p:cSld name="제목 슬라이드">
@@ -265,7 +274,7 @@
                 </a:solidFill>
               </a:rPr>
               <a:pPr/>
-              <a:t>2018-05-06</a:t>
+              <a:t>2018-05-07</a:t>
             </a:fld>
             <a:endParaRPr lang="ko-KR" altLang="en-US" dirty="0">
               <a:solidFill>
@@ -467,7 +476,7 @@
                 </a:solidFill>
               </a:rPr>
               <a:pPr/>
-              <a:t>2018-05-06</a:t>
+              <a:t>2018-05-07</a:t>
             </a:fld>
             <a:endParaRPr lang="ko-KR" altLang="en-US" dirty="0">
               <a:solidFill>
@@ -679,7 +688,7 @@
                 </a:solidFill>
               </a:rPr>
               <a:pPr/>
-              <a:t>2018-05-06</a:t>
+              <a:t>2018-05-07</a:t>
             </a:fld>
             <a:endParaRPr lang="ko-KR" altLang="en-US" dirty="0">
               <a:solidFill>
@@ -881,7 +890,7 @@
                 </a:solidFill>
               </a:rPr>
               <a:pPr/>
-              <a:t>2018-05-06</a:t>
+              <a:t>2018-05-07</a:t>
             </a:fld>
             <a:endParaRPr lang="ko-KR" altLang="en-US" dirty="0">
               <a:solidFill>
@@ -1157,7 +1166,7 @@
                 </a:solidFill>
               </a:rPr>
               <a:pPr/>
-              <a:t>2018-05-06</a:t>
+              <a:t>2018-05-07</a:t>
             </a:fld>
             <a:endParaRPr lang="ko-KR" altLang="en-US" dirty="0">
               <a:solidFill>
@@ -1421,7 +1430,7 @@
                 </a:solidFill>
               </a:rPr>
               <a:pPr/>
-              <a:t>2018-05-06</a:t>
+              <a:t>2018-05-07</a:t>
             </a:fld>
             <a:endParaRPr lang="ko-KR" altLang="en-US" dirty="0">
               <a:solidFill>
@@ -1820,7 +1829,7 @@
                 </a:solidFill>
               </a:rPr>
               <a:pPr/>
-              <a:t>2018-05-06</a:t>
+              <a:t>2018-05-07</a:t>
             </a:fld>
             <a:endParaRPr lang="ko-KR" altLang="en-US" dirty="0">
               <a:solidFill>
@@ -1970,7 +1979,7 @@
                 </a:solidFill>
               </a:rPr>
               <a:pPr/>
-              <a:t>2018-05-06</a:t>
+              <a:t>2018-05-07</a:t>
             </a:fld>
             <a:endParaRPr lang="ko-KR" altLang="en-US" dirty="0">
               <a:solidFill>
@@ -2097,7 +2106,7 @@
                 </a:solidFill>
               </a:rPr>
               <a:pPr/>
-              <a:t>2018-05-06</a:t>
+              <a:t>2018-05-07</a:t>
             </a:fld>
             <a:endParaRPr lang="ko-KR" altLang="en-US" dirty="0">
               <a:solidFill>
@@ -2406,7 +2415,7 @@
                 </a:solidFill>
               </a:rPr>
               <a:pPr/>
-              <a:t>2018-05-06</a:t>
+              <a:t>2018-05-07</a:t>
             </a:fld>
             <a:endParaRPr lang="ko-KR" altLang="en-US" dirty="0">
               <a:solidFill>
@@ -2695,7 +2704,7 @@
                 </a:solidFill>
               </a:rPr>
               <a:pPr/>
-              <a:t>2018-05-06</a:t>
+              <a:t>2018-05-07</a:t>
             </a:fld>
             <a:endParaRPr lang="ko-KR" altLang="en-US" dirty="0">
               <a:solidFill>
@@ -2940,7 +2949,7 @@
                 </a:solidFill>
               </a:rPr>
               <a:pPr/>
-              <a:t>2018-05-06</a:t>
+              <a:t>2018-05-07</a:t>
             </a:fld>
             <a:endParaRPr lang="ko-KR" altLang="en-US" dirty="0">
               <a:solidFill>
@@ -3386,20 +3395,20 @@
       </p:grpSpPr>
       <p:sp>
         <p:nvSpPr>
-          <p:cNvPr id="6" name="직사각형 5">
+          <p:cNvPr id="2" name="TextBox 1">
             <a:extLst>
               <a:ext uri="{FF2B5EF4-FFF2-40B4-BE49-F238E27FC236}">
-                <a16:creationId xmlns:a16="http://schemas.microsoft.com/office/drawing/2014/main" id="{32D00C9F-60FA-4A81-A522-72D3FF020E60}"/>
+                <a16:creationId xmlns:a16="http://schemas.microsoft.com/office/drawing/2014/main" id="{60F3D160-B084-43F9-859A-226CA1555C9E}"/>
               </a:ext>
             </a:extLst>
           </p:cNvPr>
-          <p:cNvSpPr/>
+          <p:cNvSpPr txBox="1"/>
           <p:nvPr/>
         </p:nvSpPr>
         <p:spPr>
           <a:xfrm>
-            <a:off x="4064868" y="1986859"/>
-            <a:ext cx="423876" cy="1015663"/>
+            <a:off x="3818359" y="2732680"/>
+            <a:ext cx="2269276" cy="1446550"/>
           </a:xfrm>
           <a:prstGeom prst="rect">
             <a:avLst/>
@@ -3407,51 +3416,47 @@
           <a:noFill/>
         </p:spPr>
         <p:txBody>
-          <a:bodyPr wrap="square">
+          <a:bodyPr wrap="none" rtlCol="0">
             <a:spAutoFit/>
           </a:bodyPr>
           <a:lstStyle/>
           <a:p>
             <a:r>
-              <a:rPr lang="en-US" altLang="ko-KR" sz="6000" dirty="0">
-                <a:solidFill>
-                  <a:schemeClr val="accent5">
-                    <a:lumMod val="60000"/>
-                    <a:lumOff val="40000"/>
-                  </a:schemeClr>
-                </a:solidFill>
-                <a:latin typeface="+mn-ea"/>
-              </a:rPr>
-              <a:t>]</a:t>
-            </a:r>
-            <a:endParaRPr lang="ko-KR" altLang="en-US" sz="6000" dirty="0">
+              <a:rPr lang="en-US" altLang="ko-KR" sz="8800" dirty="0">
+                <a:solidFill>
+                  <a:schemeClr val="bg1"/>
+                </a:solidFill>
+                <a:latin typeface="+mj-ea"/>
+                <a:ea typeface="+mj-ea"/>
+              </a:rPr>
+              <a:t>CCC</a:t>
+            </a:r>
+            <a:endParaRPr lang="ko-KR" altLang="en-US" sz="8800" dirty="0">
               <a:solidFill>
-                <a:schemeClr val="accent5">
-                  <a:lumMod val="60000"/>
-                  <a:lumOff val="40000"/>
-                </a:schemeClr>
+                <a:schemeClr val="bg1"/>
               </a:solidFill>
-              <a:latin typeface="+mn-ea"/>
+              <a:latin typeface="+mj-ea"/>
+              <a:ea typeface="+mj-ea"/>
             </a:endParaRPr>
           </a:p>
         </p:txBody>
       </p:sp>
       <p:sp>
         <p:nvSpPr>
-          <p:cNvPr id="10" name="직사각형 9">
+          <p:cNvPr id="5" name="TextBox 4">
             <a:extLst>
               <a:ext uri="{FF2B5EF4-FFF2-40B4-BE49-F238E27FC236}">
-                <a16:creationId xmlns:a16="http://schemas.microsoft.com/office/drawing/2014/main" id="{D3933E22-409F-404B-B5B7-0313B68915CD}"/>
+                <a16:creationId xmlns:a16="http://schemas.microsoft.com/office/drawing/2014/main" id="{CEF99E1C-5F13-4C16-A8AE-14605954F19C}"/>
               </a:ext>
             </a:extLst>
           </p:cNvPr>
-          <p:cNvSpPr/>
+          <p:cNvSpPr txBox="1"/>
           <p:nvPr/>
         </p:nvSpPr>
         <p:spPr>
           <a:xfrm>
-            <a:off x="1763697" y="1964703"/>
-            <a:ext cx="423876" cy="1015663"/>
+            <a:off x="3920727" y="3994564"/>
+            <a:ext cx="2064540" cy="369332"/>
           </a:xfrm>
           <a:prstGeom prst="rect">
             <a:avLst/>
@@ -3459,91 +3464,43 @@
           <a:noFill/>
         </p:spPr>
         <p:txBody>
-          <a:bodyPr wrap="square">
+          <a:bodyPr wrap="none" rtlCol="0">
             <a:spAutoFit/>
           </a:bodyPr>
           <a:lstStyle/>
           <a:p>
             <a:r>
-              <a:rPr lang="en-US" altLang="ko-KR" sz="6000" dirty="0">
-                <a:solidFill>
-                  <a:schemeClr val="accent5">
-                    <a:lumMod val="60000"/>
-                    <a:lumOff val="40000"/>
-                  </a:schemeClr>
-                </a:solidFill>
-                <a:latin typeface="+mn-ea"/>
-              </a:rPr>
-              <a:t>[</a:t>
-            </a:r>
-            <a:endParaRPr lang="ko-KR" altLang="en-US" sz="6000" dirty="0">
+              <a:rPr lang="en-US" altLang="ko-KR" dirty="0">
+                <a:solidFill>
+                  <a:schemeClr val="bg1"/>
+                </a:solidFill>
+              </a:rPr>
+              <a:t>Design presentation</a:t>
+            </a:r>
+            <a:endParaRPr lang="ko-KR" altLang="en-US" dirty="0">
               <a:solidFill>
-                <a:schemeClr val="accent5">
-                  <a:lumMod val="60000"/>
-                  <a:lumOff val="40000"/>
-                </a:schemeClr>
+                <a:schemeClr val="bg1"/>
               </a:solidFill>
-              <a:latin typeface="+mn-ea"/>
             </a:endParaRPr>
           </a:p>
         </p:txBody>
       </p:sp>
       <p:sp>
         <p:nvSpPr>
-          <p:cNvPr id="11" name="직사각형 10">
+          <p:cNvPr id="7" name="TextBox 6">
             <a:extLst>
               <a:ext uri="{FF2B5EF4-FFF2-40B4-BE49-F238E27FC236}">
-                <a16:creationId xmlns:a16="http://schemas.microsoft.com/office/drawing/2014/main" id="{594CE7EC-440B-45A8-B3A9-9CF82B61EA48}"/>
+                <a16:creationId xmlns:a16="http://schemas.microsoft.com/office/drawing/2014/main" id="{F4E5F82D-33E6-49CC-8952-04572B8F997C}"/>
               </a:ext>
             </a:extLst>
           </p:cNvPr>
-          <p:cNvSpPr/>
+          <p:cNvSpPr txBox="1"/>
           <p:nvPr/>
         </p:nvSpPr>
         <p:spPr>
           <a:xfrm>
-            <a:off x="1650069" y="2275864"/>
-            <a:ext cx="2895034" cy="323165"/>
-          </a:xfrm>
-          <a:prstGeom prst="rect">
-            <a:avLst/>
-          </a:prstGeom>
-        </p:spPr>
-        <p:txBody>
-          <a:bodyPr wrap="square">
-            <a:spAutoFit/>
-          </a:bodyPr>
-          <a:lstStyle/>
-          <a:p>
-            <a:pPr algn="ctr"/>
-            <a:r>
-              <a:rPr lang="en-US" altLang="ko-KR" sz="1500" dirty="0">
-                <a:solidFill>
-                  <a:schemeClr val="bg1"/>
-                </a:solidFill>
-                <a:latin typeface="+mn-ea"/>
-              </a:rPr>
-              <a:t>Proposal description</a:t>
-            </a:r>
-          </a:p>
-        </p:txBody>
-      </p:sp>
-      <p:sp>
-        <p:nvSpPr>
-          <p:cNvPr id="12" name="직사각형 11">
-            <a:extLst>
-              <a:ext uri="{FF2B5EF4-FFF2-40B4-BE49-F238E27FC236}">
-                <a16:creationId xmlns:a16="http://schemas.microsoft.com/office/drawing/2014/main" id="{B184D206-31E4-40CE-B4B3-D8D7D1F33BBF}"/>
-              </a:ext>
-            </a:extLst>
-          </p:cNvPr>
-          <p:cNvSpPr/>
-          <p:nvPr/>
-        </p:nvSpPr>
-        <p:spPr>
-          <a:xfrm>
-            <a:off x="7612223" y="2009015"/>
-            <a:ext cx="423876" cy="1015663"/>
+            <a:off x="3471856" y="6033090"/>
+            <a:ext cx="2962285" cy="646331"/>
           </a:xfrm>
           <a:prstGeom prst="rect">
             <a:avLst/>
@@ -3551,87 +3508,131 @@
           <a:noFill/>
         </p:spPr>
         <p:txBody>
-          <a:bodyPr wrap="square">
+          <a:bodyPr wrap="none" rtlCol="0">
             <a:spAutoFit/>
           </a:bodyPr>
           <a:lstStyle/>
           <a:p>
-            <a:r>
-              <a:rPr lang="en-US" altLang="ko-KR" sz="6000" dirty="0">
-                <a:solidFill>
-                  <a:schemeClr val="accent5">
-                    <a:lumMod val="60000"/>
-                    <a:lumOff val="40000"/>
-                  </a:schemeClr>
-                </a:solidFill>
-                <a:latin typeface="+mn-ea"/>
-              </a:rPr>
-              <a:t>]</a:t>
-            </a:r>
-            <a:endParaRPr lang="ko-KR" altLang="en-US" sz="6000" dirty="0">
+            <a:pPr algn="ctr"/>
+            <a:r>
+              <a:rPr lang="en-US" altLang="ko-KR" dirty="0">
+                <a:solidFill>
+                  <a:schemeClr val="bg1"/>
+                </a:solidFill>
+              </a:rPr>
+              <a:t> Antoine / </a:t>
+            </a:r>
+            <a:r>
+              <a:rPr lang="en-US" altLang="ko-KR" dirty="0" err="1">
+                <a:solidFill>
+                  <a:schemeClr val="bg1"/>
+                </a:solidFill>
+              </a:rPr>
+              <a:t>Jin</a:t>
+            </a:r>
+            <a:r>
+              <a:rPr lang="en-US" altLang="ko-KR" dirty="0">
+                <a:solidFill>
+                  <a:schemeClr val="bg1"/>
+                </a:solidFill>
+              </a:rPr>
+              <a:t> / </a:t>
+            </a:r>
+            <a:r>
+              <a:rPr lang="en-US" altLang="ko-KR" dirty="0" err="1">
+                <a:solidFill>
+                  <a:schemeClr val="bg1"/>
+                </a:solidFill>
+              </a:rPr>
+              <a:t>Jonghyun</a:t>
+            </a:r>
+            <a:endParaRPr lang="en-US" altLang="ko-KR" dirty="0">
               <a:solidFill>
-                <a:schemeClr val="accent5">
-                  <a:lumMod val="60000"/>
-                  <a:lumOff val="40000"/>
-                </a:schemeClr>
+                <a:schemeClr val="bg1"/>
               </a:solidFill>
-              <a:latin typeface="+mn-ea"/>
             </a:endParaRPr>
           </a:p>
-        </p:txBody>
-      </p:sp>
-      <p:sp>
-        <p:nvSpPr>
-          <p:cNvPr id="14" name="직사각형 13">
-            <a:extLst>
-              <a:ext uri="{FF2B5EF4-FFF2-40B4-BE49-F238E27FC236}">
-                <a16:creationId xmlns:a16="http://schemas.microsoft.com/office/drawing/2014/main" id="{EE38C0D3-802B-4C30-B13D-40C65C896B90}"/>
-              </a:ext>
-            </a:extLst>
-          </p:cNvPr>
-          <p:cNvSpPr/>
-          <p:nvPr/>
-        </p:nvSpPr>
-        <p:spPr>
-          <a:xfrm>
-            <a:off x="5311052" y="1986859"/>
-            <a:ext cx="423876" cy="1015663"/>
-          </a:xfrm>
-          <a:prstGeom prst="rect">
-            <a:avLst/>
-          </a:prstGeom>
-          <a:noFill/>
-        </p:spPr>
-        <p:txBody>
-          <a:bodyPr wrap="square">
-            <a:spAutoFit/>
-          </a:bodyPr>
-          <a:lstStyle/>
-          <a:p>
-            <a:r>
-              <a:rPr lang="en-US" altLang="ko-KR" sz="6000" dirty="0">
-                <a:solidFill>
-                  <a:schemeClr val="accent5">
-                    <a:lumMod val="60000"/>
-                    <a:lumOff val="40000"/>
-                  </a:schemeClr>
-                </a:solidFill>
-                <a:latin typeface="+mn-ea"/>
-              </a:rPr>
-              <a:t>[</a:t>
-            </a:r>
-            <a:endParaRPr lang="ko-KR" altLang="en-US" sz="6000" dirty="0">
-              <a:solidFill>
-                <a:schemeClr val="accent5">
-                  <a:lumMod val="60000"/>
-                  <a:lumOff val="40000"/>
-                </a:schemeClr>
-              </a:solidFill>
-              <a:latin typeface="+mn-ea"/>
-            </a:endParaRPr>
-          </a:p>
-        </p:txBody>
-      </p:sp>
+          <a:p>
+            <a:pPr algn="ctr"/>
+            <a:r>
+              <a:rPr lang="en-US" altLang="ko-KR" dirty="0" err="1">
+                <a:solidFill>
+                  <a:schemeClr val="bg1"/>
+                </a:solidFill>
+              </a:rPr>
+              <a:t>Juhyeon</a:t>
+            </a:r>
+            <a:r>
+              <a:rPr lang="en-US" altLang="ko-KR" dirty="0">
+                <a:solidFill>
+                  <a:schemeClr val="bg1"/>
+                </a:solidFill>
+              </a:rPr>
+              <a:t> / </a:t>
+            </a:r>
+            <a:r>
+              <a:rPr lang="en-US" altLang="ko-KR" dirty="0" err="1">
+                <a:solidFill>
+                  <a:schemeClr val="bg1"/>
+                </a:solidFill>
+              </a:rPr>
+              <a:t>Kyoungchan</a:t>
+            </a:r>
+            <a:r>
+              <a:rPr lang="en-US" altLang="ko-KR" dirty="0">
+                <a:solidFill>
+                  <a:schemeClr val="bg1"/>
+                </a:solidFill>
+              </a:rPr>
+              <a:t> / Rajat</a:t>
+            </a:r>
+          </a:p>
+        </p:txBody>
+      </p:sp>
+    </p:spTree>
+    <p:extLst>
+      <p:ext uri="{BB962C8B-B14F-4D97-AF65-F5344CB8AC3E}">
+        <p14:creationId xmlns:p14="http://schemas.microsoft.com/office/powerpoint/2010/main" val="1047242222"/>
+      </p:ext>
+    </p:extLst>
+  </p:cSld>
+  <p:clrMapOvr>
+    <a:masterClrMapping/>
+  </p:clrMapOvr>
+</p:sld>
+</file>
+
+<file path=ppt/slides/slide10.xml><?xml version="1.0" encoding="utf-8"?>
+<p:sld xmlns:a="http://schemas.openxmlformats.org/drawingml/2006/main" xmlns:r="http://schemas.openxmlformats.org/officeDocument/2006/relationships" xmlns:p="http://schemas.openxmlformats.org/presentationml/2006/main">
+  <p:cSld>
+    <p:bg>
+      <p:bgPr>
+        <a:blipFill dpi="0" rotWithShape="1">
+          <a:blip r:embed="rId2">
+            <a:lum/>
+          </a:blip>
+          <a:srcRect/>
+          <a:stretch>
+            <a:fillRect/>
+          </a:stretch>
+        </a:blipFill>
+        <a:effectLst/>
+      </p:bgPr>
+    </p:bg>
+    <p:spTree>
+      <p:nvGrpSpPr>
+        <p:cNvPr id="1" name=""/>
+        <p:cNvGrpSpPr/>
+        <p:nvPr/>
+      </p:nvGrpSpPr>
+      <p:grpSpPr>
+        <a:xfrm>
+          <a:off x="0" y="0"/>
+          <a:ext cx="0" cy="0"/>
+          <a:chOff x="0" y="0"/>
+          <a:chExt cx="0" cy="0"/>
+        </a:xfrm>
+      </p:grpSpPr>
       <p:sp>
         <p:nvSpPr>
           <p:cNvPr id="15" name="직사각형 14">
@@ -3647,7 +3648,7 @@
         <p:spPr>
           <a:xfrm>
             <a:off x="523668" y="479579"/>
-            <a:ext cx="3541199" cy="400110"/>
+            <a:ext cx="3965076" cy="400110"/>
           </a:xfrm>
           <a:prstGeom prst="rect">
             <a:avLst/>
@@ -3659,66 +3660,119 @@
           </a:bodyPr>
           <a:lstStyle/>
           <a:p>
-            <a:r>
-              <a:rPr lang="en-US" altLang="ko-KR" sz="2000" dirty="0">
-                <a:solidFill>
-                  <a:schemeClr val="bg1"/>
-                </a:solidFill>
-                <a:latin typeface="+mn-ea"/>
-              </a:rPr>
-              <a:t>Summarize</a:t>
-            </a:r>
-            <a:r>
-              <a:rPr lang="ko-KR" altLang="en-US" sz="2000" dirty="0">
-                <a:solidFill>
-                  <a:schemeClr val="bg1"/>
-                </a:solidFill>
-                <a:latin typeface="+mn-ea"/>
-              </a:rPr>
-              <a:t> </a:t>
-            </a:r>
-            <a:r>
-              <a:rPr lang="en-US" altLang="ko-KR" sz="2000" dirty="0">
-                <a:solidFill>
-                  <a:schemeClr val="bg1"/>
-                </a:solidFill>
-                <a:latin typeface="+mn-ea"/>
-              </a:rPr>
-              <a:t>the</a:t>
-            </a:r>
-            <a:r>
-              <a:rPr lang="ko-KR" altLang="en-US" sz="2000" dirty="0">
-                <a:solidFill>
-                  <a:schemeClr val="bg1"/>
-                </a:solidFill>
-                <a:latin typeface="+mn-ea"/>
-              </a:rPr>
-              <a:t> </a:t>
-            </a:r>
-            <a:r>
-              <a:rPr lang="en-US" altLang="ko-KR" sz="2000" dirty="0">
-                <a:solidFill>
-                  <a:schemeClr val="bg1"/>
-                </a:solidFill>
-                <a:latin typeface="+mn-ea"/>
-              </a:rPr>
-              <a:t>requirements</a:t>
-            </a:r>
-            <a:endParaRPr lang="ko-KR" altLang="en-US" sz="2000" dirty="0">
+            <a:pPr marL="0" marR="0" lvl="0" indent="0" algn="l" defTabSz="914400" rtl="0" eaLnBrk="1" fontAlgn="auto" latinLnBrk="1" hangingPunct="1">
+              <a:lnSpc>
+                <a:spcPct val="100000"/>
+              </a:lnSpc>
+              <a:spcBef>
+                <a:spcPts val="0"/>
+              </a:spcBef>
+              <a:spcAft>
+                <a:spcPts val="0"/>
+              </a:spcAft>
+              <a:buClrTx/>
+              <a:buSzTx/>
+              <a:buFontTx/>
+              <a:buNone/>
+              <a:tabLst/>
+              <a:defRPr/>
+            </a:pPr>
+            <a:r>
+              <a:rPr kumimoji="0" lang="en-US" altLang="ko-KR" sz="2000" b="0" i="0" u="none" strike="noStrike" kern="1200" cap="none" spc="0" normalizeH="0" baseline="0" noProof="0" dirty="0">
+                <a:ln>
+                  <a:noFill/>
+                </a:ln>
+                <a:solidFill>
+                  <a:prstClr val="white"/>
+                </a:solidFill>
+                <a:effectLst/>
+                <a:uLnTx/>
+                <a:uFillTx/>
+                <a:latin typeface="맑은 고딕" panose="020B0503020000020004" pitchFamily="50" charset="-127"/>
+                <a:ea typeface="맑은 고딕" panose="020B0503020000020004" pitchFamily="50" charset="-127"/>
+                <a:cs typeface="+mn-cs"/>
+              </a:rPr>
+              <a:t>Planning for the implementation</a:t>
+            </a:r>
+            <a:endParaRPr kumimoji="0" lang="ko-KR" altLang="en-US" sz="2000" b="0" i="0" u="none" strike="noStrike" kern="1200" cap="none" spc="0" normalizeH="0" baseline="0" noProof="0" dirty="0">
+              <a:ln>
+                <a:noFill/>
+              </a:ln>
               <a:solidFill>
-                <a:schemeClr val="bg1"/>
+                <a:prstClr val="white"/>
               </a:solidFill>
-              <a:latin typeface="+mn-ea"/>
+              <a:effectLst/>
+              <a:uLnTx/>
+              <a:uFillTx/>
+              <a:latin typeface="맑은 고딕" panose="020B0503020000020004" pitchFamily="50" charset="-127"/>
+              <a:ea typeface="맑은 고딕" panose="020B0503020000020004" pitchFamily="50" charset="-127"/>
+              <a:cs typeface="+mn-cs"/>
             </a:endParaRPr>
           </a:p>
         </p:txBody>
       </p:sp>
-      <p:sp>
-        <p:nvSpPr>
-          <p:cNvPr id="16" name="직사각형 15">
+      <p:pic>
+        <p:nvPicPr>
+          <p:cNvPr id="27" name="그림 26">
             <a:extLst>
               <a:ext uri="{FF2B5EF4-FFF2-40B4-BE49-F238E27FC236}">
-                <a16:creationId xmlns:a16="http://schemas.microsoft.com/office/drawing/2014/main" id="{1F791E7C-E1F0-408C-A76E-8ABB7402711F}"/>
+                <a16:creationId xmlns:a16="http://schemas.microsoft.com/office/drawing/2014/main" id="{769DE27C-BF99-445F-91F2-C261398E9DA5}"/>
+              </a:ext>
+            </a:extLst>
+          </p:cNvPr>
+          <p:cNvPicPr/>
+          <p:nvPr/>
+        </p:nvPicPr>
+        <p:blipFill>
+          <a:blip r:embed="rId3"/>
+          <a:stretch>
+            <a:fillRect/>
+          </a:stretch>
+        </p:blipFill>
+        <p:spPr>
+          <a:xfrm>
+            <a:off x="227929" y="1720244"/>
+            <a:ext cx="4637252" cy="3279595"/>
+          </a:xfrm>
+          <a:prstGeom prst="rect">
+            <a:avLst/>
+          </a:prstGeom>
+        </p:spPr>
+      </p:pic>
+      <p:pic>
+        <p:nvPicPr>
+          <p:cNvPr id="28" name="그림 27">
+            <a:extLst>
+              <a:ext uri="{FF2B5EF4-FFF2-40B4-BE49-F238E27FC236}">
+                <a16:creationId xmlns:a16="http://schemas.microsoft.com/office/drawing/2014/main" id="{EE09AE03-F6F0-4154-95F7-7C7D17D60783}"/>
+              </a:ext>
+            </a:extLst>
+          </p:cNvPr>
+          <p:cNvPicPr/>
+          <p:nvPr/>
+        </p:nvPicPr>
+        <p:blipFill>
+          <a:blip r:embed="rId4"/>
+          <a:stretch>
+            <a:fillRect/>
+          </a:stretch>
+        </p:blipFill>
+        <p:spPr>
+          <a:xfrm>
+            <a:off x="4957894" y="1720244"/>
+            <a:ext cx="4697834" cy="3279595"/>
+          </a:xfrm>
+          <a:prstGeom prst="rect">
+            <a:avLst/>
+          </a:prstGeom>
+        </p:spPr>
+      </p:pic>
+      <p:sp>
+        <p:nvSpPr>
+          <p:cNvPr id="29" name="직사각형 28">
+            <a:extLst>
+              <a:ext uri="{FF2B5EF4-FFF2-40B4-BE49-F238E27FC236}">
+                <a16:creationId xmlns:a16="http://schemas.microsoft.com/office/drawing/2014/main" id="{48427DB5-073E-4859-94BA-76DE95651186}"/>
               </a:ext>
             </a:extLst>
           </p:cNvPr>
@@ -3727,21 +3781,22 @@
         </p:nvSpPr>
         <p:spPr>
           <a:xfrm>
-            <a:off x="2898343" y="1986859"/>
-            <a:ext cx="426720" cy="292388"/>
+            <a:off x="3267914" y="5285064"/>
+            <a:ext cx="412540" cy="523220"/>
           </a:xfrm>
           <a:prstGeom prst="rect">
             <a:avLst/>
           </a:prstGeom>
-        </p:spPr>
-        <p:txBody>
-          <a:bodyPr wrap="none">
+          <a:noFill/>
+        </p:spPr>
+        <p:txBody>
+          <a:bodyPr wrap="square">
             <a:spAutoFit/>
           </a:bodyPr>
           <a:lstStyle/>
           <a:p>
             <a:r>
-              <a:rPr lang="en-US" altLang="ko-KR" sz="1300" dirty="0">
+              <a:rPr lang="en-US" altLang="ko-KR" sz="2800" dirty="0">
                 <a:solidFill>
                   <a:schemeClr val="accent5">
                     <a:lumMod val="60000"/>
@@ -3750,9 +3805,9 @@
                 </a:solidFill>
                 <a:latin typeface="+mn-ea"/>
               </a:rPr>
-              <a:t>0 1</a:t>
-            </a:r>
-            <a:endParaRPr lang="ko-KR" altLang="en-US" sz="1300" dirty="0">
+              <a:t>]</a:t>
+            </a:r>
+            <a:endParaRPr lang="ko-KR" altLang="en-US" sz="2800" dirty="0">
               <a:solidFill>
                 <a:schemeClr val="accent5">
                   <a:lumMod val="60000"/>
@@ -3766,10 +3821,10 @@
       </p:sp>
       <p:sp>
         <p:nvSpPr>
-          <p:cNvPr id="17" name="직사각형 16">
+          <p:cNvPr id="30" name="직사각형 29">
             <a:extLst>
               <a:ext uri="{FF2B5EF4-FFF2-40B4-BE49-F238E27FC236}">
-                <a16:creationId xmlns:a16="http://schemas.microsoft.com/office/drawing/2014/main" id="{1F84A28C-8AD2-413E-BA58-8712A480F13B}"/>
+                <a16:creationId xmlns:a16="http://schemas.microsoft.com/office/drawing/2014/main" id="{7828A940-7B17-4B22-8137-DFBA74398186}"/>
               </a:ext>
             </a:extLst>
           </p:cNvPr>
@@ -3778,12 +3833,13 @@
         </p:nvSpPr>
         <p:spPr>
           <a:xfrm>
-            <a:off x="5311052" y="2274511"/>
-            <a:ext cx="2895034" cy="323165"/>
+            <a:off x="1601096" y="5285064"/>
+            <a:ext cx="412540" cy="523220"/>
           </a:xfrm>
           <a:prstGeom prst="rect">
             <a:avLst/>
           </a:prstGeom>
+          <a:noFill/>
         </p:spPr>
         <p:txBody>
           <a:bodyPr wrap="square">
@@ -3791,48 +3847,8 @@
           </a:bodyPr>
           <a:lstStyle/>
           <a:p>
-            <a:pPr algn="ctr"/>
-            <a:r>
-              <a:rPr lang="en-US" altLang="ko-KR" sz="1500" dirty="0">
-                <a:solidFill>
-                  <a:schemeClr val="bg1"/>
-                </a:solidFill>
-                <a:latin typeface="+mn-ea"/>
-              </a:rPr>
-              <a:t>Process description</a:t>
-            </a:r>
-          </a:p>
-        </p:txBody>
-      </p:sp>
-      <p:sp>
-        <p:nvSpPr>
-          <p:cNvPr id="18" name="직사각형 17">
-            <a:extLst>
-              <a:ext uri="{FF2B5EF4-FFF2-40B4-BE49-F238E27FC236}">
-                <a16:creationId xmlns:a16="http://schemas.microsoft.com/office/drawing/2014/main" id="{B73A09CC-6720-4A4F-BFE0-C3873DB2A900}"/>
-              </a:ext>
-            </a:extLst>
-          </p:cNvPr>
-          <p:cNvSpPr/>
-          <p:nvPr/>
-        </p:nvSpPr>
-        <p:spPr>
-          <a:xfrm>
-            <a:off x="6534612" y="1985506"/>
-            <a:ext cx="426720" cy="292388"/>
-          </a:xfrm>
-          <a:prstGeom prst="rect">
-            <a:avLst/>
-          </a:prstGeom>
-        </p:spPr>
-        <p:txBody>
-          <a:bodyPr wrap="none">
-            <a:spAutoFit/>
-          </a:bodyPr>
-          <a:lstStyle/>
-          <a:p>
-            <a:r>
-              <a:rPr lang="en-US" altLang="ko-KR" sz="1300" dirty="0">
+            <a:r>
+              <a:rPr lang="en-US" altLang="ko-KR" sz="2800" dirty="0">
                 <a:solidFill>
                   <a:schemeClr val="accent5">
                     <a:lumMod val="60000"/>
@@ -3841,9 +3857,9 @@
                 </a:solidFill>
                 <a:latin typeface="+mn-ea"/>
               </a:rPr>
-              <a:t>0 2</a:t>
-            </a:r>
-            <a:endParaRPr lang="ko-KR" altLang="en-US" sz="1300" dirty="0">
+              <a:t>[</a:t>
+            </a:r>
+            <a:endParaRPr lang="ko-KR" altLang="en-US" sz="2800" dirty="0">
               <a:solidFill>
                 <a:schemeClr val="accent5">
                   <a:lumMod val="60000"/>
@@ -3857,10 +3873,10 @@
       </p:sp>
       <p:sp>
         <p:nvSpPr>
-          <p:cNvPr id="19" name="직사각형 18">
+          <p:cNvPr id="31" name="직사각형 30">
             <a:extLst>
               <a:ext uri="{FF2B5EF4-FFF2-40B4-BE49-F238E27FC236}">
-                <a16:creationId xmlns:a16="http://schemas.microsoft.com/office/drawing/2014/main" id="{A8C41F38-E7E7-4BF0-897D-1F308C3CC7D2}"/>
+                <a16:creationId xmlns:a16="http://schemas.microsoft.com/office/drawing/2014/main" id="{29833DED-E737-42F4-A52F-D96A8247198E}"/>
               </a:ext>
             </a:extLst>
           </p:cNvPr>
@@ -3869,8 +3885,48 @@
         </p:nvSpPr>
         <p:spPr>
           <a:xfrm>
-            <a:off x="4064868" y="3786827"/>
-            <a:ext cx="423876" cy="1015663"/>
+            <a:off x="1171897" y="5385092"/>
+            <a:ext cx="2817611" cy="323165"/>
+          </a:xfrm>
+          <a:prstGeom prst="rect">
+            <a:avLst/>
+          </a:prstGeom>
+        </p:spPr>
+        <p:txBody>
+          <a:bodyPr wrap="square">
+            <a:spAutoFit/>
+          </a:bodyPr>
+          <a:lstStyle/>
+          <a:p>
+            <a:pPr algn="ctr"/>
+            <a:r>
+              <a:rPr lang="en-US" altLang="ko-KR" sz="1500" dirty="0">
+                <a:solidFill>
+                  <a:schemeClr val="bg1"/>
+                </a:solidFill>
+                <a:latin typeface="+mn-ea"/>
+              </a:rPr>
+              <a:t>Whole time line</a:t>
+            </a:r>
+          </a:p>
+        </p:txBody>
+      </p:sp>
+      <p:sp>
+        <p:nvSpPr>
+          <p:cNvPr id="33" name="직사각형 32">
+            <a:extLst>
+              <a:ext uri="{FF2B5EF4-FFF2-40B4-BE49-F238E27FC236}">
+                <a16:creationId xmlns:a16="http://schemas.microsoft.com/office/drawing/2014/main" id="{465BF345-F0D1-482F-89DB-A21AAAA5DB5F}"/>
+              </a:ext>
+            </a:extLst>
+          </p:cNvPr>
+          <p:cNvSpPr/>
+          <p:nvPr/>
+        </p:nvSpPr>
+        <p:spPr>
+          <a:xfrm>
+            <a:off x="7974138" y="5285064"/>
+            <a:ext cx="412540" cy="523220"/>
           </a:xfrm>
           <a:prstGeom prst="rect">
             <a:avLst/>
@@ -3884,7 +3940,7 @@
           <a:lstStyle/>
           <a:p>
             <a:r>
-              <a:rPr lang="en-US" altLang="ko-KR" sz="6000" dirty="0">
+              <a:rPr lang="en-US" altLang="ko-KR" sz="2800" dirty="0">
                 <a:solidFill>
                   <a:schemeClr val="accent5">
                     <a:lumMod val="60000"/>
@@ -3895,7 +3951,7 @@
               </a:rPr>
               <a:t>]</a:t>
             </a:r>
-            <a:endParaRPr lang="ko-KR" altLang="en-US" sz="6000" dirty="0">
+            <a:endParaRPr lang="ko-KR" altLang="en-US" sz="2800" dirty="0">
               <a:solidFill>
                 <a:schemeClr val="accent5">
                   <a:lumMod val="60000"/>
@@ -3909,10 +3965,10 @@
       </p:sp>
       <p:sp>
         <p:nvSpPr>
-          <p:cNvPr id="20" name="직사각형 19">
+          <p:cNvPr id="34" name="직사각형 33">
             <a:extLst>
               <a:ext uri="{FF2B5EF4-FFF2-40B4-BE49-F238E27FC236}">
-                <a16:creationId xmlns:a16="http://schemas.microsoft.com/office/drawing/2014/main" id="{B911C7FD-11E3-4AF3-ADE9-541665B189B8}"/>
+                <a16:creationId xmlns:a16="http://schemas.microsoft.com/office/drawing/2014/main" id="{974D78C6-4471-4370-8A51-67209B519601}"/>
               </a:ext>
             </a:extLst>
           </p:cNvPr>
@@ -3921,8 +3977,8 @@
         </p:nvSpPr>
         <p:spPr>
           <a:xfrm>
-            <a:off x="1763697" y="3764671"/>
-            <a:ext cx="423876" cy="1015663"/>
+            <a:off x="6475100" y="5285064"/>
+            <a:ext cx="412540" cy="523220"/>
           </a:xfrm>
           <a:prstGeom prst="rect">
             <a:avLst/>
@@ -3936,7 +3992,7 @@
           <a:lstStyle/>
           <a:p>
             <a:r>
-              <a:rPr lang="en-US" altLang="ko-KR" sz="6000" dirty="0">
+              <a:rPr lang="en-US" altLang="ko-KR" sz="2800" dirty="0">
                 <a:solidFill>
                   <a:schemeClr val="accent5">
                     <a:lumMod val="60000"/>
@@ -3947,7 +4003,7 @@
               </a:rPr>
               <a:t>[</a:t>
             </a:r>
-            <a:endParaRPr lang="ko-KR" altLang="en-US" sz="6000" dirty="0">
+            <a:endParaRPr lang="ko-KR" altLang="en-US" sz="2800" dirty="0">
               <a:solidFill>
                 <a:schemeClr val="accent5">
                   <a:lumMod val="60000"/>
@@ -3961,10 +4017,10 @@
       </p:sp>
       <p:sp>
         <p:nvSpPr>
-          <p:cNvPr id="21" name="직사각형 20">
+          <p:cNvPr id="35" name="직사각형 34">
             <a:extLst>
               <a:ext uri="{FF2B5EF4-FFF2-40B4-BE49-F238E27FC236}">
-                <a16:creationId xmlns:a16="http://schemas.microsoft.com/office/drawing/2014/main" id="{110ED845-804F-4126-AF76-1B23040C4392}"/>
+                <a16:creationId xmlns:a16="http://schemas.microsoft.com/office/drawing/2014/main" id="{22467A0F-0584-4006-B986-098896F7AC7B}"/>
               </a:ext>
             </a:extLst>
           </p:cNvPr>
@@ -3973,8 +4029,8 @@
         </p:nvSpPr>
         <p:spPr>
           <a:xfrm>
-            <a:off x="1650069" y="4075832"/>
-            <a:ext cx="2895034" cy="553998"/>
+            <a:off x="5962011" y="5385092"/>
+            <a:ext cx="2817611" cy="323165"/>
           </a:xfrm>
           <a:prstGeom prst="rect">
             <a:avLst/>
@@ -3994,273 +4050,15 @@
                 </a:solidFill>
                 <a:latin typeface="+mn-ea"/>
               </a:rPr>
-              <a:t>Major modules and</a:t>
-            </a:r>
-          </a:p>
-          <a:p>
-            <a:pPr algn="ctr"/>
-            <a:r>
-              <a:rPr lang="en-US" altLang="ko-KR" sz="1500" dirty="0">
-                <a:solidFill>
-                  <a:schemeClr val="bg1"/>
-                </a:solidFill>
-                <a:latin typeface="+mn-ea"/>
-              </a:rPr>
-              <a:t>Their functionality</a:t>
-            </a:r>
-          </a:p>
-        </p:txBody>
-      </p:sp>
-      <p:sp>
-        <p:nvSpPr>
-          <p:cNvPr id="22" name="직사각형 21">
-            <a:extLst>
-              <a:ext uri="{FF2B5EF4-FFF2-40B4-BE49-F238E27FC236}">
-                <a16:creationId xmlns:a16="http://schemas.microsoft.com/office/drawing/2014/main" id="{22625140-7D99-4B04-8A90-AB194CDD8DDD}"/>
-              </a:ext>
-            </a:extLst>
-          </p:cNvPr>
-          <p:cNvSpPr/>
-          <p:nvPr/>
-        </p:nvSpPr>
-        <p:spPr>
-          <a:xfrm>
-            <a:off x="7612223" y="3808983"/>
-            <a:ext cx="423876" cy="1015663"/>
-          </a:xfrm>
-          <a:prstGeom prst="rect">
-            <a:avLst/>
-          </a:prstGeom>
-          <a:noFill/>
-        </p:spPr>
-        <p:txBody>
-          <a:bodyPr wrap="square">
-            <a:spAutoFit/>
-          </a:bodyPr>
-          <a:lstStyle/>
-          <a:p>
-            <a:r>
-              <a:rPr lang="en-US" altLang="ko-KR" sz="6000" dirty="0">
-                <a:solidFill>
-                  <a:schemeClr val="accent5">
-                    <a:lumMod val="60000"/>
-                    <a:lumOff val="40000"/>
-                  </a:schemeClr>
-                </a:solidFill>
-                <a:latin typeface="+mn-ea"/>
-              </a:rPr>
-              <a:t>]</a:t>
-            </a:r>
-            <a:endParaRPr lang="ko-KR" altLang="en-US" sz="6000" dirty="0">
-              <a:solidFill>
-                <a:schemeClr val="accent5">
-                  <a:lumMod val="60000"/>
-                  <a:lumOff val="40000"/>
-                </a:schemeClr>
-              </a:solidFill>
-              <a:latin typeface="+mn-ea"/>
-            </a:endParaRPr>
-          </a:p>
-        </p:txBody>
-      </p:sp>
-      <p:sp>
-        <p:nvSpPr>
-          <p:cNvPr id="23" name="직사각형 22">
-            <a:extLst>
-              <a:ext uri="{FF2B5EF4-FFF2-40B4-BE49-F238E27FC236}">
-                <a16:creationId xmlns:a16="http://schemas.microsoft.com/office/drawing/2014/main" id="{2E2D0CEF-66D6-4BA4-B98D-2B95210494A2}"/>
-              </a:ext>
-            </a:extLst>
-          </p:cNvPr>
-          <p:cNvSpPr/>
-          <p:nvPr/>
-        </p:nvSpPr>
-        <p:spPr>
-          <a:xfrm>
-            <a:off x="5311052" y="3786827"/>
-            <a:ext cx="423876" cy="1015663"/>
-          </a:xfrm>
-          <a:prstGeom prst="rect">
-            <a:avLst/>
-          </a:prstGeom>
-          <a:noFill/>
-        </p:spPr>
-        <p:txBody>
-          <a:bodyPr wrap="square">
-            <a:spAutoFit/>
-          </a:bodyPr>
-          <a:lstStyle/>
-          <a:p>
-            <a:r>
-              <a:rPr lang="en-US" altLang="ko-KR" sz="6000" dirty="0">
-                <a:solidFill>
-                  <a:schemeClr val="accent5">
-                    <a:lumMod val="60000"/>
-                    <a:lumOff val="40000"/>
-                  </a:schemeClr>
-                </a:solidFill>
-                <a:latin typeface="+mn-ea"/>
-              </a:rPr>
-              <a:t>[</a:t>
-            </a:r>
-            <a:endParaRPr lang="ko-KR" altLang="en-US" sz="6000" dirty="0">
-              <a:solidFill>
-                <a:schemeClr val="accent5">
-                  <a:lumMod val="60000"/>
-                  <a:lumOff val="40000"/>
-                </a:schemeClr>
-              </a:solidFill>
-              <a:latin typeface="+mn-ea"/>
-            </a:endParaRPr>
-          </a:p>
-        </p:txBody>
-      </p:sp>
-      <p:sp>
-        <p:nvSpPr>
-          <p:cNvPr id="24" name="직사각형 23">
-            <a:extLst>
-              <a:ext uri="{FF2B5EF4-FFF2-40B4-BE49-F238E27FC236}">
-                <a16:creationId xmlns:a16="http://schemas.microsoft.com/office/drawing/2014/main" id="{F4774ED2-2A2C-483A-A940-614A7413D9E1}"/>
-              </a:ext>
-            </a:extLst>
-          </p:cNvPr>
-          <p:cNvSpPr/>
-          <p:nvPr/>
-        </p:nvSpPr>
-        <p:spPr>
-          <a:xfrm>
-            <a:off x="2898343" y="3786827"/>
-            <a:ext cx="425116" cy="292388"/>
-          </a:xfrm>
-          <a:prstGeom prst="rect">
-            <a:avLst/>
-          </a:prstGeom>
-        </p:spPr>
-        <p:txBody>
-          <a:bodyPr wrap="none">
-            <a:spAutoFit/>
-          </a:bodyPr>
-          <a:lstStyle/>
-          <a:p>
-            <a:r>
-              <a:rPr lang="en-US" altLang="ko-KR" sz="1300" dirty="0">
-                <a:solidFill>
-                  <a:schemeClr val="accent5">
-                    <a:lumMod val="60000"/>
-                    <a:lumOff val="40000"/>
-                  </a:schemeClr>
-                </a:solidFill>
-                <a:latin typeface="+mn-ea"/>
-              </a:rPr>
-              <a:t>0 3</a:t>
-            </a:r>
-            <a:endParaRPr lang="ko-KR" altLang="en-US" sz="1300" dirty="0">
-              <a:solidFill>
-                <a:schemeClr val="accent5">
-                  <a:lumMod val="60000"/>
-                  <a:lumOff val="40000"/>
-                </a:schemeClr>
-              </a:solidFill>
-              <a:latin typeface="+mn-ea"/>
-            </a:endParaRPr>
-          </a:p>
-        </p:txBody>
-      </p:sp>
-      <p:sp>
-        <p:nvSpPr>
-          <p:cNvPr id="25" name="직사각형 24">
-            <a:extLst>
-              <a:ext uri="{FF2B5EF4-FFF2-40B4-BE49-F238E27FC236}">
-                <a16:creationId xmlns:a16="http://schemas.microsoft.com/office/drawing/2014/main" id="{2977551C-610D-40BA-9E3B-CD2677AF12AA}"/>
-              </a:ext>
-            </a:extLst>
-          </p:cNvPr>
-          <p:cNvSpPr/>
-          <p:nvPr/>
-        </p:nvSpPr>
-        <p:spPr>
-          <a:xfrm>
-            <a:off x="5311052" y="4074479"/>
-            <a:ext cx="2895034" cy="323165"/>
-          </a:xfrm>
-          <a:prstGeom prst="rect">
-            <a:avLst/>
-          </a:prstGeom>
-        </p:spPr>
-        <p:txBody>
-          <a:bodyPr wrap="square">
-            <a:spAutoFit/>
-          </a:bodyPr>
-          <a:lstStyle/>
-          <a:p>
-            <a:pPr algn="ctr"/>
-            <a:r>
-              <a:rPr lang="en-US" altLang="ko-KR" sz="1500" dirty="0">
-                <a:solidFill>
-                  <a:schemeClr val="bg1"/>
-                </a:solidFill>
-                <a:latin typeface="+mn-ea"/>
-              </a:rPr>
-              <a:t>Data Description</a:t>
-            </a:r>
-          </a:p>
-        </p:txBody>
-      </p:sp>
-      <p:sp>
-        <p:nvSpPr>
-          <p:cNvPr id="26" name="직사각형 25">
-            <a:extLst>
-              <a:ext uri="{FF2B5EF4-FFF2-40B4-BE49-F238E27FC236}">
-                <a16:creationId xmlns:a16="http://schemas.microsoft.com/office/drawing/2014/main" id="{AC907B06-64FA-4F93-B110-D80444BCA9AA}"/>
-              </a:ext>
-            </a:extLst>
-          </p:cNvPr>
-          <p:cNvSpPr/>
-          <p:nvPr/>
-        </p:nvSpPr>
-        <p:spPr>
-          <a:xfrm>
-            <a:off x="6534612" y="3785474"/>
-            <a:ext cx="431528" cy="292388"/>
-          </a:xfrm>
-          <a:prstGeom prst="rect">
-            <a:avLst/>
-          </a:prstGeom>
-        </p:spPr>
-        <p:txBody>
-          <a:bodyPr wrap="none">
-            <a:spAutoFit/>
-          </a:bodyPr>
-          <a:lstStyle/>
-          <a:p>
-            <a:r>
-              <a:rPr lang="en-US" altLang="ko-KR" sz="1300" dirty="0">
-                <a:solidFill>
-                  <a:schemeClr val="accent5">
-                    <a:lumMod val="60000"/>
-                    <a:lumOff val="40000"/>
-                  </a:schemeClr>
-                </a:solidFill>
-                <a:latin typeface="+mn-ea"/>
-              </a:rPr>
-              <a:t>0 4</a:t>
-            </a:r>
-            <a:endParaRPr lang="ko-KR" altLang="en-US" sz="1300" dirty="0">
-              <a:solidFill>
-                <a:schemeClr val="accent5">
-                  <a:lumMod val="60000"/>
-                  <a:lumOff val="40000"/>
-                </a:schemeClr>
-              </a:solidFill>
-              <a:latin typeface="+mn-ea"/>
-            </a:endParaRPr>
+              <a:t>Part time line</a:t>
+            </a:r>
           </a:p>
         </p:txBody>
       </p:sp>
     </p:spTree>
     <p:extLst>
       <p:ext uri="{BB962C8B-B14F-4D97-AF65-F5344CB8AC3E}">
-        <p14:creationId xmlns:p14="http://schemas.microsoft.com/office/powerpoint/2010/main" val="3884405376"/>
+        <p14:creationId xmlns:p14="http://schemas.microsoft.com/office/powerpoint/2010/main" val="2602123148"/>
       </p:ext>
     </p:extLst>
   </p:cSld>
@@ -4303,150 +4101,6 @@
       </p:grpSpPr>
       <p:sp>
         <p:nvSpPr>
-          <p:cNvPr id="6" name="직사각형 5">
-            <a:extLst>
-              <a:ext uri="{FF2B5EF4-FFF2-40B4-BE49-F238E27FC236}">
-                <a16:creationId xmlns:a16="http://schemas.microsoft.com/office/drawing/2014/main" id="{32D00C9F-60FA-4A81-A522-72D3FF020E60}"/>
-              </a:ext>
-            </a:extLst>
-          </p:cNvPr>
-          <p:cNvSpPr/>
-          <p:nvPr/>
-        </p:nvSpPr>
-        <p:spPr>
-          <a:xfrm>
-            <a:off x="2938467" y="901845"/>
-            <a:ext cx="423876" cy="1015663"/>
-          </a:xfrm>
-          <a:prstGeom prst="rect">
-            <a:avLst/>
-          </a:prstGeom>
-          <a:noFill/>
-        </p:spPr>
-        <p:txBody>
-          <a:bodyPr wrap="square">
-            <a:spAutoFit/>
-          </a:bodyPr>
-          <a:lstStyle/>
-          <a:p>
-            <a:r>
-              <a:rPr lang="en-US" altLang="ko-KR" sz="6000" dirty="0">
-                <a:solidFill>
-                  <a:schemeClr val="accent5">
-                    <a:lumMod val="60000"/>
-                    <a:lumOff val="40000"/>
-                  </a:schemeClr>
-                </a:solidFill>
-                <a:latin typeface="+mn-ea"/>
-              </a:rPr>
-              <a:t>]</a:t>
-            </a:r>
-            <a:endParaRPr lang="ko-KR" altLang="en-US" sz="6000" dirty="0">
-              <a:solidFill>
-                <a:schemeClr val="accent5">
-                  <a:lumMod val="60000"/>
-                  <a:lumOff val="40000"/>
-                </a:schemeClr>
-              </a:solidFill>
-              <a:latin typeface="+mn-ea"/>
-            </a:endParaRPr>
-          </a:p>
-        </p:txBody>
-      </p:sp>
-      <p:sp>
-        <p:nvSpPr>
-          <p:cNvPr id="10" name="직사각형 9">
-            <a:extLst>
-              <a:ext uri="{FF2B5EF4-FFF2-40B4-BE49-F238E27FC236}">
-                <a16:creationId xmlns:a16="http://schemas.microsoft.com/office/drawing/2014/main" id="{D3933E22-409F-404B-B5B7-0313B68915CD}"/>
-              </a:ext>
-            </a:extLst>
-          </p:cNvPr>
-          <p:cNvSpPr/>
-          <p:nvPr/>
-        </p:nvSpPr>
-        <p:spPr>
-          <a:xfrm>
-            <a:off x="637296" y="879689"/>
-            <a:ext cx="423876" cy="1015663"/>
-          </a:xfrm>
-          <a:prstGeom prst="rect">
-            <a:avLst/>
-          </a:prstGeom>
-          <a:noFill/>
-        </p:spPr>
-        <p:txBody>
-          <a:bodyPr wrap="square">
-            <a:spAutoFit/>
-          </a:bodyPr>
-          <a:lstStyle/>
-          <a:p>
-            <a:r>
-              <a:rPr lang="en-US" altLang="ko-KR" sz="6000" dirty="0">
-                <a:solidFill>
-                  <a:schemeClr val="accent5">
-                    <a:lumMod val="60000"/>
-                    <a:lumOff val="40000"/>
-                  </a:schemeClr>
-                </a:solidFill>
-                <a:latin typeface="+mn-ea"/>
-              </a:rPr>
-              <a:t>[</a:t>
-            </a:r>
-            <a:endParaRPr lang="ko-KR" altLang="en-US" sz="6000" dirty="0">
-              <a:solidFill>
-                <a:schemeClr val="accent5">
-                  <a:lumMod val="60000"/>
-                  <a:lumOff val="40000"/>
-                </a:schemeClr>
-              </a:solidFill>
-              <a:latin typeface="+mn-ea"/>
-            </a:endParaRPr>
-          </a:p>
-        </p:txBody>
-      </p:sp>
-      <p:sp>
-        <p:nvSpPr>
-          <p:cNvPr id="11" name="직사각형 10">
-            <a:extLst>
-              <a:ext uri="{FF2B5EF4-FFF2-40B4-BE49-F238E27FC236}">
-                <a16:creationId xmlns:a16="http://schemas.microsoft.com/office/drawing/2014/main" id="{594CE7EC-440B-45A8-B3A9-9CF82B61EA48}"/>
-              </a:ext>
-            </a:extLst>
-          </p:cNvPr>
-          <p:cNvSpPr/>
-          <p:nvPr/>
-        </p:nvSpPr>
-        <p:spPr>
-          <a:xfrm>
-            <a:off x="523668" y="1190850"/>
-            <a:ext cx="2895034" cy="323165"/>
-          </a:xfrm>
-          <a:prstGeom prst="rect">
-            <a:avLst/>
-          </a:prstGeom>
-        </p:spPr>
-        <p:txBody>
-          <a:bodyPr wrap="square">
-            <a:spAutoFit/>
-          </a:bodyPr>
-          <a:lstStyle/>
-          <a:p>
-            <a:pPr algn="ctr"/>
-            <a:r>
-              <a:rPr lang="en-US" altLang="ko-KR" sz="1500" dirty="0">
-                <a:solidFill>
-                  <a:schemeClr val="bg1"/>
-                </a:solidFill>
-                <a:latin typeface="+mn-ea"/>
-              </a:rPr>
-              <a:t>Proposal description</a:t>
-            </a:r>
-          </a:p>
-        </p:txBody>
-      </p:sp>
-      <p:sp>
-        <p:nvSpPr>
           <p:cNvPr id="15" name="직사각형 14">
             <a:extLst>
               <a:ext uri="{FF2B5EF4-FFF2-40B4-BE49-F238E27FC236}">
@@ -4472,285 +4126,1163 @@
           </a:bodyPr>
           <a:lstStyle/>
           <a:p>
+            <a:pPr marL="0" marR="0" lvl="0" indent="0" algn="l" defTabSz="914400" rtl="0" eaLnBrk="1" fontAlgn="auto" latinLnBrk="1" hangingPunct="1">
+              <a:lnSpc>
+                <a:spcPct val="100000"/>
+              </a:lnSpc>
+              <a:spcBef>
+                <a:spcPts val="0"/>
+              </a:spcBef>
+              <a:spcAft>
+                <a:spcPts val="0"/>
+              </a:spcAft>
+              <a:buClrTx/>
+              <a:buSzTx/>
+              <a:buFontTx/>
+              <a:buNone/>
+              <a:tabLst/>
+              <a:defRPr/>
+            </a:pPr>
             <a:r>
               <a:rPr lang="en-US" altLang="ko-KR" sz="2000" dirty="0">
                 <a:solidFill>
-                  <a:schemeClr val="bg1"/>
-                </a:solidFill>
-                <a:latin typeface="+mn-ea"/>
-              </a:rPr>
-              <a:t>Summarize</a:t>
-            </a:r>
-            <a:r>
-              <a:rPr lang="ko-KR" altLang="en-US" sz="2000" dirty="0">
-                <a:solidFill>
-                  <a:schemeClr val="bg1"/>
-                </a:solidFill>
-                <a:latin typeface="+mn-ea"/>
-              </a:rPr>
-              <a:t> </a:t>
-            </a:r>
-            <a:r>
-              <a:rPr lang="en-US" altLang="ko-KR" sz="2000" dirty="0">
-                <a:solidFill>
-                  <a:schemeClr val="bg1"/>
-                </a:solidFill>
-                <a:latin typeface="+mn-ea"/>
-              </a:rPr>
-              <a:t>the</a:t>
-            </a:r>
-            <a:r>
-              <a:rPr lang="ko-KR" altLang="en-US" sz="2000" dirty="0">
-                <a:solidFill>
-                  <a:schemeClr val="bg1"/>
-                </a:solidFill>
-                <a:latin typeface="+mn-ea"/>
-              </a:rPr>
-              <a:t> </a:t>
-            </a:r>
-            <a:r>
-              <a:rPr lang="en-US" altLang="ko-KR" sz="2000" dirty="0">
-                <a:solidFill>
-                  <a:schemeClr val="bg1"/>
-                </a:solidFill>
-                <a:latin typeface="+mn-ea"/>
-              </a:rPr>
-              <a:t>requirements</a:t>
-            </a:r>
-            <a:endParaRPr lang="ko-KR" altLang="en-US" sz="2000" dirty="0">
+                  <a:prstClr val="white"/>
+                </a:solidFill>
+                <a:latin typeface="맑은 고딕" panose="020B0503020000020004" pitchFamily="50" charset="-127"/>
+                <a:ea typeface="맑은 고딕" panose="020B0503020000020004" pitchFamily="50" charset="-127"/>
+              </a:rPr>
+              <a:t>Contents</a:t>
+            </a:r>
+            <a:endParaRPr kumimoji="0" lang="ko-KR" altLang="en-US" sz="2000" b="0" i="0" u="none" strike="noStrike" kern="1200" cap="none" spc="0" normalizeH="0" baseline="0" noProof="0" dirty="0">
+              <a:ln>
+                <a:noFill/>
+              </a:ln>
               <a:solidFill>
-                <a:schemeClr val="bg1"/>
+                <a:prstClr val="white"/>
               </a:solidFill>
-              <a:latin typeface="+mn-ea"/>
+              <a:effectLst/>
+              <a:uLnTx/>
+              <a:uFillTx/>
+              <a:latin typeface="맑은 고딕" panose="020B0503020000020004" pitchFamily="50" charset="-127"/>
+              <a:ea typeface="맑은 고딕" panose="020B0503020000020004" pitchFamily="50" charset="-127"/>
+              <a:cs typeface="+mn-cs"/>
             </a:endParaRPr>
           </a:p>
         </p:txBody>
       </p:sp>
-      <p:sp>
-        <p:nvSpPr>
-          <p:cNvPr id="16" name="직사각형 15">
+      <p:grpSp>
+        <p:nvGrpSpPr>
+          <p:cNvPr id="2" name="그룹 1">
             <a:extLst>
               <a:ext uri="{FF2B5EF4-FFF2-40B4-BE49-F238E27FC236}">
-                <a16:creationId xmlns:a16="http://schemas.microsoft.com/office/drawing/2014/main" id="{1F791E7C-E1F0-408C-A76E-8ABB7402711F}"/>
+                <a16:creationId xmlns:a16="http://schemas.microsoft.com/office/drawing/2014/main" id="{22186AF0-F134-4B25-9563-BB8F67AB16CD}"/>
               </a:ext>
             </a:extLst>
           </p:cNvPr>
-          <p:cNvSpPr/>
+          <p:cNvGrpSpPr/>
           <p:nvPr/>
-        </p:nvSpPr>
-        <p:spPr>
-          <a:xfrm>
-            <a:off x="1771942" y="901845"/>
-            <a:ext cx="426720" cy="292388"/>
-          </a:xfrm>
-          <a:prstGeom prst="rect">
-            <a:avLst/>
-          </a:prstGeom>
-        </p:spPr>
-        <p:txBody>
-          <a:bodyPr wrap="none">
-            <a:spAutoFit/>
-          </a:bodyPr>
-          <a:lstStyle/>
-          <a:p>
-            <a:r>
-              <a:rPr lang="en-US" altLang="ko-KR" sz="1300" dirty="0">
-                <a:solidFill>
-                  <a:schemeClr val="accent5">
+        </p:nvGrpSpPr>
+        <p:grpSpPr>
+          <a:xfrm>
+            <a:off x="288776" y="3177665"/>
+            <a:ext cx="2895034" cy="1155391"/>
+            <a:chOff x="1650069" y="1985819"/>
+            <a:chExt cx="2895034" cy="1155391"/>
+          </a:xfrm>
+        </p:grpSpPr>
+        <p:sp>
+          <p:nvSpPr>
+            <p:cNvPr id="6" name="직사각형 5">
+              <a:extLst>
+                <a:ext uri="{FF2B5EF4-FFF2-40B4-BE49-F238E27FC236}">
+                  <a16:creationId xmlns:a16="http://schemas.microsoft.com/office/drawing/2014/main" id="{32D00C9F-60FA-4A81-A522-72D3FF020E60}"/>
+                </a:ext>
+              </a:extLst>
+            </p:cNvPr>
+            <p:cNvSpPr/>
+            <p:nvPr/>
+          </p:nvSpPr>
+          <p:spPr>
+            <a:xfrm>
+              <a:off x="4064868" y="2125547"/>
+              <a:ext cx="423876" cy="1015663"/>
+            </a:xfrm>
+            <a:prstGeom prst="rect">
+              <a:avLst/>
+            </a:prstGeom>
+            <a:noFill/>
+          </p:spPr>
+          <p:txBody>
+            <a:bodyPr wrap="square">
+              <a:spAutoFit/>
+            </a:bodyPr>
+            <a:lstStyle/>
+            <a:p>
+              <a:pPr marL="0" marR="0" lvl="0" indent="0" algn="l" defTabSz="914400" rtl="0" eaLnBrk="1" fontAlgn="auto" latinLnBrk="1" hangingPunct="1">
+                <a:lnSpc>
+                  <a:spcPct val="100000"/>
+                </a:lnSpc>
+                <a:spcBef>
+                  <a:spcPts val="0"/>
+                </a:spcBef>
+                <a:spcAft>
+                  <a:spcPts val="0"/>
+                </a:spcAft>
+                <a:buClrTx/>
+                <a:buSzTx/>
+                <a:buFontTx/>
+                <a:buNone/>
+                <a:tabLst/>
+                <a:defRPr/>
+              </a:pPr>
+              <a:r>
+                <a:rPr kumimoji="0" lang="en-US" altLang="ko-KR" sz="6000" b="0" i="0" u="none" strike="noStrike" kern="1200" cap="none" spc="0" normalizeH="0" baseline="0" noProof="0" dirty="0">
+                  <a:ln>
+                    <a:noFill/>
+                  </a:ln>
+                  <a:solidFill>
+                    <a:srgbClr val="4472C4">
+                      <a:lumMod val="60000"/>
+                      <a:lumOff val="40000"/>
+                    </a:srgbClr>
+                  </a:solidFill>
+                  <a:effectLst/>
+                  <a:uLnTx/>
+                  <a:uFillTx/>
+                  <a:latin typeface="맑은 고딕" panose="020B0503020000020004" pitchFamily="50" charset="-127"/>
+                  <a:ea typeface="맑은 고딕" panose="020B0503020000020004" pitchFamily="50" charset="-127"/>
+                  <a:cs typeface="+mn-cs"/>
+                </a:rPr>
+                <a:t>]</a:t>
+              </a:r>
+              <a:endParaRPr kumimoji="0" lang="ko-KR" altLang="en-US" sz="6000" b="0" i="0" u="none" strike="noStrike" kern="1200" cap="none" spc="0" normalizeH="0" baseline="0" noProof="0" dirty="0">
+                <a:ln>
+                  <a:noFill/>
+                </a:ln>
+                <a:solidFill>
+                  <a:srgbClr val="4472C4">
                     <a:lumMod val="60000"/>
                     <a:lumOff val="40000"/>
-                  </a:schemeClr>
-                </a:solidFill>
-                <a:latin typeface="+mn-ea"/>
-              </a:rPr>
-              <a:t>0 1</a:t>
-            </a:r>
-            <a:endParaRPr lang="ko-KR" altLang="en-US" sz="1300" dirty="0">
-              <a:solidFill>
-                <a:schemeClr val="accent5">
-                  <a:lumMod val="60000"/>
-                  <a:lumOff val="40000"/>
-                </a:schemeClr>
-              </a:solidFill>
-              <a:latin typeface="+mn-ea"/>
-            </a:endParaRPr>
-          </a:p>
-        </p:txBody>
-      </p:sp>
-      <p:sp>
-        <p:nvSpPr>
-          <p:cNvPr id="2" name="직사각형 1">
+                  </a:srgbClr>
+                </a:solidFill>
+                <a:effectLst/>
+                <a:uLnTx/>
+                <a:uFillTx/>
+                <a:latin typeface="맑은 고딕" panose="020B0503020000020004" pitchFamily="50" charset="-127"/>
+                <a:ea typeface="맑은 고딕" panose="020B0503020000020004" pitchFamily="50" charset="-127"/>
+                <a:cs typeface="+mn-cs"/>
+              </a:endParaRPr>
+            </a:p>
+          </p:txBody>
+        </p:sp>
+        <p:sp>
+          <p:nvSpPr>
+            <p:cNvPr id="10" name="직사각형 9">
+              <a:extLst>
+                <a:ext uri="{FF2B5EF4-FFF2-40B4-BE49-F238E27FC236}">
+                  <a16:creationId xmlns:a16="http://schemas.microsoft.com/office/drawing/2014/main" id="{D3933E22-409F-404B-B5B7-0313B68915CD}"/>
+                </a:ext>
+              </a:extLst>
+            </p:cNvPr>
+            <p:cNvSpPr/>
+            <p:nvPr/>
+          </p:nvSpPr>
+          <p:spPr>
+            <a:xfrm>
+              <a:off x="1763697" y="2125547"/>
+              <a:ext cx="423876" cy="1015663"/>
+            </a:xfrm>
+            <a:prstGeom prst="rect">
+              <a:avLst/>
+            </a:prstGeom>
+            <a:noFill/>
+          </p:spPr>
+          <p:txBody>
+            <a:bodyPr wrap="square">
+              <a:spAutoFit/>
+            </a:bodyPr>
+            <a:lstStyle/>
+            <a:p>
+              <a:pPr marL="0" marR="0" lvl="0" indent="0" algn="l" defTabSz="914400" rtl="0" eaLnBrk="1" fontAlgn="auto" latinLnBrk="1" hangingPunct="1">
+                <a:lnSpc>
+                  <a:spcPct val="100000"/>
+                </a:lnSpc>
+                <a:spcBef>
+                  <a:spcPts val="0"/>
+                </a:spcBef>
+                <a:spcAft>
+                  <a:spcPts val="0"/>
+                </a:spcAft>
+                <a:buClrTx/>
+                <a:buSzTx/>
+                <a:buFontTx/>
+                <a:buNone/>
+                <a:tabLst/>
+                <a:defRPr/>
+              </a:pPr>
+              <a:r>
+                <a:rPr kumimoji="0" lang="en-US" altLang="ko-KR" sz="6000" b="0" i="0" u="none" strike="noStrike" kern="1200" cap="none" spc="0" normalizeH="0" baseline="0" noProof="0" dirty="0">
+                  <a:ln>
+                    <a:noFill/>
+                  </a:ln>
+                  <a:solidFill>
+                    <a:srgbClr val="4472C4">
+                      <a:lumMod val="60000"/>
+                      <a:lumOff val="40000"/>
+                    </a:srgbClr>
+                  </a:solidFill>
+                  <a:effectLst/>
+                  <a:uLnTx/>
+                  <a:uFillTx/>
+                  <a:latin typeface="맑은 고딕" panose="020B0503020000020004" pitchFamily="50" charset="-127"/>
+                  <a:ea typeface="맑은 고딕" panose="020B0503020000020004" pitchFamily="50" charset="-127"/>
+                  <a:cs typeface="+mn-cs"/>
+                </a:rPr>
+                <a:t>[</a:t>
+              </a:r>
+              <a:endParaRPr kumimoji="0" lang="ko-KR" altLang="en-US" sz="6000" b="0" i="0" u="none" strike="noStrike" kern="1200" cap="none" spc="0" normalizeH="0" baseline="0" noProof="0" dirty="0">
+                <a:ln>
+                  <a:noFill/>
+                </a:ln>
+                <a:solidFill>
+                  <a:srgbClr val="4472C4">
+                    <a:lumMod val="60000"/>
+                    <a:lumOff val="40000"/>
+                  </a:srgbClr>
+                </a:solidFill>
+                <a:effectLst/>
+                <a:uLnTx/>
+                <a:uFillTx/>
+                <a:latin typeface="맑은 고딕" panose="020B0503020000020004" pitchFamily="50" charset="-127"/>
+                <a:ea typeface="맑은 고딕" panose="020B0503020000020004" pitchFamily="50" charset="-127"/>
+                <a:cs typeface="+mn-cs"/>
+              </a:endParaRPr>
+            </a:p>
+          </p:txBody>
+        </p:sp>
+        <p:sp>
+          <p:nvSpPr>
+            <p:cNvPr id="11" name="직사각형 10">
+              <a:extLst>
+                <a:ext uri="{FF2B5EF4-FFF2-40B4-BE49-F238E27FC236}">
+                  <a16:creationId xmlns:a16="http://schemas.microsoft.com/office/drawing/2014/main" id="{594CE7EC-440B-45A8-B3A9-9CF82B61EA48}"/>
+                </a:ext>
+              </a:extLst>
+            </p:cNvPr>
+            <p:cNvSpPr/>
+            <p:nvPr/>
+          </p:nvSpPr>
+          <p:spPr>
+            <a:xfrm>
+              <a:off x="1650069" y="2334224"/>
+              <a:ext cx="2895034" cy="707886"/>
+            </a:xfrm>
+            <a:prstGeom prst="rect">
+              <a:avLst/>
+            </a:prstGeom>
+          </p:spPr>
+          <p:txBody>
+            <a:bodyPr wrap="square">
+              <a:spAutoFit/>
+            </a:bodyPr>
+            <a:lstStyle/>
+            <a:p>
+              <a:pPr marL="0" marR="0" lvl="0" indent="0" algn="ctr" defTabSz="914400" rtl="0" eaLnBrk="1" fontAlgn="auto" latinLnBrk="1" hangingPunct="1">
+                <a:lnSpc>
+                  <a:spcPct val="100000"/>
+                </a:lnSpc>
+                <a:spcBef>
+                  <a:spcPts val="0"/>
+                </a:spcBef>
+                <a:spcAft>
+                  <a:spcPts val="0"/>
+                </a:spcAft>
+                <a:buClrTx/>
+                <a:buSzTx/>
+                <a:buFontTx/>
+                <a:buNone/>
+                <a:tabLst/>
+                <a:defRPr/>
+              </a:pPr>
+              <a:r>
+                <a:rPr kumimoji="0" lang="en-US" altLang="ko-KR" sz="2000" b="0" i="0" u="none" strike="noStrike" kern="1200" cap="none" spc="0" normalizeH="0" baseline="0" noProof="0" dirty="0">
+                  <a:ln>
+                    <a:noFill/>
+                  </a:ln>
+                  <a:solidFill>
+                    <a:prstClr val="white"/>
+                  </a:solidFill>
+                  <a:effectLst/>
+                  <a:uLnTx/>
+                  <a:uFillTx/>
+                  <a:latin typeface="맑은 고딕" panose="020B0503020000020004" pitchFamily="50" charset="-127"/>
+                  <a:ea typeface="맑은 고딕" panose="020B0503020000020004" pitchFamily="50" charset="-127"/>
+                  <a:cs typeface="+mn-cs"/>
+                </a:rPr>
+                <a:t>Summarize</a:t>
+              </a:r>
+            </a:p>
+            <a:p>
+              <a:pPr marL="0" marR="0" lvl="0" indent="0" algn="ctr" defTabSz="914400" rtl="0" eaLnBrk="1" fontAlgn="auto" latinLnBrk="1" hangingPunct="1">
+                <a:lnSpc>
+                  <a:spcPct val="100000"/>
+                </a:lnSpc>
+                <a:spcBef>
+                  <a:spcPts val="0"/>
+                </a:spcBef>
+                <a:spcAft>
+                  <a:spcPts val="0"/>
+                </a:spcAft>
+                <a:buClrTx/>
+                <a:buSzTx/>
+                <a:buFontTx/>
+                <a:buNone/>
+                <a:tabLst/>
+                <a:defRPr/>
+              </a:pPr>
+              <a:r>
+                <a:rPr lang="en-US" altLang="ko-KR" sz="2000" dirty="0">
+                  <a:solidFill>
+                    <a:prstClr val="white"/>
+                  </a:solidFill>
+                  <a:latin typeface="맑은 고딕" panose="020B0503020000020004" pitchFamily="50" charset="-127"/>
+                  <a:ea typeface="맑은 고딕" panose="020B0503020000020004" pitchFamily="50" charset="-127"/>
+                </a:rPr>
+                <a:t>the </a:t>
+              </a:r>
+              <a:r>
+                <a:rPr kumimoji="0" lang="en-US" altLang="ko-KR" sz="2000" b="0" i="0" u="none" strike="noStrike" kern="1200" cap="none" spc="0" normalizeH="0" baseline="0" noProof="0" dirty="0">
+                  <a:ln>
+                    <a:noFill/>
+                  </a:ln>
+                  <a:solidFill>
+                    <a:prstClr val="white"/>
+                  </a:solidFill>
+                  <a:effectLst/>
+                  <a:uLnTx/>
+                  <a:uFillTx/>
+                  <a:latin typeface="맑은 고딕" panose="020B0503020000020004" pitchFamily="50" charset="-127"/>
+                  <a:ea typeface="맑은 고딕" panose="020B0503020000020004" pitchFamily="50" charset="-127"/>
+                  <a:cs typeface="+mn-cs"/>
+                </a:rPr>
+                <a:t>requirements</a:t>
+              </a:r>
+            </a:p>
+          </p:txBody>
+        </p:sp>
+        <p:sp>
+          <p:nvSpPr>
+            <p:cNvPr id="16" name="직사각형 15">
+              <a:extLst>
+                <a:ext uri="{FF2B5EF4-FFF2-40B4-BE49-F238E27FC236}">
+                  <a16:creationId xmlns:a16="http://schemas.microsoft.com/office/drawing/2014/main" id="{1F791E7C-E1F0-408C-A76E-8ABB7402711F}"/>
+                </a:ext>
+              </a:extLst>
+            </p:cNvPr>
+            <p:cNvSpPr/>
+            <p:nvPr/>
+          </p:nvSpPr>
+          <p:spPr>
+            <a:xfrm>
+              <a:off x="2839192" y="1985819"/>
+              <a:ext cx="519694" cy="369332"/>
+            </a:xfrm>
+            <a:prstGeom prst="rect">
+              <a:avLst/>
+            </a:prstGeom>
+          </p:spPr>
+          <p:txBody>
+            <a:bodyPr wrap="none">
+              <a:spAutoFit/>
+            </a:bodyPr>
+            <a:lstStyle/>
+            <a:p>
+              <a:pPr marL="0" marR="0" lvl="0" indent="0" algn="l" defTabSz="914400" rtl="0" eaLnBrk="1" fontAlgn="auto" latinLnBrk="1" hangingPunct="1">
+                <a:lnSpc>
+                  <a:spcPct val="100000"/>
+                </a:lnSpc>
+                <a:spcBef>
+                  <a:spcPts val="0"/>
+                </a:spcBef>
+                <a:spcAft>
+                  <a:spcPts val="0"/>
+                </a:spcAft>
+                <a:buClrTx/>
+                <a:buSzTx/>
+                <a:buFontTx/>
+                <a:buNone/>
+                <a:tabLst/>
+                <a:defRPr/>
+              </a:pPr>
+              <a:r>
+                <a:rPr kumimoji="0" lang="en-US" altLang="ko-KR" b="0" i="0" u="none" strike="noStrike" kern="1200" cap="none" spc="0" normalizeH="0" baseline="0" noProof="0" dirty="0">
+                  <a:ln>
+                    <a:noFill/>
+                  </a:ln>
+                  <a:solidFill>
+                    <a:srgbClr val="4472C4">
+                      <a:lumMod val="60000"/>
+                      <a:lumOff val="40000"/>
+                    </a:srgbClr>
+                  </a:solidFill>
+                  <a:effectLst/>
+                  <a:uLnTx/>
+                  <a:uFillTx/>
+                  <a:latin typeface="맑은 고딕" panose="020B0503020000020004" pitchFamily="50" charset="-127"/>
+                  <a:ea typeface="맑은 고딕" panose="020B0503020000020004" pitchFamily="50" charset="-127"/>
+                  <a:cs typeface="+mn-cs"/>
+                </a:rPr>
+                <a:t>0 1</a:t>
+              </a:r>
+              <a:endParaRPr kumimoji="0" lang="ko-KR" altLang="en-US" b="0" i="0" u="none" strike="noStrike" kern="1200" cap="none" spc="0" normalizeH="0" baseline="0" noProof="0" dirty="0">
+                <a:ln>
+                  <a:noFill/>
+                </a:ln>
+                <a:solidFill>
+                  <a:srgbClr val="4472C4">
+                    <a:lumMod val="60000"/>
+                    <a:lumOff val="40000"/>
+                  </a:srgbClr>
+                </a:solidFill>
+                <a:effectLst/>
+                <a:uLnTx/>
+                <a:uFillTx/>
+                <a:latin typeface="맑은 고딕" panose="020B0503020000020004" pitchFamily="50" charset="-127"/>
+                <a:ea typeface="맑은 고딕" panose="020B0503020000020004" pitchFamily="50" charset="-127"/>
+                <a:cs typeface="+mn-cs"/>
+              </a:endParaRPr>
+            </a:p>
+          </p:txBody>
+        </p:sp>
+      </p:grpSp>
+      <p:grpSp>
+        <p:nvGrpSpPr>
+          <p:cNvPr id="3" name="그룹 2">
             <a:extLst>
               <a:ext uri="{FF2B5EF4-FFF2-40B4-BE49-F238E27FC236}">
-                <a16:creationId xmlns:a16="http://schemas.microsoft.com/office/drawing/2014/main" id="{49915191-20B7-422A-999F-C3829DF5422C}"/>
+                <a16:creationId xmlns:a16="http://schemas.microsoft.com/office/drawing/2014/main" id="{F1062419-7EE0-4BA7-B852-5510FF4213FC}"/>
               </a:ext>
             </a:extLst>
           </p:cNvPr>
-          <p:cNvSpPr/>
+          <p:cNvGrpSpPr/>
           <p:nvPr/>
-        </p:nvSpPr>
-        <p:spPr>
-          <a:xfrm>
-            <a:off x="760458" y="3551026"/>
-            <a:ext cx="4953000" cy="1604285"/>
-          </a:xfrm>
-          <a:prstGeom prst="rect">
-            <a:avLst/>
-          </a:prstGeom>
-        </p:spPr>
-        <p:txBody>
-          <a:bodyPr>
-            <a:spAutoFit/>
-          </a:bodyPr>
-          <a:lstStyle/>
-          <a:p>
-            <a:pPr marL="342900" lvl="0" indent="-342900" latinLnBrk="0">
-              <a:lnSpc>
-                <a:spcPct val="115000"/>
-              </a:lnSpc>
-              <a:spcAft>
-                <a:spcPts val="1000"/>
-              </a:spcAft>
-              <a:buFont typeface="Wingdings" panose="05000000000000000000" pitchFamily="2" charset="2"/>
-              <a:buChar char=""/>
-            </a:pPr>
-            <a:r>
-              <a:rPr lang="en-US" altLang="ko-KR" dirty="0">
-                <a:solidFill>
-                  <a:schemeClr val="bg1"/>
-                </a:solidFill>
-                <a:latin typeface="+mn-ea"/>
-                <a:cs typeface="Times New Roman" panose="02020603050405020304" pitchFamily="18" charset="0"/>
-              </a:rPr>
-              <a:t>Talk with your with friend whenever and wherever you want.</a:t>
-            </a:r>
-            <a:endParaRPr lang="ko-KR" altLang="ko-KR" dirty="0">
-              <a:solidFill>
-                <a:schemeClr val="bg1"/>
-              </a:solidFill>
-              <a:latin typeface="+mn-ea"/>
-              <a:cs typeface="Times New Roman" panose="02020603050405020304" pitchFamily="18" charset="0"/>
-            </a:endParaRPr>
-          </a:p>
-          <a:p>
-            <a:pPr marL="342900" lvl="0" indent="-342900" latinLnBrk="0">
-              <a:lnSpc>
-                <a:spcPct val="115000"/>
-              </a:lnSpc>
-              <a:spcAft>
-                <a:spcPts val="1000"/>
-              </a:spcAft>
-              <a:buFont typeface="Wingdings" panose="05000000000000000000" pitchFamily="2" charset="2"/>
-              <a:buChar char=""/>
-            </a:pPr>
-            <a:r>
-              <a:rPr lang="en-US" altLang="ko-KR" dirty="0">
-                <a:solidFill>
-                  <a:schemeClr val="bg1"/>
-                </a:solidFill>
-                <a:latin typeface="+mn-ea"/>
-                <a:cs typeface="Times New Roman" panose="02020603050405020304" pitchFamily="18" charset="0"/>
-              </a:rPr>
-              <a:t>Manage your personal schedule.</a:t>
-            </a:r>
-            <a:endParaRPr lang="ko-KR" altLang="ko-KR" dirty="0">
-              <a:solidFill>
-                <a:schemeClr val="bg1"/>
-              </a:solidFill>
-              <a:latin typeface="+mn-ea"/>
-              <a:cs typeface="Times New Roman" panose="02020603050405020304" pitchFamily="18" charset="0"/>
-            </a:endParaRPr>
-          </a:p>
-          <a:p>
-            <a:pPr marL="342900" lvl="0" indent="-342900" latinLnBrk="0">
-              <a:lnSpc>
-                <a:spcPct val="115000"/>
-              </a:lnSpc>
-              <a:spcAft>
-                <a:spcPts val="1000"/>
-              </a:spcAft>
-              <a:buFont typeface="Wingdings" panose="05000000000000000000" pitchFamily="2" charset="2"/>
-              <a:buChar char=""/>
-            </a:pPr>
-            <a:r>
-              <a:rPr lang="en-US" altLang="ko-KR" dirty="0">
-                <a:solidFill>
-                  <a:schemeClr val="bg1"/>
-                </a:solidFill>
-                <a:latin typeface="+mn-ea"/>
-                <a:cs typeface="Times New Roman" panose="02020603050405020304" pitchFamily="18" charset="0"/>
-              </a:rPr>
-              <a:t>Share your schedule with your friends.</a:t>
-            </a:r>
-            <a:endParaRPr lang="ko-KR" altLang="ko-KR" dirty="0">
-              <a:solidFill>
-                <a:schemeClr val="bg1"/>
-              </a:solidFill>
-              <a:latin typeface="+mn-ea"/>
-              <a:cs typeface="Times New Roman" panose="02020603050405020304" pitchFamily="18" charset="0"/>
-            </a:endParaRPr>
-          </a:p>
-        </p:txBody>
-      </p:sp>
-      <p:sp>
-        <p:nvSpPr>
-          <p:cNvPr id="3" name="직사각형 2">
+        </p:nvGrpSpPr>
+        <p:grpSpPr>
+          <a:xfrm>
+            <a:off x="3351486" y="3171618"/>
+            <a:ext cx="2965285" cy="1162434"/>
+            <a:chOff x="5229034" y="1861931"/>
+            <a:chExt cx="2965285" cy="1162434"/>
+          </a:xfrm>
+        </p:grpSpPr>
+        <p:sp>
+          <p:nvSpPr>
+            <p:cNvPr id="12" name="직사각형 11">
+              <a:extLst>
+                <a:ext uri="{FF2B5EF4-FFF2-40B4-BE49-F238E27FC236}">
+                  <a16:creationId xmlns:a16="http://schemas.microsoft.com/office/drawing/2014/main" id="{B184D206-31E4-40CE-B4B3-D8D7D1F33BBF}"/>
+                </a:ext>
+              </a:extLst>
+            </p:cNvPr>
+            <p:cNvSpPr/>
+            <p:nvPr/>
+          </p:nvSpPr>
+          <p:spPr>
+            <a:xfrm>
+              <a:off x="7770443" y="2008702"/>
+              <a:ext cx="423876" cy="1015663"/>
+            </a:xfrm>
+            <a:prstGeom prst="rect">
+              <a:avLst/>
+            </a:prstGeom>
+            <a:noFill/>
+          </p:spPr>
+          <p:txBody>
+            <a:bodyPr wrap="square">
+              <a:spAutoFit/>
+            </a:bodyPr>
+            <a:lstStyle/>
+            <a:p>
+              <a:pPr marL="0" marR="0" lvl="0" indent="0" algn="l" defTabSz="914400" rtl="0" eaLnBrk="1" fontAlgn="auto" latinLnBrk="1" hangingPunct="1">
+                <a:lnSpc>
+                  <a:spcPct val="100000"/>
+                </a:lnSpc>
+                <a:spcBef>
+                  <a:spcPts val="0"/>
+                </a:spcBef>
+                <a:spcAft>
+                  <a:spcPts val="0"/>
+                </a:spcAft>
+                <a:buClrTx/>
+                <a:buSzTx/>
+                <a:buFontTx/>
+                <a:buNone/>
+                <a:tabLst/>
+                <a:defRPr/>
+              </a:pPr>
+              <a:r>
+                <a:rPr kumimoji="0" lang="en-US" altLang="ko-KR" sz="6000" b="0" i="0" u="none" strike="noStrike" kern="1200" cap="none" spc="0" normalizeH="0" baseline="0" noProof="0" dirty="0">
+                  <a:ln>
+                    <a:noFill/>
+                  </a:ln>
+                  <a:solidFill>
+                    <a:srgbClr val="4472C4">
+                      <a:lumMod val="60000"/>
+                      <a:lumOff val="40000"/>
+                    </a:srgbClr>
+                  </a:solidFill>
+                  <a:effectLst/>
+                  <a:uLnTx/>
+                  <a:uFillTx/>
+                  <a:latin typeface="맑은 고딕" panose="020B0503020000020004" pitchFamily="50" charset="-127"/>
+                  <a:ea typeface="맑은 고딕" panose="020B0503020000020004" pitchFamily="50" charset="-127"/>
+                  <a:cs typeface="+mn-cs"/>
+                </a:rPr>
+                <a:t>]</a:t>
+              </a:r>
+              <a:endParaRPr kumimoji="0" lang="ko-KR" altLang="en-US" sz="6000" b="0" i="0" u="none" strike="noStrike" kern="1200" cap="none" spc="0" normalizeH="0" baseline="0" noProof="0" dirty="0">
+                <a:ln>
+                  <a:noFill/>
+                </a:ln>
+                <a:solidFill>
+                  <a:srgbClr val="4472C4">
+                    <a:lumMod val="60000"/>
+                    <a:lumOff val="40000"/>
+                  </a:srgbClr>
+                </a:solidFill>
+                <a:effectLst/>
+                <a:uLnTx/>
+                <a:uFillTx/>
+                <a:latin typeface="맑은 고딕" panose="020B0503020000020004" pitchFamily="50" charset="-127"/>
+                <a:ea typeface="맑은 고딕" panose="020B0503020000020004" pitchFamily="50" charset="-127"/>
+                <a:cs typeface="+mn-cs"/>
+              </a:endParaRPr>
+            </a:p>
+          </p:txBody>
+        </p:sp>
+        <p:sp>
+          <p:nvSpPr>
+            <p:cNvPr id="14" name="직사각형 13">
+              <a:extLst>
+                <a:ext uri="{FF2B5EF4-FFF2-40B4-BE49-F238E27FC236}">
+                  <a16:creationId xmlns:a16="http://schemas.microsoft.com/office/drawing/2014/main" id="{EE38C0D3-802B-4C30-B13D-40C65C896B90}"/>
+                </a:ext>
+              </a:extLst>
+            </p:cNvPr>
+            <p:cNvSpPr/>
+            <p:nvPr/>
+          </p:nvSpPr>
+          <p:spPr>
+            <a:xfrm>
+              <a:off x="5229034" y="1999567"/>
+              <a:ext cx="423876" cy="1015663"/>
+            </a:xfrm>
+            <a:prstGeom prst="rect">
+              <a:avLst/>
+            </a:prstGeom>
+            <a:noFill/>
+          </p:spPr>
+          <p:txBody>
+            <a:bodyPr wrap="square">
+              <a:spAutoFit/>
+            </a:bodyPr>
+            <a:lstStyle/>
+            <a:p>
+              <a:pPr marL="0" marR="0" lvl="0" indent="0" algn="l" defTabSz="914400" rtl="0" eaLnBrk="1" fontAlgn="auto" latinLnBrk="1" hangingPunct="1">
+                <a:lnSpc>
+                  <a:spcPct val="100000"/>
+                </a:lnSpc>
+                <a:spcBef>
+                  <a:spcPts val="0"/>
+                </a:spcBef>
+                <a:spcAft>
+                  <a:spcPts val="0"/>
+                </a:spcAft>
+                <a:buClrTx/>
+                <a:buSzTx/>
+                <a:buFontTx/>
+                <a:buNone/>
+                <a:tabLst/>
+                <a:defRPr/>
+              </a:pPr>
+              <a:r>
+                <a:rPr kumimoji="0" lang="en-US" altLang="ko-KR" sz="6000" b="0" i="0" u="none" strike="noStrike" kern="1200" cap="none" spc="0" normalizeH="0" baseline="0" noProof="0" dirty="0">
+                  <a:ln>
+                    <a:noFill/>
+                  </a:ln>
+                  <a:solidFill>
+                    <a:srgbClr val="4472C4">
+                      <a:lumMod val="60000"/>
+                      <a:lumOff val="40000"/>
+                    </a:srgbClr>
+                  </a:solidFill>
+                  <a:effectLst/>
+                  <a:uLnTx/>
+                  <a:uFillTx/>
+                  <a:latin typeface="맑은 고딕" panose="020B0503020000020004" pitchFamily="50" charset="-127"/>
+                  <a:ea typeface="맑은 고딕" panose="020B0503020000020004" pitchFamily="50" charset="-127"/>
+                  <a:cs typeface="+mn-cs"/>
+                </a:rPr>
+                <a:t>[</a:t>
+              </a:r>
+              <a:endParaRPr kumimoji="0" lang="ko-KR" altLang="en-US" sz="6000" b="0" i="0" u="none" strike="noStrike" kern="1200" cap="none" spc="0" normalizeH="0" baseline="0" noProof="0" dirty="0">
+                <a:ln>
+                  <a:noFill/>
+                </a:ln>
+                <a:solidFill>
+                  <a:srgbClr val="4472C4">
+                    <a:lumMod val="60000"/>
+                    <a:lumOff val="40000"/>
+                  </a:srgbClr>
+                </a:solidFill>
+                <a:effectLst/>
+                <a:uLnTx/>
+                <a:uFillTx/>
+                <a:latin typeface="맑은 고딕" panose="020B0503020000020004" pitchFamily="50" charset="-127"/>
+                <a:ea typeface="맑은 고딕" panose="020B0503020000020004" pitchFamily="50" charset="-127"/>
+                <a:cs typeface="+mn-cs"/>
+              </a:endParaRPr>
+            </a:p>
+          </p:txBody>
+        </p:sp>
+        <p:sp>
+          <p:nvSpPr>
+            <p:cNvPr id="17" name="직사각형 16">
+              <a:extLst>
+                <a:ext uri="{FF2B5EF4-FFF2-40B4-BE49-F238E27FC236}">
+                  <a16:creationId xmlns:a16="http://schemas.microsoft.com/office/drawing/2014/main" id="{1F84A28C-8AD2-413E-BA58-8712A480F13B}"/>
+                </a:ext>
+              </a:extLst>
+            </p:cNvPr>
+            <p:cNvSpPr/>
+            <p:nvPr/>
+          </p:nvSpPr>
+          <p:spPr>
+            <a:xfrm>
+              <a:off x="5271105" y="2355263"/>
+              <a:ext cx="2895034" cy="400110"/>
+            </a:xfrm>
+            <a:prstGeom prst="rect">
+              <a:avLst/>
+            </a:prstGeom>
+          </p:spPr>
+          <p:txBody>
+            <a:bodyPr wrap="square">
+              <a:spAutoFit/>
+            </a:bodyPr>
+            <a:lstStyle/>
+            <a:p>
+              <a:pPr marL="0" marR="0" lvl="0" indent="0" algn="ctr" defTabSz="914400" rtl="0" eaLnBrk="1" fontAlgn="auto" latinLnBrk="1" hangingPunct="1">
+                <a:lnSpc>
+                  <a:spcPct val="100000"/>
+                </a:lnSpc>
+                <a:spcBef>
+                  <a:spcPts val="0"/>
+                </a:spcBef>
+                <a:spcAft>
+                  <a:spcPts val="0"/>
+                </a:spcAft>
+                <a:buClrTx/>
+                <a:buSzTx/>
+                <a:buFontTx/>
+                <a:buNone/>
+                <a:tabLst/>
+                <a:defRPr/>
+              </a:pPr>
+              <a:r>
+                <a:rPr kumimoji="0" lang="en-US" altLang="ko-KR" sz="2000" b="0" i="0" u="none" strike="noStrike" kern="1200" cap="none" spc="0" normalizeH="0" baseline="0" noProof="0" dirty="0">
+                  <a:ln>
+                    <a:noFill/>
+                  </a:ln>
+                  <a:solidFill>
+                    <a:prstClr val="white"/>
+                  </a:solidFill>
+                  <a:effectLst/>
+                  <a:uLnTx/>
+                  <a:uFillTx/>
+                  <a:latin typeface="맑은 고딕" panose="020B0503020000020004" pitchFamily="50" charset="-127"/>
+                  <a:ea typeface="맑은 고딕" panose="020B0503020000020004" pitchFamily="50" charset="-127"/>
+                  <a:cs typeface="+mn-cs"/>
+                </a:rPr>
+                <a:t>Architectural design</a:t>
+              </a:r>
+            </a:p>
+          </p:txBody>
+        </p:sp>
+        <p:sp>
+          <p:nvSpPr>
+            <p:cNvPr id="18" name="직사각형 17">
+              <a:extLst>
+                <a:ext uri="{FF2B5EF4-FFF2-40B4-BE49-F238E27FC236}">
+                  <a16:creationId xmlns:a16="http://schemas.microsoft.com/office/drawing/2014/main" id="{B73A09CC-6720-4A4F-BFE0-C3873DB2A900}"/>
+                </a:ext>
+              </a:extLst>
+            </p:cNvPr>
+            <p:cNvSpPr/>
+            <p:nvPr/>
+          </p:nvSpPr>
+          <p:spPr>
+            <a:xfrm>
+              <a:off x="6463686" y="1861931"/>
+              <a:ext cx="519694" cy="369332"/>
+            </a:xfrm>
+            <a:prstGeom prst="rect">
+              <a:avLst/>
+            </a:prstGeom>
+          </p:spPr>
+          <p:txBody>
+            <a:bodyPr wrap="none">
+              <a:spAutoFit/>
+            </a:bodyPr>
+            <a:lstStyle/>
+            <a:p>
+              <a:pPr marL="0" marR="0" lvl="0" indent="0" algn="l" defTabSz="914400" rtl="0" eaLnBrk="1" fontAlgn="auto" latinLnBrk="1" hangingPunct="1">
+                <a:lnSpc>
+                  <a:spcPct val="100000"/>
+                </a:lnSpc>
+                <a:spcBef>
+                  <a:spcPts val="0"/>
+                </a:spcBef>
+                <a:spcAft>
+                  <a:spcPts val="0"/>
+                </a:spcAft>
+                <a:buClrTx/>
+                <a:buSzTx/>
+                <a:buFontTx/>
+                <a:buNone/>
+                <a:tabLst/>
+                <a:defRPr/>
+              </a:pPr>
+              <a:r>
+                <a:rPr kumimoji="0" lang="en-US" altLang="ko-KR" b="0" i="0" u="none" strike="noStrike" kern="1200" cap="none" spc="0" normalizeH="0" baseline="0" noProof="0" dirty="0">
+                  <a:ln>
+                    <a:noFill/>
+                  </a:ln>
+                  <a:solidFill>
+                    <a:srgbClr val="4472C4">
+                      <a:lumMod val="60000"/>
+                      <a:lumOff val="40000"/>
+                    </a:srgbClr>
+                  </a:solidFill>
+                  <a:effectLst/>
+                  <a:uLnTx/>
+                  <a:uFillTx/>
+                  <a:latin typeface="맑은 고딕" panose="020B0503020000020004" pitchFamily="50" charset="-127"/>
+                  <a:ea typeface="맑은 고딕" panose="020B0503020000020004" pitchFamily="50" charset="-127"/>
+                  <a:cs typeface="+mn-cs"/>
+                </a:rPr>
+                <a:t>0 2</a:t>
+              </a:r>
+              <a:endParaRPr kumimoji="0" lang="ko-KR" altLang="en-US" b="0" i="0" u="none" strike="noStrike" kern="1200" cap="none" spc="0" normalizeH="0" baseline="0" noProof="0" dirty="0">
+                <a:ln>
+                  <a:noFill/>
+                </a:ln>
+                <a:solidFill>
+                  <a:srgbClr val="4472C4">
+                    <a:lumMod val="60000"/>
+                    <a:lumOff val="40000"/>
+                  </a:srgbClr>
+                </a:solidFill>
+                <a:effectLst/>
+                <a:uLnTx/>
+                <a:uFillTx/>
+                <a:latin typeface="맑은 고딕" panose="020B0503020000020004" pitchFamily="50" charset="-127"/>
+                <a:ea typeface="맑은 고딕" panose="020B0503020000020004" pitchFamily="50" charset="-127"/>
+                <a:cs typeface="+mn-cs"/>
+              </a:endParaRPr>
+            </a:p>
+          </p:txBody>
+        </p:sp>
+      </p:grpSp>
+      <p:grpSp>
+        <p:nvGrpSpPr>
+          <p:cNvPr id="4" name="그룹 3">
             <a:extLst>
               <a:ext uri="{FF2B5EF4-FFF2-40B4-BE49-F238E27FC236}">
-                <a16:creationId xmlns:a16="http://schemas.microsoft.com/office/drawing/2014/main" id="{D2A435C2-1F53-49C8-9E6B-F0A6024296FA}"/>
+                <a16:creationId xmlns:a16="http://schemas.microsoft.com/office/drawing/2014/main" id="{A629B658-6249-4FAC-B311-91C4B5C0BFD0}"/>
               </a:ext>
             </a:extLst>
           </p:cNvPr>
-          <p:cNvSpPr/>
+          <p:cNvGrpSpPr/>
           <p:nvPr/>
-        </p:nvSpPr>
-        <p:spPr>
-          <a:xfrm>
-            <a:off x="760458" y="2154764"/>
-            <a:ext cx="8259255" cy="923330"/>
-          </a:xfrm>
-          <a:prstGeom prst="rect">
-            <a:avLst/>
-          </a:prstGeom>
-        </p:spPr>
-        <p:txBody>
-          <a:bodyPr wrap="square">
-            <a:spAutoFit/>
-          </a:bodyPr>
-          <a:lstStyle/>
-          <a:p>
-            <a:r>
-              <a:rPr lang="en-US" altLang="ko-KR" dirty="0">
-                <a:solidFill>
-                  <a:schemeClr val="bg1"/>
-                </a:solidFill>
-                <a:latin typeface="+mn-ea"/>
-                <a:cs typeface="Times New Roman" panose="02020603050405020304" pitchFamily="18" charset="0"/>
-              </a:rPr>
-              <a:t>CCC is a messenger app like any other messenger app especially developed for University </a:t>
-            </a:r>
-            <a:r>
-              <a:rPr lang="en-US" altLang="ko-KR" dirty="0">
-                <a:solidFill>
-                  <a:schemeClr val="bg1"/>
-                </a:solidFill>
-                <a:latin typeface="+mn-ea"/>
-              </a:rPr>
-              <a:t>Student’s but it has some added functionalities which can be very useful for managing day to day activities. </a:t>
-            </a:r>
-            <a:endParaRPr lang="ko-KR" altLang="en-US" dirty="0">
-              <a:solidFill>
-                <a:schemeClr val="bg1"/>
-              </a:solidFill>
-              <a:latin typeface="+mn-ea"/>
-            </a:endParaRPr>
-          </a:p>
-        </p:txBody>
-      </p:sp>
+        </p:nvGrpSpPr>
+        <p:grpSpPr>
+          <a:xfrm>
+            <a:off x="6499764" y="3182481"/>
+            <a:ext cx="2895034" cy="1154930"/>
+            <a:chOff x="1745544" y="3768447"/>
+            <a:chExt cx="2895034" cy="1154930"/>
+          </a:xfrm>
+        </p:grpSpPr>
+        <p:sp>
+          <p:nvSpPr>
+            <p:cNvPr id="19" name="직사각형 18">
+              <a:extLst>
+                <a:ext uri="{FF2B5EF4-FFF2-40B4-BE49-F238E27FC236}">
+                  <a16:creationId xmlns:a16="http://schemas.microsoft.com/office/drawing/2014/main" id="{A8C41F38-E7E7-4BF0-897D-1F308C3CC7D2}"/>
+                </a:ext>
+              </a:extLst>
+            </p:cNvPr>
+            <p:cNvSpPr/>
+            <p:nvPr/>
+          </p:nvSpPr>
+          <p:spPr>
+            <a:xfrm>
+              <a:off x="4122916" y="3907714"/>
+              <a:ext cx="423876" cy="1015663"/>
+            </a:xfrm>
+            <a:prstGeom prst="rect">
+              <a:avLst/>
+            </a:prstGeom>
+            <a:noFill/>
+          </p:spPr>
+          <p:txBody>
+            <a:bodyPr wrap="square">
+              <a:spAutoFit/>
+            </a:bodyPr>
+            <a:lstStyle/>
+            <a:p>
+              <a:pPr marL="0" marR="0" lvl="0" indent="0" algn="l" defTabSz="914400" rtl="0" eaLnBrk="1" fontAlgn="auto" latinLnBrk="1" hangingPunct="1">
+                <a:lnSpc>
+                  <a:spcPct val="100000"/>
+                </a:lnSpc>
+                <a:spcBef>
+                  <a:spcPts val="0"/>
+                </a:spcBef>
+                <a:spcAft>
+                  <a:spcPts val="0"/>
+                </a:spcAft>
+                <a:buClrTx/>
+                <a:buSzTx/>
+                <a:buFontTx/>
+                <a:buNone/>
+                <a:tabLst/>
+                <a:defRPr/>
+              </a:pPr>
+              <a:r>
+                <a:rPr kumimoji="0" lang="en-US" altLang="ko-KR" sz="6000" b="0" i="0" u="none" strike="noStrike" kern="1200" cap="none" spc="0" normalizeH="0" baseline="0" noProof="0" dirty="0">
+                  <a:ln>
+                    <a:noFill/>
+                  </a:ln>
+                  <a:solidFill>
+                    <a:srgbClr val="4472C4">
+                      <a:lumMod val="60000"/>
+                      <a:lumOff val="40000"/>
+                    </a:srgbClr>
+                  </a:solidFill>
+                  <a:effectLst/>
+                  <a:uLnTx/>
+                  <a:uFillTx/>
+                  <a:latin typeface="맑은 고딕" panose="020B0503020000020004" pitchFamily="50" charset="-127"/>
+                  <a:ea typeface="맑은 고딕" panose="020B0503020000020004" pitchFamily="50" charset="-127"/>
+                  <a:cs typeface="+mn-cs"/>
+                </a:rPr>
+                <a:t>]</a:t>
+              </a:r>
+              <a:endParaRPr kumimoji="0" lang="ko-KR" altLang="en-US" sz="6000" b="0" i="0" u="none" strike="noStrike" kern="1200" cap="none" spc="0" normalizeH="0" baseline="0" noProof="0" dirty="0">
+                <a:ln>
+                  <a:noFill/>
+                </a:ln>
+                <a:solidFill>
+                  <a:srgbClr val="4472C4">
+                    <a:lumMod val="60000"/>
+                    <a:lumOff val="40000"/>
+                  </a:srgbClr>
+                </a:solidFill>
+                <a:effectLst/>
+                <a:uLnTx/>
+                <a:uFillTx/>
+                <a:latin typeface="맑은 고딕" panose="020B0503020000020004" pitchFamily="50" charset="-127"/>
+                <a:ea typeface="맑은 고딕" panose="020B0503020000020004" pitchFamily="50" charset="-127"/>
+                <a:cs typeface="+mn-cs"/>
+              </a:endParaRPr>
+            </a:p>
+          </p:txBody>
+        </p:sp>
+        <p:sp>
+          <p:nvSpPr>
+            <p:cNvPr id="20" name="직사각형 19">
+              <a:extLst>
+                <a:ext uri="{FF2B5EF4-FFF2-40B4-BE49-F238E27FC236}">
+                  <a16:creationId xmlns:a16="http://schemas.microsoft.com/office/drawing/2014/main" id="{B911C7FD-11E3-4AF3-ADE9-541665B189B8}"/>
+                </a:ext>
+              </a:extLst>
+            </p:cNvPr>
+            <p:cNvSpPr/>
+            <p:nvPr/>
+          </p:nvSpPr>
+          <p:spPr>
+            <a:xfrm>
+              <a:off x="1825703" y="3892699"/>
+              <a:ext cx="423876" cy="1015663"/>
+            </a:xfrm>
+            <a:prstGeom prst="rect">
+              <a:avLst/>
+            </a:prstGeom>
+            <a:noFill/>
+          </p:spPr>
+          <p:txBody>
+            <a:bodyPr wrap="square">
+              <a:spAutoFit/>
+            </a:bodyPr>
+            <a:lstStyle/>
+            <a:p>
+              <a:pPr marL="0" marR="0" lvl="0" indent="0" algn="l" defTabSz="914400" rtl="0" eaLnBrk="1" fontAlgn="auto" latinLnBrk="1" hangingPunct="1">
+                <a:lnSpc>
+                  <a:spcPct val="100000"/>
+                </a:lnSpc>
+                <a:spcBef>
+                  <a:spcPts val="0"/>
+                </a:spcBef>
+                <a:spcAft>
+                  <a:spcPts val="0"/>
+                </a:spcAft>
+                <a:buClrTx/>
+                <a:buSzTx/>
+                <a:buFontTx/>
+                <a:buNone/>
+                <a:tabLst/>
+                <a:defRPr/>
+              </a:pPr>
+              <a:r>
+                <a:rPr kumimoji="0" lang="en-US" altLang="ko-KR" sz="6000" b="0" i="0" u="none" strike="noStrike" kern="1200" cap="none" spc="0" normalizeH="0" baseline="0" noProof="0" dirty="0">
+                  <a:ln>
+                    <a:noFill/>
+                  </a:ln>
+                  <a:solidFill>
+                    <a:srgbClr val="4472C4">
+                      <a:lumMod val="60000"/>
+                      <a:lumOff val="40000"/>
+                    </a:srgbClr>
+                  </a:solidFill>
+                  <a:effectLst/>
+                  <a:uLnTx/>
+                  <a:uFillTx/>
+                  <a:latin typeface="맑은 고딕" panose="020B0503020000020004" pitchFamily="50" charset="-127"/>
+                  <a:ea typeface="맑은 고딕" panose="020B0503020000020004" pitchFamily="50" charset="-127"/>
+                  <a:cs typeface="+mn-cs"/>
+                </a:rPr>
+                <a:t>[</a:t>
+              </a:r>
+              <a:endParaRPr kumimoji="0" lang="ko-KR" altLang="en-US" sz="6000" b="0" i="0" u="none" strike="noStrike" kern="1200" cap="none" spc="0" normalizeH="0" baseline="0" noProof="0" dirty="0">
+                <a:ln>
+                  <a:noFill/>
+                </a:ln>
+                <a:solidFill>
+                  <a:srgbClr val="4472C4">
+                    <a:lumMod val="60000"/>
+                    <a:lumOff val="40000"/>
+                  </a:srgbClr>
+                </a:solidFill>
+                <a:effectLst/>
+                <a:uLnTx/>
+                <a:uFillTx/>
+                <a:latin typeface="맑은 고딕" panose="020B0503020000020004" pitchFamily="50" charset="-127"/>
+                <a:ea typeface="맑은 고딕" panose="020B0503020000020004" pitchFamily="50" charset="-127"/>
+                <a:cs typeface="+mn-cs"/>
+              </a:endParaRPr>
+            </a:p>
+          </p:txBody>
+        </p:sp>
+        <p:sp>
+          <p:nvSpPr>
+            <p:cNvPr id="21" name="직사각형 20">
+              <a:extLst>
+                <a:ext uri="{FF2B5EF4-FFF2-40B4-BE49-F238E27FC236}">
+                  <a16:creationId xmlns:a16="http://schemas.microsoft.com/office/drawing/2014/main" id="{110ED845-804F-4126-AF76-1B23040C4392}"/>
+                </a:ext>
+              </a:extLst>
+            </p:cNvPr>
+            <p:cNvSpPr/>
+            <p:nvPr/>
+          </p:nvSpPr>
+          <p:spPr>
+            <a:xfrm>
+              <a:off x="1745544" y="4123532"/>
+              <a:ext cx="2895034" cy="707886"/>
+            </a:xfrm>
+            <a:prstGeom prst="rect">
+              <a:avLst/>
+            </a:prstGeom>
+          </p:spPr>
+          <p:txBody>
+            <a:bodyPr wrap="square">
+              <a:spAutoFit/>
+            </a:bodyPr>
+            <a:lstStyle/>
+            <a:p>
+              <a:pPr marL="0" marR="0" lvl="0" indent="0" algn="ctr" defTabSz="914400" rtl="0" eaLnBrk="1" fontAlgn="auto" latinLnBrk="1" hangingPunct="1">
+                <a:lnSpc>
+                  <a:spcPct val="100000"/>
+                </a:lnSpc>
+                <a:spcBef>
+                  <a:spcPts val="0"/>
+                </a:spcBef>
+                <a:spcAft>
+                  <a:spcPts val="0"/>
+                </a:spcAft>
+                <a:buClrTx/>
+                <a:buSzTx/>
+                <a:buFontTx/>
+                <a:buNone/>
+                <a:tabLst/>
+                <a:defRPr/>
+              </a:pPr>
+              <a:r>
+                <a:rPr kumimoji="0" lang="en-US" altLang="ko-KR" sz="2000" b="0" i="0" u="none" strike="noStrike" kern="1200" cap="none" spc="0" normalizeH="0" baseline="0" noProof="0" dirty="0">
+                  <a:ln>
+                    <a:noFill/>
+                  </a:ln>
+                  <a:solidFill>
+                    <a:prstClr val="white"/>
+                  </a:solidFill>
+                  <a:effectLst/>
+                  <a:uLnTx/>
+                  <a:uFillTx/>
+                  <a:latin typeface="맑은 고딕" panose="020B0503020000020004" pitchFamily="50" charset="-127"/>
+                  <a:ea typeface="맑은 고딕" panose="020B0503020000020004" pitchFamily="50" charset="-127"/>
+                  <a:cs typeface="+mn-cs"/>
+                </a:rPr>
+                <a:t>Planning</a:t>
+              </a:r>
+              <a:r>
+                <a:rPr lang="en-US" altLang="ko-KR" sz="2000" dirty="0">
+                  <a:solidFill>
+                    <a:prstClr val="white"/>
+                  </a:solidFill>
+                  <a:latin typeface="맑은 고딕" panose="020B0503020000020004" pitchFamily="50" charset="-127"/>
+                  <a:ea typeface="맑은 고딕" panose="020B0503020000020004" pitchFamily="50" charset="-127"/>
+                </a:rPr>
+                <a:t> for the</a:t>
+              </a:r>
+            </a:p>
+            <a:p>
+              <a:pPr marL="0" marR="0" lvl="0" indent="0" algn="ctr" defTabSz="914400" rtl="0" eaLnBrk="1" fontAlgn="auto" latinLnBrk="1" hangingPunct="1">
+                <a:lnSpc>
+                  <a:spcPct val="100000"/>
+                </a:lnSpc>
+                <a:spcBef>
+                  <a:spcPts val="0"/>
+                </a:spcBef>
+                <a:spcAft>
+                  <a:spcPts val="0"/>
+                </a:spcAft>
+                <a:buClrTx/>
+                <a:buSzTx/>
+                <a:buFontTx/>
+                <a:buNone/>
+                <a:tabLst/>
+                <a:defRPr/>
+              </a:pPr>
+              <a:r>
+                <a:rPr kumimoji="0" lang="en-US" altLang="ko-KR" sz="2000" b="0" i="0" u="none" strike="noStrike" kern="1200" cap="none" spc="0" normalizeH="0" baseline="0" noProof="0" dirty="0">
+                  <a:ln>
+                    <a:noFill/>
+                  </a:ln>
+                  <a:solidFill>
+                    <a:prstClr val="white"/>
+                  </a:solidFill>
+                  <a:effectLst/>
+                  <a:uLnTx/>
+                  <a:uFillTx/>
+                  <a:latin typeface="맑은 고딕" panose="020B0503020000020004" pitchFamily="50" charset="-127"/>
+                  <a:ea typeface="맑은 고딕" panose="020B0503020000020004" pitchFamily="50" charset="-127"/>
+                  <a:cs typeface="+mn-cs"/>
+                </a:rPr>
+                <a:t>implementation</a:t>
+              </a:r>
+            </a:p>
+          </p:txBody>
+        </p:sp>
+        <p:sp>
+          <p:nvSpPr>
+            <p:cNvPr id="24" name="직사각형 23">
+              <a:extLst>
+                <a:ext uri="{FF2B5EF4-FFF2-40B4-BE49-F238E27FC236}">
+                  <a16:creationId xmlns:a16="http://schemas.microsoft.com/office/drawing/2014/main" id="{F4774ED2-2A2C-483A-A940-614A7413D9E1}"/>
+                </a:ext>
+              </a:extLst>
+            </p:cNvPr>
+            <p:cNvSpPr/>
+            <p:nvPr/>
+          </p:nvSpPr>
+          <p:spPr>
+            <a:xfrm>
+              <a:off x="2940157" y="3768447"/>
+              <a:ext cx="519694" cy="369332"/>
+            </a:xfrm>
+            <a:prstGeom prst="rect">
+              <a:avLst/>
+            </a:prstGeom>
+          </p:spPr>
+          <p:txBody>
+            <a:bodyPr wrap="none">
+              <a:spAutoFit/>
+            </a:bodyPr>
+            <a:lstStyle/>
+            <a:p>
+              <a:pPr marL="0" marR="0" lvl="0" indent="0" algn="l" defTabSz="914400" rtl="0" eaLnBrk="1" fontAlgn="auto" latinLnBrk="1" hangingPunct="1">
+                <a:lnSpc>
+                  <a:spcPct val="100000"/>
+                </a:lnSpc>
+                <a:spcBef>
+                  <a:spcPts val="0"/>
+                </a:spcBef>
+                <a:spcAft>
+                  <a:spcPts val="0"/>
+                </a:spcAft>
+                <a:buClrTx/>
+                <a:buSzTx/>
+                <a:buFontTx/>
+                <a:buNone/>
+                <a:tabLst/>
+                <a:defRPr/>
+              </a:pPr>
+              <a:r>
+                <a:rPr kumimoji="0" lang="en-US" altLang="ko-KR" b="0" i="0" u="none" strike="noStrike" kern="1200" cap="none" spc="0" normalizeH="0" baseline="0" noProof="0" dirty="0">
+                  <a:ln>
+                    <a:noFill/>
+                  </a:ln>
+                  <a:solidFill>
+                    <a:srgbClr val="4472C4">
+                      <a:lumMod val="60000"/>
+                      <a:lumOff val="40000"/>
+                    </a:srgbClr>
+                  </a:solidFill>
+                  <a:effectLst/>
+                  <a:uLnTx/>
+                  <a:uFillTx/>
+                  <a:latin typeface="맑은 고딕" panose="020B0503020000020004" pitchFamily="50" charset="-127"/>
+                  <a:ea typeface="맑은 고딕" panose="020B0503020000020004" pitchFamily="50" charset="-127"/>
+                  <a:cs typeface="+mn-cs"/>
+                </a:rPr>
+                <a:t>0 3</a:t>
+              </a:r>
+              <a:endParaRPr kumimoji="0" lang="ko-KR" altLang="en-US" b="0" i="0" u="none" strike="noStrike" kern="1200" cap="none" spc="0" normalizeH="0" baseline="0" noProof="0" dirty="0">
+                <a:ln>
+                  <a:noFill/>
+                </a:ln>
+                <a:solidFill>
+                  <a:srgbClr val="4472C4">
+                    <a:lumMod val="60000"/>
+                    <a:lumOff val="40000"/>
+                  </a:srgbClr>
+                </a:solidFill>
+                <a:effectLst/>
+                <a:uLnTx/>
+                <a:uFillTx/>
+                <a:latin typeface="맑은 고딕" panose="020B0503020000020004" pitchFamily="50" charset="-127"/>
+                <a:ea typeface="맑은 고딕" panose="020B0503020000020004" pitchFamily="50" charset="-127"/>
+                <a:cs typeface="+mn-cs"/>
+              </a:endParaRPr>
+            </a:p>
+          </p:txBody>
+        </p:sp>
+      </p:grpSp>
     </p:spTree>
     <p:extLst>
       <p:ext uri="{BB962C8B-B14F-4D97-AF65-F5344CB8AC3E}">
-        <p14:creationId xmlns:p14="http://schemas.microsoft.com/office/powerpoint/2010/main" val="2001964979"/>
+        <p14:creationId xmlns:p14="http://schemas.microsoft.com/office/powerpoint/2010/main" val="2434628322"/>
       </p:ext>
     </p:extLst>
   </p:cSld>
@@ -4930,7 +5462,7 @@
                 </a:solidFill>
                 <a:latin typeface="+mn-ea"/>
               </a:rPr>
-              <a:t>Process description</a:t>
+              <a:t>Proposal description</a:t>
             </a:r>
           </a:p>
         </p:txBody>
@@ -5053,7 +5585,7 @@
                 </a:solidFill>
                 <a:latin typeface="+mn-ea"/>
               </a:rPr>
-              <a:t>0 2</a:t>
+              <a:t>0 1</a:t>
             </a:r>
             <a:endParaRPr lang="ko-KR" altLang="en-US" sz="1300" dirty="0">
               <a:solidFill>
@@ -5067,55 +5599,12 @@
           </a:p>
         </p:txBody>
       </p:sp>
-      <p:cxnSp>
-        <p:nvCxnSpPr>
-          <p:cNvPr id="7" name="직선 연결선 6">
+      <p:sp>
+        <p:nvSpPr>
+          <p:cNvPr id="3" name="직사각형 2">
             <a:extLst>
               <a:ext uri="{FF2B5EF4-FFF2-40B4-BE49-F238E27FC236}">
-                <a16:creationId xmlns:a16="http://schemas.microsoft.com/office/drawing/2014/main" id="{0D02E0F6-DCD0-4B68-B13D-39B9E4EE82C5}"/>
-              </a:ext>
-            </a:extLst>
-          </p:cNvPr>
-          <p:cNvCxnSpPr/>
-          <p:nvPr/>
-        </p:nvCxnSpPr>
-        <p:spPr>
-          <a:xfrm>
-            <a:off x="870696" y="2265317"/>
-            <a:ext cx="1336718" cy="0"/>
-          </a:xfrm>
-          <a:prstGeom prst="line">
-            <a:avLst/>
-          </a:prstGeom>
-          <a:ln w="38100">
-            <a:solidFill>
-              <a:schemeClr val="bg1">
-                <a:lumMod val="75000"/>
-              </a:schemeClr>
-            </a:solidFill>
-          </a:ln>
-        </p:spPr>
-        <p:style>
-          <a:lnRef idx="1">
-            <a:schemeClr val="accent1"/>
-          </a:lnRef>
-          <a:fillRef idx="0">
-            <a:schemeClr val="accent1"/>
-          </a:fillRef>
-          <a:effectRef idx="0">
-            <a:schemeClr val="accent1"/>
-          </a:effectRef>
-          <a:fontRef idx="minor">
-            <a:schemeClr val="tx1"/>
-          </a:fontRef>
-        </p:style>
-      </p:cxnSp>
-      <p:sp>
-        <p:nvSpPr>
-          <p:cNvPr id="9" name="직사각형 8">
-            <a:extLst>
-              <a:ext uri="{FF2B5EF4-FFF2-40B4-BE49-F238E27FC236}">
-                <a16:creationId xmlns:a16="http://schemas.microsoft.com/office/drawing/2014/main" id="{72BC3CF7-D940-481B-A167-BD95681068D6}"/>
+                <a16:creationId xmlns:a16="http://schemas.microsoft.com/office/drawing/2014/main" id="{D2A435C2-1F53-49C8-9E6B-F0A6024296FA}"/>
               </a:ext>
             </a:extLst>
           </p:cNvPr>
@@ -5124,8 +5613,8 @@
         </p:nvSpPr>
         <p:spPr>
           <a:xfrm>
-            <a:off x="766590" y="2295462"/>
-            <a:ext cx="2003243" cy="1020216"/>
+            <a:off x="760458" y="2154764"/>
+            <a:ext cx="8259255" cy="1200329"/>
           </a:xfrm>
           <a:prstGeom prst="rect">
             <a:avLst/>
@@ -5137,67 +5626,51 @@
           </a:bodyPr>
           <a:lstStyle/>
           <a:p>
-            <a:pPr>
-              <a:lnSpc>
-                <a:spcPct val="150000"/>
-              </a:lnSpc>
-            </a:pPr>
-            <a:r>
-              <a:rPr lang="en-US" altLang="ko-KR" sz="1400" dirty="0">
-                <a:solidFill>
-                  <a:schemeClr val="bg1">
-                    <a:lumMod val="75000"/>
-                  </a:schemeClr>
+            <a:r>
+              <a:rPr lang="en-US" altLang="ko-KR" dirty="0">
+                <a:solidFill>
+                  <a:schemeClr val="bg1"/>
                 </a:solidFill>
                 <a:latin typeface="+mn-ea"/>
-              </a:rPr>
-              <a:t>Tool : Android</a:t>
-            </a:r>
-          </a:p>
-          <a:p>
-            <a:pPr>
-              <a:lnSpc>
-                <a:spcPct val="150000"/>
-              </a:lnSpc>
-            </a:pPr>
-            <a:r>
-              <a:rPr lang="en-US" altLang="ko-KR" sz="1400" dirty="0">
-                <a:solidFill>
-                  <a:schemeClr val="bg1">
-                    <a:lumMod val="75000"/>
-                  </a:schemeClr>
+                <a:cs typeface="Times New Roman" panose="02020603050405020304" pitchFamily="18" charset="0"/>
+              </a:rPr>
+              <a:t>CCC is a ‘</a:t>
+            </a:r>
+            <a:r>
+              <a:rPr lang="en-US" altLang="ko-KR" dirty="0" err="1">
+                <a:solidFill>
+                  <a:schemeClr val="bg1"/>
                 </a:solidFill>
                 <a:latin typeface="+mn-ea"/>
-              </a:rPr>
-              <a:t>Platform Version</a:t>
-            </a:r>
-          </a:p>
-          <a:p>
-            <a:pPr>
-              <a:lnSpc>
-                <a:spcPct val="150000"/>
-              </a:lnSpc>
-            </a:pPr>
-            <a:r>
-              <a:rPr lang="en-US" altLang="ko-KR" sz="1400" dirty="0">
-                <a:solidFill>
-                  <a:schemeClr val="bg1">
-                    <a:lumMod val="75000"/>
-                  </a:schemeClr>
+                <a:cs typeface="Times New Roman" panose="02020603050405020304" pitchFamily="18" charset="0"/>
+              </a:rPr>
+              <a:t>Cau</a:t>
+            </a:r>
+            <a:r>
+              <a:rPr lang="en-US" altLang="ko-KR" dirty="0">
+                <a:solidFill>
+                  <a:schemeClr val="bg1"/>
                 </a:solidFill>
                 <a:latin typeface="+mn-ea"/>
-              </a:rPr>
-              <a:t>: Android 5.1(Lollipop)</a:t>
-            </a:r>
-          </a:p>
-        </p:txBody>
-      </p:sp>
-      <p:sp>
-        <p:nvSpPr>
-          <p:cNvPr id="2" name="직사각형 1">
+                <a:cs typeface="Times New Roman" panose="02020603050405020304" pitchFamily="18" charset="0"/>
+              </a:rPr>
+              <a:t> Campus Couple’ application for couples in University. The main functions are messenger, scheduler, and time table. Differ from other couple applications, it provides a special function which help couples to find their date time.</a:t>
+            </a:r>
+            <a:endParaRPr lang="ko-KR" altLang="en-US" dirty="0">
+              <a:solidFill>
+                <a:schemeClr val="bg1"/>
+              </a:solidFill>
+              <a:latin typeface="+mn-ea"/>
+            </a:endParaRPr>
+          </a:p>
+        </p:txBody>
+      </p:sp>
+      <p:sp>
+        <p:nvSpPr>
+          <p:cNvPr id="8" name="직사각형 7">
             <a:extLst>
               <a:ext uri="{FF2B5EF4-FFF2-40B4-BE49-F238E27FC236}">
-                <a16:creationId xmlns:a16="http://schemas.microsoft.com/office/drawing/2014/main" id="{02CB1D66-F1C3-44AB-B977-C8097B2E6E2D}"/>
+                <a16:creationId xmlns:a16="http://schemas.microsoft.com/office/drawing/2014/main" id="{8411573C-24CD-4734-8DDC-CBC359AEAF01}"/>
               </a:ext>
             </a:extLst>
           </p:cNvPr>
@@ -5206,8 +5679,8 @@
         </p:nvSpPr>
         <p:spPr>
           <a:xfrm>
-            <a:off x="523668" y="4251070"/>
-            <a:ext cx="9112679" cy="1227644"/>
+            <a:off x="760458" y="3632092"/>
+            <a:ext cx="4583329" cy="2578655"/>
           </a:xfrm>
           <a:prstGeom prst="rect">
             <a:avLst/>
@@ -5219,27 +5692,27 @@
           </a:bodyPr>
           <a:lstStyle/>
           <a:p>
-            <a:pPr marL="342900" lvl="0" indent="-342900" algn="just">
+            <a:pPr marL="342900" lvl="0" indent="-342900" latinLnBrk="0">
               <a:lnSpc>
-                <a:spcPct val="107000"/>
+                <a:spcPct val="115000"/>
               </a:lnSpc>
               <a:spcAft>
-                <a:spcPts val="800"/>
+                <a:spcPts val="1000"/>
               </a:spcAft>
               <a:buFont typeface="Wingdings" panose="05000000000000000000" pitchFamily="2" charset="2"/>
-              <a:buChar char=""/>
+              <a:buChar char=""/>
             </a:pPr>
             <a:r>
-              <a:rPr lang="en-US" altLang="ko-KR" sz="1600" kern="100" dirty="0">
+              <a:rPr lang="en-US" altLang="ko-KR" dirty="0">
                 <a:solidFill>
                   <a:schemeClr val="bg1"/>
                 </a:solidFill>
                 <a:latin typeface="+mn-ea"/>
                 <a:cs typeface="Times New Roman" panose="02020603050405020304" pitchFamily="18" charset="0"/>
               </a:rPr>
-              <a:t>The available platforms are Android, IOS and Windows phone. </a:t>
-            </a:r>
-            <a:endParaRPr lang="ko-KR" altLang="ko-KR" sz="1600" kern="100" dirty="0">
+              <a:t>Talk with your lover whenever and wherever you want.</a:t>
+            </a:r>
+            <a:endParaRPr lang="ko-KR" altLang="ko-KR" dirty="0">
               <a:solidFill>
                 <a:schemeClr val="bg1"/>
               </a:solidFill>
@@ -5248,27 +5721,27 @@
             </a:endParaRPr>
           </a:p>
           <a:p>
-            <a:pPr marL="342900" lvl="0" indent="-342900" algn="just">
+            <a:pPr marL="342900" lvl="0" indent="-342900" latinLnBrk="0">
               <a:lnSpc>
-                <a:spcPct val="107000"/>
+                <a:spcPct val="115000"/>
               </a:lnSpc>
               <a:spcAft>
-                <a:spcPts val="800"/>
+                <a:spcPts val="1000"/>
               </a:spcAft>
               <a:buFont typeface="Wingdings" panose="05000000000000000000" pitchFamily="2" charset="2"/>
-              <a:buChar char=""/>
+              <a:buChar char=""/>
             </a:pPr>
             <a:r>
-              <a:rPr lang="en-US" altLang="ko-KR" sz="1600" kern="100" dirty="0">
+              <a:rPr lang="en-US" altLang="ko-KR" dirty="0">
                 <a:solidFill>
                   <a:schemeClr val="bg1"/>
                 </a:solidFill>
                 <a:latin typeface="+mn-ea"/>
                 <a:cs typeface="Times New Roman" panose="02020603050405020304" pitchFamily="18" charset="0"/>
               </a:rPr>
-              <a:t>Android is a really friendly platform to launch our application because there is lot of android users and Android application are really easy to build on any kind of system, and android application are very accessible.</a:t>
-            </a:r>
-            <a:endParaRPr lang="ko-KR" altLang="ko-KR" sz="1600" kern="100" dirty="0">
+              <a:t>Manage your personal schedule and time table.</a:t>
+            </a:r>
+            <a:endParaRPr lang="ko-KR" altLang="ko-KR" dirty="0">
               <a:solidFill>
                 <a:schemeClr val="bg1"/>
               </a:solidFill>
@@ -5276,101 +5749,41 @@
               <a:cs typeface="Times New Roman" panose="02020603050405020304" pitchFamily="18" charset="0"/>
             </a:endParaRPr>
           </a:p>
-        </p:txBody>
-      </p:sp>
-      <p:cxnSp>
-        <p:nvCxnSpPr>
-          <p:cNvPr id="23" name="직선 연결선 22">
-            <a:extLst>
-              <a:ext uri="{FF2B5EF4-FFF2-40B4-BE49-F238E27FC236}">
-                <a16:creationId xmlns:a16="http://schemas.microsoft.com/office/drawing/2014/main" id="{F76F3747-F464-4B98-9F45-951B4C277FCD}"/>
-              </a:ext>
-            </a:extLst>
-          </p:cNvPr>
-          <p:cNvCxnSpPr/>
-          <p:nvPr/>
-        </p:nvCxnSpPr>
-        <p:spPr>
-          <a:xfrm>
-            <a:off x="852852" y="3685381"/>
-            <a:ext cx="1336718" cy="0"/>
-          </a:xfrm>
-          <a:prstGeom prst="line">
-            <a:avLst/>
-          </a:prstGeom>
-          <a:ln w="38100">
-            <a:solidFill>
-              <a:schemeClr val="bg1">
-                <a:lumMod val="75000"/>
-              </a:schemeClr>
-            </a:solidFill>
-          </a:ln>
-        </p:spPr>
-        <p:style>
-          <a:lnRef idx="1">
-            <a:schemeClr val="accent1"/>
-          </a:lnRef>
-          <a:fillRef idx="0">
-            <a:schemeClr val="accent1"/>
-          </a:fillRef>
-          <a:effectRef idx="0">
-            <a:schemeClr val="accent1"/>
-          </a:effectRef>
-          <a:fontRef idx="minor">
-            <a:schemeClr val="tx1"/>
-          </a:fontRef>
-        </p:style>
-      </p:cxnSp>
-      <p:sp>
-        <p:nvSpPr>
-          <p:cNvPr id="24" name="직사각형 23">
-            <a:extLst>
-              <a:ext uri="{FF2B5EF4-FFF2-40B4-BE49-F238E27FC236}">
-                <a16:creationId xmlns:a16="http://schemas.microsoft.com/office/drawing/2014/main" id="{D81B7E99-E91C-4E0B-9FCA-C065E1FEA967}"/>
-              </a:ext>
-            </a:extLst>
-          </p:cNvPr>
-          <p:cNvSpPr/>
-          <p:nvPr/>
-        </p:nvSpPr>
-        <p:spPr>
-          <a:xfrm>
-            <a:off x="766591" y="3682790"/>
-            <a:ext cx="1746957" cy="373885"/>
-          </a:xfrm>
-          <a:prstGeom prst="rect">
-            <a:avLst/>
-          </a:prstGeom>
-        </p:spPr>
-        <p:txBody>
-          <a:bodyPr wrap="square">
-            <a:spAutoFit/>
-          </a:bodyPr>
-          <a:lstStyle/>
-          <a:p>
-            <a:pPr>
+          <a:p>
+            <a:pPr marL="342900" lvl="0" indent="-342900" latinLnBrk="0">
               <a:lnSpc>
-                <a:spcPct val="150000"/>
+                <a:spcPct val="115000"/>
               </a:lnSpc>
+              <a:spcAft>
+                <a:spcPts val="1000"/>
+              </a:spcAft>
+              <a:buFont typeface="Wingdings" panose="05000000000000000000" pitchFamily="2" charset="2"/>
+              <a:buChar char=""/>
             </a:pPr>
             <a:r>
-              <a:rPr lang="en-US" altLang="ko-KR" sz="1400" dirty="0">
-                <a:solidFill>
-                  <a:schemeClr val="bg1">
-                    <a:lumMod val="75000"/>
-                  </a:schemeClr>
+              <a:rPr lang="en-US" altLang="ko-KR" dirty="0">
+                <a:solidFill>
+                  <a:schemeClr val="bg1"/>
                 </a:solidFill>
                 <a:latin typeface="+mn-ea"/>
-              </a:rPr>
-              <a:t>Why using android</a:t>
-            </a:r>
+                <a:cs typeface="Times New Roman" panose="02020603050405020304" pitchFamily="18" charset="0"/>
+              </a:rPr>
+              <a:t>Our smart schedule function will help to find a empty time between your lover’s schedule.</a:t>
+            </a:r>
+            <a:endParaRPr lang="ko-KR" altLang="ko-KR" dirty="0">
+              <a:solidFill>
+                <a:schemeClr val="bg1"/>
+              </a:solidFill>
+              <a:latin typeface="+mn-ea"/>
+              <a:cs typeface="Times New Roman" panose="02020603050405020304" pitchFamily="18" charset="0"/>
+            </a:endParaRPr>
           </a:p>
         </p:txBody>
       </p:sp>
     </p:spTree>
     <p:extLst>
       <p:ext uri="{BB962C8B-B14F-4D97-AF65-F5344CB8AC3E}">
-        <p14:creationId xmlns:p14="http://schemas.microsoft.com/office/powerpoint/2010/main" val="4091916154"/>
+        <p14:creationId xmlns:p14="http://schemas.microsoft.com/office/powerpoint/2010/main" val="2001964979"/>
       </p:ext>
     </p:extLst>
   </p:cSld>
@@ -5530,7 +5943,7 @@
         <p:spPr>
           <a:xfrm>
             <a:off x="523668" y="1190850"/>
-            <a:ext cx="2895034" cy="553998"/>
+            <a:ext cx="2895034" cy="323165"/>
           </a:xfrm>
           <a:prstGeom prst="rect">
             <a:avLst/>
@@ -5550,19 +5963,7 @@
                 </a:solidFill>
                 <a:latin typeface="+mn-ea"/>
               </a:rPr>
-              <a:t>Major modules and</a:t>
-            </a:r>
-          </a:p>
-          <a:p>
-            <a:pPr algn="ctr"/>
-            <a:r>
-              <a:rPr lang="en-US" altLang="ko-KR" sz="1500" dirty="0">
-                <a:solidFill>
-                  <a:schemeClr val="bg1"/>
-                </a:solidFill>
-                <a:latin typeface="+mn-ea"/>
-              </a:rPr>
-              <a:t>Their functionality</a:t>
+              <a:t>Proposal description</a:t>
             </a:r>
           </a:p>
         </p:txBody>
@@ -5685,7 +6086,7 @@
                 </a:solidFill>
                 <a:latin typeface="+mn-ea"/>
               </a:rPr>
-              <a:t>0 3</a:t>
+              <a:t>0 1</a:t>
             </a:r>
             <a:endParaRPr lang="ko-KR" altLang="en-US" sz="1300" dirty="0">
               <a:solidFill>
@@ -5699,55 +6100,12 @@
           </a:p>
         </p:txBody>
       </p:sp>
-      <p:cxnSp>
-        <p:nvCxnSpPr>
-          <p:cNvPr id="7" name="직선 연결선 6">
+      <p:sp>
+        <p:nvSpPr>
+          <p:cNvPr id="2" name="직사각형 1">
             <a:extLst>
               <a:ext uri="{FF2B5EF4-FFF2-40B4-BE49-F238E27FC236}">
-                <a16:creationId xmlns:a16="http://schemas.microsoft.com/office/drawing/2014/main" id="{4BA12FE1-FD36-4FF4-8BA9-4010A3C4E046}"/>
-              </a:ext>
-            </a:extLst>
-          </p:cNvPr>
-          <p:cNvCxnSpPr/>
-          <p:nvPr/>
-        </p:nvCxnSpPr>
-        <p:spPr>
-          <a:xfrm>
-            <a:off x="870696" y="2265317"/>
-            <a:ext cx="1336718" cy="0"/>
-          </a:xfrm>
-          <a:prstGeom prst="line">
-            <a:avLst/>
-          </a:prstGeom>
-          <a:ln w="38100">
-            <a:solidFill>
-              <a:schemeClr val="bg1">
-                <a:lumMod val="75000"/>
-              </a:schemeClr>
-            </a:solidFill>
-          </a:ln>
-        </p:spPr>
-        <p:style>
-          <a:lnRef idx="1">
-            <a:schemeClr val="accent1"/>
-          </a:lnRef>
-          <a:fillRef idx="0">
-            <a:schemeClr val="accent1"/>
-          </a:fillRef>
-          <a:effectRef idx="0">
-            <a:schemeClr val="accent1"/>
-          </a:effectRef>
-          <a:fontRef idx="minor">
-            <a:schemeClr val="tx1"/>
-          </a:fontRef>
-        </p:style>
-      </p:cxnSp>
-      <p:sp>
-        <p:nvSpPr>
-          <p:cNvPr id="9" name="직사각형 8">
-            <a:extLst>
-              <a:ext uri="{FF2B5EF4-FFF2-40B4-BE49-F238E27FC236}">
-                <a16:creationId xmlns:a16="http://schemas.microsoft.com/office/drawing/2014/main" id="{7EA0B303-F062-4704-BA9E-466DC1A91C34}"/>
+                <a16:creationId xmlns:a16="http://schemas.microsoft.com/office/drawing/2014/main" id="{49915191-20B7-422A-999F-C3829DF5422C}"/>
               </a:ext>
             </a:extLst>
           </p:cNvPr>
@@ -5756,8 +6114,8 @@
         </p:nvSpPr>
         <p:spPr>
           <a:xfrm>
-            <a:off x="766591" y="2295462"/>
-            <a:ext cx="1527676" cy="373885"/>
+            <a:off x="760458" y="4300031"/>
+            <a:ext cx="4583329" cy="1494768"/>
           </a:xfrm>
           <a:prstGeom prst="rect">
             <a:avLst/>
@@ -5769,96 +6127,122 @@
           </a:bodyPr>
           <a:lstStyle/>
           <a:p>
-            <a:pPr>
+            <a:pPr marL="342900" lvl="0" indent="-342900" latinLnBrk="0">
               <a:lnSpc>
-                <a:spcPct val="150000"/>
+                <a:spcPct val="115000"/>
               </a:lnSpc>
+              <a:spcAft>
+                <a:spcPts val="1000"/>
+              </a:spcAft>
+              <a:buFont typeface="Wingdings" panose="05000000000000000000" pitchFamily="2" charset="2"/>
+              <a:buChar char=""/>
             </a:pPr>
             <a:r>
-              <a:rPr lang="en-US" altLang="ko-KR" sz="1400" dirty="0">
-                <a:solidFill>
-                  <a:schemeClr val="bg1">
-                    <a:lumMod val="65000"/>
-                  </a:schemeClr>
+              <a:rPr lang="en-US" altLang="ko-KR" dirty="0">
+                <a:solidFill>
+                  <a:schemeClr val="bg1"/>
                 </a:solidFill>
                 <a:latin typeface="+mn-ea"/>
-              </a:rPr>
-              <a:t>Messenger</a:t>
-            </a:r>
-          </a:p>
-        </p:txBody>
-      </p:sp>
-      <p:sp>
-        <p:nvSpPr>
-          <p:cNvPr id="2" name="TextBox 1">
+                <a:cs typeface="Times New Roman" panose="02020603050405020304" pitchFamily="18" charset="0"/>
+              </a:rPr>
+              <a:t>Chatting with your group members and sharing your schedule.</a:t>
+            </a:r>
+            <a:endParaRPr lang="ko-KR" altLang="ko-KR" dirty="0">
+              <a:solidFill>
+                <a:schemeClr val="bg1"/>
+              </a:solidFill>
+              <a:latin typeface="+mn-ea"/>
+              <a:cs typeface="Times New Roman" panose="02020603050405020304" pitchFamily="18" charset="0"/>
+            </a:endParaRPr>
+          </a:p>
+          <a:p>
+            <a:pPr marL="342900" lvl="0" indent="-342900" latinLnBrk="0">
+              <a:lnSpc>
+                <a:spcPct val="115000"/>
+              </a:lnSpc>
+              <a:spcAft>
+                <a:spcPts val="1000"/>
+              </a:spcAft>
+              <a:buFont typeface="Wingdings" panose="05000000000000000000" pitchFamily="2" charset="2"/>
+              <a:buChar char=""/>
+            </a:pPr>
+            <a:r>
+              <a:rPr lang="en-US" altLang="ko-KR" dirty="0">
+                <a:solidFill>
+                  <a:schemeClr val="bg1"/>
+                </a:solidFill>
+                <a:latin typeface="+mn-ea"/>
+                <a:cs typeface="Times New Roman" panose="02020603050405020304" pitchFamily="18" charset="0"/>
+              </a:rPr>
+              <a:t>Choose a date when is the best to meet group members.</a:t>
+            </a:r>
+            <a:endParaRPr lang="ko-KR" altLang="ko-KR" dirty="0">
+              <a:solidFill>
+                <a:schemeClr val="bg1"/>
+              </a:solidFill>
+              <a:latin typeface="+mn-ea"/>
+              <a:cs typeface="Times New Roman" panose="02020603050405020304" pitchFamily="18" charset="0"/>
+            </a:endParaRPr>
+          </a:p>
+        </p:txBody>
+      </p:sp>
+      <p:sp>
+        <p:nvSpPr>
+          <p:cNvPr id="3" name="직사각형 2">
             <a:extLst>
               <a:ext uri="{FF2B5EF4-FFF2-40B4-BE49-F238E27FC236}">
-                <a16:creationId xmlns:a16="http://schemas.microsoft.com/office/drawing/2014/main" id="{C1673B5D-546B-417D-8DC9-54015B985F8B}"/>
+                <a16:creationId xmlns:a16="http://schemas.microsoft.com/office/drawing/2014/main" id="{D2A435C2-1F53-49C8-9E6B-F0A6024296FA}"/>
               </a:ext>
             </a:extLst>
           </p:cNvPr>
-          <p:cNvSpPr txBox="1"/>
+          <p:cNvSpPr/>
           <p:nvPr/>
         </p:nvSpPr>
         <p:spPr>
           <a:xfrm>
-            <a:off x="766591" y="2893325"/>
-            <a:ext cx="3027487" cy="1323439"/>
+            <a:off x="760458" y="2154764"/>
+            <a:ext cx="8259255" cy="1477328"/>
           </a:xfrm>
           <a:prstGeom prst="rect">
             <a:avLst/>
           </a:prstGeom>
-          <a:noFill/>
-        </p:spPr>
-        <p:txBody>
-          <a:bodyPr wrap="square" rtlCol="0">
+        </p:spPr>
+        <p:txBody>
+          <a:bodyPr wrap="square">
             <a:spAutoFit/>
           </a:bodyPr>
           <a:lstStyle/>
           <a:p>
             <a:r>
-              <a:rPr lang="en-US" altLang="ko-KR" sz="1600" dirty="0">
+              <a:rPr lang="en-US" altLang="ko-KR" dirty="0">
                 <a:solidFill>
                   <a:schemeClr val="bg1"/>
                 </a:solidFill>
                 <a:latin typeface="+mn-ea"/>
-              </a:rPr>
-              <a:t>Message send &amp; receive</a:t>
-            </a:r>
-          </a:p>
-          <a:p>
-            <a:r>
-              <a:rPr lang="en-US" altLang="ko-KR" sz="1600" dirty="0">
+                <a:cs typeface="Times New Roman" panose="02020603050405020304" pitchFamily="18" charset="0"/>
+              </a:rPr>
+              <a:t>CCC is also useful to group activities. This app developed like any other applications especially developed for University </a:t>
+            </a:r>
+            <a:r>
+              <a:rPr lang="en-US" altLang="ko-KR" dirty="0">
                 <a:solidFill>
                   <a:schemeClr val="bg1"/>
                 </a:solidFill>
                 <a:latin typeface="+mn-ea"/>
               </a:rPr>
-              <a:t>Timetable send &amp; receive</a:t>
-            </a:r>
-          </a:p>
-          <a:p>
-            <a:r>
-              <a:rPr lang="en-US" altLang="ko-KR" sz="1600" dirty="0">
+              <a:t>Student’s but it has some added functionalities which can be very useful for managing day to day activities. </a:t>
+            </a:r>
+            <a:r>
+              <a:rPr lang="en-US" altLang="ko-KR" dirty="0">
                 <a:solidFill>
                   <a:schemeClr val="bg1"/>
                 </a:solidFill>
                 <a:latin typeface="+mn-ea"/>
-              </a:rPr>
-              <a:t>File(video, photo) send &amp; receive</a:t>
-            </a:r>
-          </a:p>
-          <a:p>
-            <a:r>
-              <a:rPr lang="en-US" altLang="ko-KR" sz="1600" dirty="0">
-                <a:solidFill>
-                  <a:schemeClr val="bg1"/>
-                </a:solidFill>
-                <a:latin typeface="+mn-ea"/>
-              </a:rPr>
-              <a:t>Group talk</a:t>
-            </a:r>
-            <a:endParaRPr lang="ko-KR" altLang="en-US" sz="1600" dirty="0">
+                <a:cs typeface="Times New Roman" panose="02020603050405020304" pitchFamily="18" charset="0"/>
+              </a:rPr>
+              <a:t>Messenger supports group chatting and scheduler supports to choose a date when a time is available to meet group members.</a:t>
+            </a:r>
+            <a:endParaRPr lang="ko-KR" altLang="en-US" dirty="0">
               <a:solidFill>
                 <a:schemeClr val="bg1"/>
               </a:solidFill>
@@ -5867,473 +6251,10 @@
           </a:p>
         </p:txBody>
       </p:sp>
-      <p:cxnSp>
-        <p:nvCxnSpPr>
-          <p:cNvPr id="23" name="직선 연결선 22">
-            <a:extLst>
-              <a:ext uri="{FF2B5EF4-FFF2-40B4-BE49-F238E27FC236}">
-                <a16:creationId xmlns:a16="http://schemas.microsoft.com/office/drawing/2014/main" id="{82B251C6-16EE-4968-A0F2-940A86DB4477}"/>
-              </a:ext>
-            </a:extLst>
-          </p:cNvPr>
-          <p:cNvCxnSpPr/>
-          <p:nvPr/>
-        </p:nvCxnSpPr>
-        <p:spPr>
-          <a:xfrm>
-            <a:off x="5452191" y="2235172"/>
-            <a:ext cx="1336718" cy="0"/>
-          </a:xfrm>
-          <a:prstGeom prst="line">
-            <a:avLst/>
-          </a:prstGeom>
-          <a:ln w="38100">
-            <a:solidFill>
-              <a:schemeClr val="bg1">
-                <a:lumMod val="75000"/>
-              </a:schemeClr>
-            </a:solidFill>
-          </a:ln>
-        </p:spPr>
-        <p:style>
-          <a:lnRef idx="1">
-            <a:schemeClr val="accent1"/>
-          </a:lnRef>
-          <a:fillRef idx="0">
-            <a:schemeClr val="accent1"/>
-          </a:fillRef>
-          <a:effectRef idx="0">
-            <a:schemeClr val="accent1"/>
-          </a:effectRef>
-          <a:fontRef idx="minor">
-            <a:schemeClr val="tx1"/>
-          </a:fontRef>
-        </p:style>
-      </p:cxnSp>
-      <p:sp>
-        <p:nvSpPr>
-          <p:cNvPr id="24" name="직사각형 23">
-            <a:extLst>
-              <a:ext uri="{FF2B5EF4-FFF2-40B4-BE49-F238E27FC236}">
-                <a16:creationId xmlns:a16="http://schemas.microsoft.com/office/drawing/2014/main" id="{A092B530-129C-4A80-9809-D7C6CC1B5F53}"/>
-              </a:ext>
-            </a:extLst>
-          </p:cNvPr>
-          <p:cNvSpPr/>
-          <p:nvPr/>
-        </p:nvSpPr>
-        <p:spPr>
-          <a:xfrm>
-            <a:off x="5348086" y="2265317"/>
-            <a:ext cx="1527676" cy="373885"/>
-          </a:xfrm>
-          <a:prstGeom prst="rect">
-            <a:avLst/>
-          </a:prstGeom>
-        </p:spPr>
-        <p:txBody>
-          <a:bodyPr wrap="square">
-            <a:spAutoFit/>
-          </a:bodyPr>
-          <a:lstStyle/>
-          <a:p>
-            <a:pPr>
-              <a:lnSpc>
-                <a:spcPct val="150000"/>
-              </a:lnSpc>
-            </a:pPr>
-            <a:r>
-              <a:rPr lang="en-US" altLang="ko-KR" sz="1400" dirty="0">
-                <a:solidFill>
-                  <a:schemeClr val="bg1">
-                    <a:lumMod val="65000"/>
-                  </a:schemeClr>
-                </a:solidFill>
-                <a:latin typeface="+mn-ea"/>
-              </a:rPr>
-              <a:t>Timetable</a:t>
-            </a:r>
-          </a:p>
-        </p:txBody>
-      </p:sp>
-      <p:sp>
-        <p:nvSpPr>
-          <p:cNvPr id="27" name="TextBox 26">
-            <a:extLst>
-              <a:ext uri="{FF2B5EF4-FFF2-40B4-BE49-F238E27FC236}">
-                <a16:creationId xmlns:a16="http://schemas.microsoft.com/office/drawing/2014/main" id="{6DA99171-E14C-4BA9-B562-78151EF9F227}"/>
-              </a:ext>
-            </a:extLst>
-          </p:cNvPr>
-          <p:cNvSpPr txBox="1"/>
-          <p:nvPr/>
-        </p:nvSpPr>
-        <p:spPr>
-          <a:xfrm>
-            <a:off x="5275165" y="2863307"/>
-            <a:ext cx="3027487" cy="584775"/>
-          </a:xfrm>
-          <a:prstGeom prst="rect">
-            <a:avLst/>
-          </a:prstGeom>
-          <a:noFill/>
-        </p:spPr>
-        <p:txBody>
-          <a:bodyPr wrap="square" rtlCol="0">
-            <a:spAutoFit/>
-          </a:bodyPr>
-          <a:lstStyle/>
-          <a:p>
-            <a:r>
-              <a:rPr lang="en-US" altLang="ko-KR" sz="1600" dirty="0">
-                <a:solidFill>
-                  <a:schemeClr val="bg1"/>
-                </a:solidFill>
-                <a:latin typeface="+mn-ea"/>
-              </a:rPr>
-              <a:t>Timetable</a:t>
-            </a:r>
-          </a:p>
-          <a:p>
-            <a:r>
-              <a:rPr lang="en-US" altLang="ko-KR" sz="1600" dirty="0">
-                <a:solidFill>
-                  <a:schemeClr val="bg1"/>
-                </a:solidFill>
-                <a:latin typeface="+mn-ea"/>
-              </a:rPr>
-              <a:t>Lookup class</a:t>
-            </a:r>
-            <a:endParaRPr lang="ko-KR" altLang="en-US" sz="1600" dirty="0">
-              <a:solidFill>
-                <a:schemeClr val="bg1"/>
-              </a:solidFill>
-              <a:latin typeface="+mn-ea"/>
-            </a:endParaRPr>
-          </a:p>
-        </p:txBody>
-      </p:sp>
-      <p:cxnSp>
-        <p:nvCxnSpPr>
-          <p:cNvPr id="29" name="직선 연결선 28">
-            <a:extLst>
-              <a:ext uri="{FF2B5EF4-FFF2-40B4-BE49-F238E27FC236}">
-                <a16:creationId xmlns:a16="http://schemas.microsoft.com/office/drawing/2014/main" id="{8E02A9B6-0031-469F-86C2-F7440948DB4C}"/>
-              </a:ext>
-            </a:extLst>
-          </p:cNvPr>
-          <p:cNvCxnSpPr/>
-          <p:nvPr/>
-        </p:nvCxnSpPr>
-        <p:spPr>
-          <a:xfrm>
-            <a:off x="870696" y="4492979"/>
-            <a:ext cx="1336718" cy="0"/>
-          </a:xfrm>
-          <a:prstGeom prst="line">
-            <a:avLst/>
-          </a:prstGeom>
-          <a:ln w="38100">
-            <a:solidFill>
-              <a:schemeClr val="bg1">
-                <a:lumMod val="75000"/>
-              </a:schemeClr>
-            </a:solidFill>
-          </a:ln>
-        </p:spPr>
-        <p:style>
-          <a:lnRef idx="1">
-            <a:schemeClr val="accent1"/>
-          </a:lnRef>
-          <a:fillRef idx="0">
-            <a:schemeClr val="accent1"/>
-          </a:fillRef>
-          <a:effectRef idx="0">
-            <a:schemeClr val="accent1"/>
-          </a:effectRef>
-          <a:fontRef idx="minor">
-            <a:schemeClr val="tx1"/>
-          </a:fontRef>
-        </p:style>
-      </p:cxnSp>
-      <p:sp>
-        <p:nvSpPr>
-          <p:cNvPr id="30" name="직사각형 29">
-            <a:extLst>
-              <a:ext uri="{FF2B5EF4-FFF2-40B4-BE49-F238E27FC236}">
-                <a16:creationId xmlns:a16="http://schemas.microsoft.com/office/drawing/2014/main" id="{BE7277ED-91D3-41AB-9716-61915CE198B6}"/>
-              </a:ext>
-            </a:extLst>
-          </p:cNvPr>
-          <p:cNvSpPr/>
-          <p:nvPr/>
-        </p:nvSpPr>
-        <p:spPr>
-          <a:xfrm>
-            <a:off x="766591" y="4523124"/>
-            <a:ext cx="1527676" cy="373885"/>
-          </a:xfrm>
-          <a:prstGeom prst="rect">
-            <a:avLst/>
-          </a:prstGeom>
-        </p:spPr>
-        <p:txBody>
-          <a:bodyPr wrap="square">
-            <a:spAutoFit/>
-          </a:bodyPr>
-          <a:lstStyle/>
-          <a:p>
-            <a:pPr>
-              <a:lnSpc>
-                <a:spcPct val="150000"/>
-              </a:lnSpc>
-            </a:pPr>
-            <a:r>
-              <a:rPr lang="en-US" altLang="ko-KR" sz="1400" dirty="0">
-                <a:solidFill>
-                  <a:schemeClr val="bg1">
-                    <a:lumMod val="65000"/>
-                  </a:schemeClr>
-                </a:solidFill>
-                <a:latin typeface="+mn-ea"/>
-              </a:rPr>
-              <a:t>Schedule</a:t>
-            </a:r>
-          </a:p>
-        </p:txBody>
-      </p:sp>
-      <p:sp>
-        <p:nvSpPr>
-          <p:cNvPr id="31" name="TextBox 30">
-            <a:extLst>
-              <a:ext uri="{FF2B5EF4-FFF2-40B4-BE49-F238E27FC236}">
-                <a16:creationId xmlns:a16="http://schemas.microsoft.com/office/drawing/2014/main" id="{B03D20AB-30E9-49B7-B8CB-0484349192A1}"/>
-              </a:ext>
-            </a:extLst>
-          </p:cNvPr>
-          <p:cNvSpPr txBox="1"/>
-          <p:nvPr/>
-        </p:nvSpPr>
-        <p:spPr>
-          <a:xfrm>
-            <a:off x="766591" y="5120987"/>
-            <a:ext cx="3027487" cy="584775"/>
-          </a:xfrm>
-          <a:prstGeom prst="rect">
-            <a:avLst/>
-          </a:prstGeom>
-          <a:noFill/>
-        </p:spPr>
-        <p:txBody>
-          <a:bodyPr wrap="square" rtlCol="0">
-            <a:spAutoFit/>
-          </a:bodyPr>
-          <a:lstStyle/>
-          <a:p>
-            <a:r>
-              <a:rPr lang="en-US" altLang="ko-KR" sz="1600" dirty="0">
-                <a:solidFill>
-                  <a:schemeClr val="bg1"/>
-                </a:solidFill>
-                <a:latin typeface="+mn-ea"/>
-              </a:rPr>
-              <a:t>Calendar</a:t>
-            </a:r>
-          </a:p>
-          <a:p>
-            <a:r>
-              <a:rPr lang="en-US" altLang="ko-KR" sz="1600" dirty="0">
-                <a:solidFill>
-                  <a:schemeClr val="bg1"/>
-                </a:solidFill>
-                <a:latin typeface="+mn-ea"/>
-              </a:rPr>
-              <a:t>Save schedule</a:t>
-            </a:r>
-            <a:endParaRPr lang="ko-KR" altLang="en-US" sz="1600" dirty="0">
-              <a:solidFill>
-                <a:schemeClr val="bg1"/>
-              </a:solidFill>
-              <a:latin typeface="+mn-ea"/>
-            </a:endParaRPr>
-          </a:p>
-        </p:txBody>
-      </p:sp>
-      <p:cxnSp>
-        <p:nvCxnSpPr>
-          <p:cNvPr id="32" name="직선 연결선 31">
-            <a:extLst>
-              <a:ext uri="{FF2B5EF4-FFF2-40B4-BE49-F238E27FC236}">
-                <a16:creationId xmlns:a16="http://schemas.microsoft.com/office/drawing/2014/main" id="{C16CD52F-CF84-44D5-8E4D-72D016711383}"/>
-              </a:ext>
-            </a:extLst>
-          </p:cNvPr>
-          <p:cNvCxnSpPr/>
-          <p:nvPr/>
-        </p:nvCxnSpPr>
-        <p:spPr>
-          <a:xfrm>
-            <a:off x="5452191" y="4465895"/>
-            <a:ext cx="1336718" cy="0"/>
-          </a:xfrm>
-          <a:prstGeom prst="line">
-            <a:avLst/>
-          </a:prstGeom>
-          <a:ln w="38100">
-            <a:solidFill>
-              <a:schemeClr val="bg1">
-                <a:lumMod val="75000"/>
-              </a:schemeClr>
-            </a:solidFill>
-          </a:ln>
-        </p:spPr>
-        <p:style>
-          <a:lnRef idx="1">
-            <a:schemeClr val="accent1"/>
-          </a:lnRef>
-          <a:fillRef idx="0">
-            <a:schemeClr val="accent1"/>
-          </a:fillRef>
-          <a:effectRef idx="0">
-            <a:schemeClr val="accent1"/>
-          </a:effectRef>
-          <a:fontRef idx="minor">
-            <a:schemeClr val="tx1"/>
-          </a:fontRef>
-        </p:style>
-      </p:cxnSp>
-      <p:sp>
-        <p:nvSpPr>
-          <p:cNvPr id="33" name="직사각형 32">
-            <a:extLst>
-              <a:ext uri="{FF2B5EF4-FFF2-40B4-BE49-F238E27FC236}">
-                <a16:creationId xmlns:a16="http://schemas.microsoft.com/office/drawing/2014/main" id="{91DF5719-E791-4D41-8BB0-61A5732F7F5B}"/>
-              </a:ext>
-            </a:extLst>
-          </p:cNvPr>
-          <p:cNvSpPr/>
-          <p:nvPr/>
-        </p:nvSpPr>
-        <p:spPr>
-          <a:xfrm>
-            <a:off x="5348086" y="4496040"/>
-            <a:ext cx="1527676" cy="373885"/>
-          </a:xfrm>
-          <a:prstGeom prst="rect">
-            <a:avLst/>
-          </a:prstGeom>
-        </p:spPr>
-        <p:txBody>
-          <a:bodyPr wrap="square">
-            <a:spAutoFit/>
-          </a:bodyPr>
-          <a:lstStyle/>
-          <a:p>
-            <a:pPr>
-              <a:lnSpc>
-                <a:spcPct val="150000"/>
-              </a:lnSpc>
-            </a:pPr>
-            <a:r>
-              <a:rPr lang="en-US" altLang="ko-KR" sz="1400" dirty="0">
-                <a:solidFill>
-                  <a:schemeClr val="bg1">
-                    <a:lumMod val="65000"/>
-                  </a:schemeClr>
-                </a:solidFill>
-                <a:latin typeface="+mn-ea"/>
-              </a:rPr>
-              <a:t>UI</a:t>
-            </a:r>
-          </a:p>
-        </p:txBody>
-      </p:sp>
-      <p:sp>
-        <p:nvSpPr>
-          <p:cNvPr id="34" name="TextBox 33">
-            <a:extLst>
-              <a:ext uri="{FF2B5EF4-FFF2-40B4-BE49-F238E27FC236}">
-                <a16:creationId xmlns:a16="http://schemas.microsoft.com/office/drawing/2014/main" id="{053BF325-86B5-456F-A46D-626E23E0C483}"/>
-              </a:ext>
-            </a:extLst>
-          </p:cNvPr>
-          <p:cNvSpPr txBox="1"/>
-          <p:nvPr/>
-        </p:nvSpPr>
-        <p:spPr>
-          <a:xfrm>
-            <a:off x="5348086" y="5093903"/>
-            <a:ext cx="3027487" cy="830997"/>
-          </a:xfrm>
-          <a:prstGeom prst="rect">
-            <a:avLst/>
-          </a:prstGeom>
-          <a:noFill/>
-        </p:spPr>
-        <p:txBody>
-          <a:bodyPr wrap="square" rtlCol="0">
-            <a:spAutoFit/>
-          </a:bodyPr>
-          <a:lstStyle/>
-          <a:p>
-            <a:pPr lvl="0"/>
-            <a:r>
-              <a:rPr lang="fr-FR" altLang="ko-KR" sz="1600" dirty="0">
-                <a:solidFill>
-                  <a:schemeClr val="bg1"/>
-                </a:solidFill>
-                <a:latin typeface="+mn-ea"/>
-              </a:rPr>
-              <a:t>login page</a:t>
-            </a:r>
-            <a:endParaRPr lang="ko-KR" altLang="ko-KR" sz="1600" dirty="0">
-              <a:solidFill>
-                <a:schemeClr val="bg1"/>
-              </a:solidFill>
-              <a:latin typeface="+mn-ea"/>
-            </a:endParaRPr>
-          </a:p>
-          <a:p>
-            <a:pPr lvl="0"/>
-            <a:r>
-              <a:rPr lang="fr-FR" altLang="ko-KR" sz="1600" dirty="0">
-                <a:solidFill>
-                  <a:schemeClr val="bg1"/>
-                </a:solidFill>
-                <a:latin typeface="+mn-ea"/>
-              </a:rPr>
-              <a:t>registration page</a:t>
-            </a:r>
-            <a:endParaRPr lang="ko-KR" altLang="ko-KR" sz="1600" dirty="0">
-              <a:solidFill>
-                <a:schemeClr val="bg1"/>
-              </a:solidFill>
-              <a:latin typeface="+mn-ea"/>
-            </a:endParaRPr>
-          </a:p>
-          <a:p>
-            <a:r>
-              <a:rPr lang="fr-FR" altLang="ko-KR" sz="1600" dirty="0">
-                <a:solidFill>
-                  <a:schemeClr val="bg1"/>
-                </a:solidFill>
-                <a:latin typeface="+mn-ea"/>
-              </a:rPr>
-              <a:t>main UI</a:t>
-            </a:r>
-            <a:endParaRPr lang="ko-KR" altLang="en-US" sz="1600" dirty="0">
-              <a:solidFill>
-                <a:schemeClr val="bg1"/>
-              </a:solidFill>
-              <a:latin typeface="+mn-ea"/>
-            </a:endParaRPr>
-          </a:p>
-        </p:txBody>
-      </p:sp>
     </p:spTree>
     <p:extLst>
       <p:ext uri="{BB962C8B-B14F-4D97-AF65-F5344CB8AC3E}">
-        <p14:creationId xmlns:p14="http://schemas.microsoft.com/office/powerpoint/2010/main" val="2421638953"/>
+        <p14:creationId xmlns:p14="http://schemas.microsoft.com/office/powerpoint/2010/main" val="3644407093"/>
       </p:ext>
     </p:extLst>
   </p:cSld>
@@ -6513,7 +6434,7 @@
                 </a:solidFill>
                 <a:latin typeface="+mn-ea"/>
               </a:rPr>
-              <a:t>Data Description</a:t>
+              <a:t>Process description</a:t>
             </a:r>
           </a:p>
         </p:txBody>
@@ -6636,7 +6557,7 @@
                 </a:solidFill>
                 <a:latin typeface="+mn-ea"/>
               </a:rPr>
-              <a:t>0 4</a:t>
+              <a:t>0 2</a:t>
             </a:r>
             <a:endParaRPr lang="ko-KR" altLang="en-US" sz="1300" dirty="0">
               <a:solidFill>
@@ -6650,12 +6571,1982 @@
           </a:p>
         </p:txBody>
       </p:sp>
+      <p:cxnSp>
+        <p:nvCxnSpPr>
+          <p:cNvPr id="7" name="직선 연결선 6">
+            <a:extLst>
+              <a:ext uri="{FF2B5EF4-FFF2-40B4-BE49-F238E27FC236}">
+                <a16:creationId xmlns:a16="http://schemas.microsoft.com/office/drawing/2014/main" id="{0D02E0F6-DCD0-4B68-B13D-39B9E4EE82C5}"/>
+              </a:ext>
+            </a:extLst>
+          </p:cNvPr>
+          <p:cNvCxnSpPr/>
+          <p:nvPr/>
+        </p:nvCxnSpPr>
+        <p:spPr>
+          <a:xfrm>
+            <a:off x="870696" y="2265317"/>
+            <a:ext cx="1336718" cy="0"/>
+          </a:xfrm>
+          <a:prstGeom prst="line">
+            <a:avLst/>
+          </a:prstGeom>
+          <a:ln w="38100">
+            <a:solidFill>
+              <a:schemeClr val="bg1">
+                <a:lumMod val="75000"/>
+              </a:schemeClr>
+            </a:solidFill>
+          </a:ln>
+        </p:spPr>
+        <p:style>
+          <a:lnRef idx="1">
+            <a:schemeClr val="accent1"/>
+          </a:lnRef>
+          <a:fillRef idx="0">
+            <a:schemeClr val="accent1"/>
+          </a:fillRef>
+          <a:effectRef idx="0">
+            <a:schemeClr val="accent1"/>
+          </a:effectRef>
+          <a:fontRef idx="minor">
+            <a:schemeClr val="tx1"/>
+          </a:fontRef>
+        </p:style>
+      </p:cxnSp>
+      <p:sp>
+        <p:nvSpPr>
+          <p:cNvPr id="9" name="직사각형 8">
+            <a:extLst>
+              <a:ext uri="{FF2B5EF4-FFF2-40B4-BE49-F238E27FC236}">
+                <a16:creationId xmlns:a16="http://schemas.microsoft.com/office/drawing/2014/main" id="{72BC3CF7-D940-481B-A167-BD95681068D6}"/>
+              </a:ext>
+            </a:extLst>
+          </p:cNvPr>
+          <p:cNvSpPr/>
+          <p:nvPr/>
+        </p:nvSpPr>
+        <p:spPr>
+          <a:xfrm>
+            <a:off x="766590" y="2295462"/>
+            <a:ext cx="2003243" cy="1020216"/>
+          </a:xfrm>
+          <a:prstGeom prst="rect">
+            <a:avLst/>
+          </a:prstGeom>
+        </p:spPr>
+        <p:txBody>
+          <a:bodyPr wrap="square">
+            <a:spAutoFit/>
+          </a:bodyPr>
+          <a:lstStyle/>
+          <a:p>
+            <a:pPr>
+              <a:lnSpc>
+                <a:spcPct val="150000"/>
+              </a:lnSpc>
+            </a:pPr>
+            <a:r>
+              <a:rPr lang="en-US" altLang="ko-KR" sz="1400" dirty="0">
+                <a:solidFill>
+                  <a:schemeClr val="bg1">
+                    <a:lumMod val="75000"/>
+                  </a:schemeClr>
+                </a:solidFill>
+                <a:latin typeface="+mn-ea"/>
+              </a:rPr>
+              <a:t>Tool : Android</a:t>
+            </a:r>
+          </a:p>
+          <a:p>
+            <a:pPr>
+              <a:lnSpc>
+                <a:spcPct val="150000"/>
+              </a:lnSpc>
+            </a:pPr>
+            <a:r>
+              <a:rPr lang="en-US" altLang="ko-KR" sz="1400" dirty="0">
+                <a:solidFill>
+                  <a:schemeClr val="bg1">
+                    <a:lumMod val="75000"/>
+                  </a:schemeClr>
+                </a:solidFill>
+                <a:latin typeface="+mn-ea"/>
+              </a:rPr>
+              <a:t>Platform Version</a:t>
+            </a:r>
+          </a:p>
+          <a:p>
+            <a:pPr>
+              <a:lnSpc>
+                <a:spcPct val="150000"/>
+              </a:lnSpc>
+            </a:pPr>
+            <a:r>
+              <a:rPr lang="en-US" altLang="ko-KR" sz="1400" dirty="0">
+                <a:solidFill>
+                  <a:schemeClr val="bg1">
+                    <a:lumMod val="75000"/>
+                  </a:schemeClr>
+                </a:solidFill>
+                <a:latin typeface="+mn-ea"/>
+              </a:rPr>
+              <a:t>: Android 5.1(Lollipop)</a:t>
+            </a:r>
+          </a:p>
+        </p:txBody>
+      </p:sp>
+      <p:sp>
+        <p:nvSpPr>
+          <p:cNvPr id="2" name="직사각형 1">
+            <a:extLst>
+              <a:ext uri="{FF2B5EF4-FFF2-40B4-BE49-F238E27FC236}">
+                <a16:creationId xmlns:a16="http://schemas.microsoft.com/office/drawing/2014/main" id="{02CB1D66-F1C3-44AB-B977-C8097B2E6E2D}"/>
+              </a:ext>
+            </a:extLst>
+          </p:cNvPr>
+          <p:cNvSpPr/>
+          <p:nvPr/>
+        </p:nvSpPr>
+        <p:spPr>
+          <a:xfrm>
+            <a:off x="523668" y="4251070"/>
+            <a:ext cx="9112679" cy="1227644"/>
+          </a:xfrm>
+          <a:prstGeom prst="rect">
+            <a:avLst/>
+          </a:prstGeom>
+        </p:spPr>
+        <p:txBody>
+          <a:bodyPr wrap="square">
+            <a:spAutoFit/>
+          </a:bodyPr>
+          <a:lstStyle/>
+          <a:p>
+            <a:pPr marL="342900" lvl="0" indent="-342900" algn="just">
+              <a:lnSpc>
+                <a:spcPct val="107000"/>
+              </a:lnSpc>
+              <a:spcAft>
+                <a:spcPts val="800"/>
+              </a:spcAft>
+              <a:buFont typeface="Wingdings" panose="05000000000000000000" pitchFamily="2" charset="2"/>
+              <a:buChar char=""/>
+            </a:pPr>
+            <a:r>
+              <a:rPr lang="en-US" altLang="ko-KR" sz="1600" kern="100" dirty="0">
+                <a:solidFill>
+                  <a:schemeClr val="bg1"/>
+                </a:solidFill>
+                <a:latin typeface="+mn-ea"/>
+                <a:cs typeface="Times New Roman" panose="02020603050405020304" pitchFamily="18" charset="0"/>
+              </a:rPr>
+              <a:t>The available platforms are Android, IOS and Windows phone. </a:t>
+            </a:r>
+            <a:endParaRPr lang="ko-KR" altLang="ko-KR" sz="1600" kern="100" dirty="0">
+              <a:solidFill>
+                <a:schemeClr val="bg1"/>
+              </a:solidFill>
+              <a:latin typeface="+mn-ea"/>
+              <a:cs typeface="Times New Roman" panose="02020603050405020304" pitchFamily="18" charset="0"/>
+            </a:endParaRPr>
+          </a:p>
+          <a:p>
+            <a:pPr marL="342900" lvl="0" indent="-342900" algn="just">
+              <a:lnSpc>
+                <a:spcPct val="107000"/>
+              </a:lnSpc>
+              <a:spcAft>
+                <a:spcPts val="800"/>
+              </a:spcAft>
+              <a:buFont typeface="Wingdings" panose="05000000000000000000" pitchFamily="2" charset="2"/>
+              <a:buChar char=""/>
+            </a:pPr>
+            <a:r>
+              <a:rPr lang="en-US" altLang="ko-KR" sz="1600" kern="100" dirty="0">
+                <a:solidFill>
+                  <a:schemeClr val="bg1"/>
+                </a:solidFill>
+                <a:latin typeface="+mn-ea"/>
+                <a:cs typeface="Times New Roman" panose="02020603050405020304" pitchFamily="18" charset="0"/>
+              </a:rPr>
+              <a:t>Android is a really friendly platform to launch our application because there is lot of android users and Android application are really easy to build on any kind of system, and android application are very accessible.</a:t>
+            </a:r>
+            <a:endParaRPr lang="ko-KR" altLang="ko-KR" sz="1600" kern="100" dirty="0">
+              <a:solidFill>
+                <a:schemeClr val="bg1"/>
+              </a:solidFill>
+              <a:latin typeface="+mn-ea"/>
+              <a:cs typeface="Times New Roman" panose="02020603050405020304" pitchFamily="18" charset="0"/>
+            </a:endParaRPr>
+          </a:p>
+        </p:txBody>
+      </p:sp>
+      <p:cxnSp>
+        <p:nvCxnSpPr>
+          <p:cNvPr id="23" name="직선 연결선 22">
+            <a:extLst>
+              <a:ext uri="{FF2B5EF4-FFF2-40B4-BE49-F238E27FC236}">
+                <a16:creationId xmlns:a16="http://schemas.microsoft.com/office/drawing/2014/main" id="{F76F3747-F464-4B98-9F45-951B4C277FCD}"/>
+              </a:ext>
+            </a:extLst>
+          </p:cNvPr>
+          <p:cNvCxnSpPr/>
+          <p:nvPr/>
+        </p:nvCxnSpPr>
+        <p:spPr>
+          <a:xfrm>
+            <a:off x="852852" y="3685381"/>
+            <a:ext cx="1336718" cy="0"/>
+          </a:xfrm>
+          <a:prstGeom prst="line">
+            <a:avLst/>
+          </a:prstGeom>
+          <a:ln w="38100">
+            <a:solidFill>
+              <a:schemeClr val="bg1">
+                <a:lumMod val="75000"/>
+              </a:schemeClr>
+            </a:solidFill>
+          </a:ln>
+        </p:spPr>
+        <p:style>
+          <a:lnRef idx="1">
+            <a:schemeClr val="accent1"/>
+          </a:lnRef>
+          <a:fillRef idx="0">
+            <a:schemeClr val="accent1"/>
+          </a:fillRef>
+          <a:effectRef idx="0">
+            <a:schemeClr val="accent1"/>
+          </a:effectRef>
+          <a:fontRef idx="minor">
+            <a:schemeClr val="tx1"/>
+          </a:fontRef>
+        </p:style>
+      </p:cxnSp>
+      <p:sp>
+        <p:nvSpPr>
+          <p:cNvPr id="24" name="직사각형 23">
+            <a:extLst>
+              <a:ext uri="{FF2B5EF4-FFF2-40B4-BE49-F238E27FC236}">
+                <a16:creationId xmlns:a16="http://schemas.microsoft.com/office/drawing/2014/main" id="{D81B7E99-E91C-4E0B-9FCA-C065E1FEA967}"/>
+              </a:ext>
+            </a:extLst>
+          </p:cNvPr>
+          <p:cNvSpPr/>
+          <p:nvPr/>
+        </p:nvSpPr>
+        <p:spPr>
+          <a:xfrm>
+            <a:off x="766591" y="3682790"/>
+            <a:ext cx="1746957" cy="373885"/>
+          </a:xfrm>
+          <a:prstGeom prst="rect">
+            <a:avLst/>
+          </a:prstGeom>
+        </p:spPr>
+        <p:txBody>
+          <a:bodyPr wrap="square">
+            <a:spAutoFit/>
+          </a:bodyPr>
+          <a:lstStyle/>
+          <a:p>
+            <a:pPr>
+              <a:lnSpc>
+                <a:spcPct val="150000"/>
+              </a:lnSpc>
+            </a:pPr>
+            <a:r>
+              <a:rPr lang="en-US" altLang="ko-KR" sz="1400" dirty="0">
+                <a:solidFill>
+                  <a:schemeClr val="bg1">
+                    <a:lumMod val="75000"/>
+                  </a:schemeClr>
+                </a:solidFill>
+                <a:latin typeface="+mn-ea"/>
+              </a:rPr>
+              <a:t>Why using android</a:t>
+            </a:r>
+          </a:p>
+        </p:txBody>
+      </p:sp>
+    </p:spTree>
+    <p:extLst>
+      <p:ext uri="{BB962C8B-B14F-4D97-AF65-F5344CB8AC3E}">
+        <p14:creationId xmlns:p14="http://schemas.microsoft.com/office/powerpoint/2010/main" val="4091916154"/>
+      </p:ext>
+    </p:extLst>
+  </p:cSld>
+  <p:clrMapOvr>
+    <a:masterClrMapping/>
+  </p:clrMapOvr>
+</p:sld>
+</file>
+
+<file path=ppt/slides/slide6.xml><?xml version="1.0" encoding="utf-8"?>
+<p:sld xmlns:a="http://schemas.openxmlformats.org/drawingml/2006/main" xmlns:r="http://schemas.openxmlformats.org/officeDocument/2006/relationships" xmlns:p="http://schemas.openxmlformats.org/presentationml/2006/main">
+  <p:cSld>
+    <p:bg>
+      <p:bgPr>
+        <a:blipFill dpi="0" rotWithShape="1">
+          <a:blip r:embed="rId2">
+            <a:lum/>
+          </a:blip>
+          <a:srcRect/>
+          <a:stretch>
+            <a:fillRect/>
+          </a:stretch>
+        </a:blipFill>
+        <a:effectLst/>
+      </p:bgPr>
+    </p:bg>
+    <p:spTree>
+      <p:nvGrpSpPr>
+        <p:cNvPr id="1" name=""/>
+        <p:cNvGrpSpPr/>
+        <p:nvPr/>
+      </p:nvGrpSpPr>
+      <p:grpSpPr>
+        <a:xfrm>
+          <a:off x="0" y="0"/>
+          <a:ext cx="0" cy="0"/>
+          <a:chOff x="0" y="0"/>
+          <a:chExt cx="0" cy="0"/>
+        </a:xfrm>
+      </p:grpSpPr>
+      <p:sp>
+        <p:nvSpPr>
+          <p:cNvPr id="6" name="직사각형 5">
+            <a:extLst>
+              <a:ext uri="{FF2B5EF4-FFF2-40B4-BE49-F238E27FC236}">
+                <a16:creationId xmlns:a16="http://schemas.microsoft.com/office/drawing/2014/main" id="{32D00C9F-60FA-4A81-A522-72D3FF020E60}"/>
+              </a:ext>
+            </a:extLst>
+          </p:cNvPr>
+          <p:cNvSpPr/>
+          <p:nvPr/>
+        </p:nvSpPr>
+        <p:spPr>
+          <a:xfrm>
+            <a:off x="2938467" y="901845"/>
+            <a:ext cx="423876" cy="1015663"/>
+          </a:xfrm>
+          <a:prstGeom prst="rect">
+            <a:avLst/>
+          </a:prstGeom>
+          <a:noFill/>
+        </p:spPr>
+        <p:txBody>
+          <a:bodyPr wrap="square">
+            <a:spAutoFit/>
+          </a:bodyPr>
+          <a:lstStyle/>
+          <a:p>
+            <a:r>
+              <a:rPr lang="en-US" altLang="ko-KR" sz="6000" dirty="0">
+                <a:solidFill>
+                  <a:schemeClr val="accent5">
+                    <a:lumMod val="60000"/>
+                    <a:lumOff val="40000"/>
+                  </a:schemeClr>
+                </a:solidFill>
+                <a:latin typeface="+mn-ea"/>
+              </a:rPr>
+              <a:t>]</a:t>
+            </a:r>
+            <a:endParaRPr lang="ko-KR" altLang="en-US" sz="6000" dirty="0">
+              <a:solidFill>
+                <a:schemeClr val="accent5">
+                  <a:lumMod val="60000"/>
+                  <a:lumOff val="40000"/>
+                </a:schemeClr>
+              </a:solidFill>
+              <a:latin typeface="+mn-ea"/>
+            </a:endParaRPr>
+          </a:p>
+        </p:txBody>
+      </p:sp>
+      <p:sp>
+        <p:nvSpPr>
+          <p:cNvPr id="10" name="직사각형 9">
+            <a:extLst>
+              <a:ext uri="{FF2B5EF4-FFF2-40B4-BE49-F238E27FC236}">
+                <a16:creationId xmlns:a16="http://schemas.microsoft.com/office/drawing/2014/main" id="{D3933E22-409F-404B-B5B7-0313B68915CD}"/>
+              </a:ext>
+            </a:extLst>
+          </p:cNvPr>
+          <p:cNvSpPr/>
+          <p:nvPr/>
+        </p:nvSpPr>
+        <p:spPr>
+          <a:xfrm>
+            <a:off x="637296" y="879689"/>
+            <a:ext cx="423876" cy="1015663"/>
+          </a:xfrm>
+          <a:prstGeom prst="rect">
+            <a:avLst/>
+          </a:prstGeom>
+          <a:noFill/>
+        </p:spPr>
+        <p:txBody>
+          <a:bodyPr wrap="square">
+            <a:spAutoFit/>
+          </a:bodyPr>
+          <a:lstStyle/>
+          <a:p>
+            <a:r>
+              <a:rPr lang="en-US" altLang="ko-KR" sz="6000" dirty="0">
+                <a:solidFill>
+                  <a:schemeClr val="accent5">
+                    <a:lumMod val="60000"/>
+                    <a:lumOff val="40000"/>
+                  </a:schemeClr>
+                </a:solidFill>
+                <a:latin typeface="+mn-ea"/>
+              </a:rPr>
+              <a:t>[</a:t>
+            </a:r>
+            <a:endParaRPr lang="ko-KR" altLang="en-US" sz="6000" dirty="0">
+              <a:solidFill>
+                <a:schemeClr val="accent5">
+                  <a:lumMod val="60000"/>
+                  <a:lumOff val="40000"/>
+                </a:schemeClr>
+              </a:solidFill>
+              <a:latin typeface="+mn-ea"/>
+            </a:endParaRPr>
+          </a:p>
+        </p:txBody>
+      </p:sp>
+      <p:sp>
+        <p:nvSpPr>
+          <p:cNvPr id="11" name="직사각형 10">
+            <a:extLst>
+              <a:ext uri="{FF2B5EF4-FFF2-40B4-BE49-F238E27FC236}">
+                <a16:creationId xmlns:a16="http://schemas.microsoft.com/office/drawing/2014/main" id="{594CE7EC-440B-45A8-B3A9-9CF82B61EA48}"/>
+              </a:ext>
+            </a:extLst>
+          </p:cNvPr>
+          <p:cNvSpPr/>
+          <p:nvPr/>
+        </p:nvSpPr>
+        <p:spPr>
+          <a:xfrm>
+            <a:off x="523668" y="1190850"/>
+            <a:ext cx="2895034" cy="553998"/>
+          </a:xfrm>
+          <a:prstGeom prst="rect">
+            <a:avLst/>
+          </a:prstGeom>
+        </p:spPr>
+        <p:txBody>
+          <a:bodyPr wrap="square">
+            <a:spAutoFit/>
+          </a:bodyPr>
+          <a:lstStyle/>
+          <a:p>
+            <a:pPr algn="ctr"/>
+            <a:r>
+              <a:rPr lang="en-US" altLang="ko-KR" sz="1500" dirty="0">
+                <a:solidFill>
+                  <a:schemeClr val="bg1"/>
+                </a:solidFill>
+                <a:latin typeface="+mn-ea"/>
+              </a:rPr>
+              <a:t>Major modules and</a:t>
+            </a:r>
+          </a:p>
+          <a:p>
+            <a:pPr algn="ctr"/>
+            <a:r>
+              <a:rPr lang="en-US" altLang="ko-KR" sz="1500" dirty="0">
+                <a:solidFill>
+                  <a:schemeClr val="bg1"/>
+                </a:solidFill>
+                <a:latin typeface="+mn-ea"/>
+              </a:rPr>
+              <a:t>Their functionality</a:t>
+            </a:r>
+          </a:p>
+        </p:txBody>
+      </p:sp>
+      <p:sp>
+        <p:nvSpPr>
+          <p:cNvPr id="15" name="직사각형 14">
+            <a:extLst>
+              <a:ext uri="{FF2B5EF4-FFF2-40B4-BE49-F238E27FC236}">
+                <a16:creationId xmlns:a16="http://schemas.microsoft.com/office/drawing/2014/main" id="{C696F74F-F97D-4B76-B35C-725EA38EAEB5}"/>
+              </a:ext>
+            </a:extLst>
+          </p:cNvPr>
+          <p:cNvSpPr/>
+          <p:nvPr/>
+        </p:nvSpPr>
+        <p:spPr>
+          <a:xfrm>
+            <a:off x="523668" y="479579"/>
+            <a:ext cx="3541199" cy="400110"/>
+          </a:xfrm>
+          <a:prstGeom prst="rect">
+            <a:avLst/>
+          </a:prstGeom>
+        </p:spPr>
+        <p:txBody>
+          <a:bodyPr wrap="square">
+            <a:spAutoFit/>
+          </a:bodyPr>
+          <a:lstStyle/>
+          <a:p>
+            <a:r>
+              <a:rPr lang="en-US" altLang="ko-KR" sz="2000" dirty="0">
+                <a:solidFill>
+                  <a:schemeClr val="bg1"/>
+                </a:solidFill>
+                <a:latin typeface="+mn-ea"/>
+              </a:rPr>
+              <a:t>Summarize</a:t>
+            </a:r>
+            <a:r>
+              <a:rPr lang="ko-KR" altLang="en-US" sz="2000" dirty="0">
+                <a:solidFill>
+                  <a:schemeClr val="bg1"/>
+                </a:solidFill>
+                <a:latin typeface="+mn-ea"/>
+              </a:rPr>
+              <a:t> </a:t>
+            </a:r>
+            <a:r>
+              <a:rPr lang="en-US" altLang="ko-KR" sz="2000" dirty="0">
+                <a:solidFill>
+                  <a:schemeClr val="bg1"/>
+                </a:solidFill>
+                <a:latin typeface="+mn-ea"/>
+              </a:rPr>
+              <a:t>the</a:t>
+            </a:r>
+            <a:r>
+              <a:rPr lang="ko-KR" altLang="en-US" sz="2000" dirty="0">
+                <a:solidFill>
+                  <a:schemeClr val="bg1"/>
+                </a:solidFill>
+                <a:latin typeface="+mn-ea"/>
+              </a:rPr>
+              <a:t> </a:t>
+            </a:r>
+            <a:r>
+              <a:rPr lang="en-US" altLang="ko-KR" sz="2000" dirty="0">
+                <a:solidFill>
+                  <a:schemeClr val="bg1"/>
+                </a:solidFill>
+                <a:latin typeface="+mn-ea"/>
+              </a:rPr>
+              <a:t>requirements</a:t>
+            </a:r>
+            <a:endParaRPr lang="ko-KR" altLang="en-US" sz="2000" dirty="0">
+              <a:solidFill>
+                <a:schemeClr val="bg1"/>
+              </a:solidFill>
+              <a:latin typeface="+mn-ea"/>
+            </a:endParaRPr>
+          </a:p>
+        </p:txBody>
+      </p:sp>
+      <p:sp>
+        <p:nvSpPr>
+          <p:cNvPr id="16" name="직사각형 15">
+            <a:extLst>
+              <a:ext uri="{FF2B5EF4-FFF2-40B4-BE49-F238E27FC236}">
+                <a16:creationId xmlns:a16="http://schemas.microsoft.com/office/drawing/2014/main" id="{1F791E7C-E1F0-408C-A76E-8ABB7402711F}"/>
+              </a:ext>
+            </a:extLst>
+          </p:cNvPr>
+          <p:cNvSpPr/>
+          <p:nvPr/>
+        </p:nvSpPr>
+        <p:spPr>
+          <a:xfrm>
+            <a:off x="1771942" y="901845"/>
+            <a:ext cx="426720" cy="292388"/>
+          </a:xfrm>
+          <a:prstGeom prst="rect">
+            <a:avLst/>
+          </a:prstGeom>
+        </p:spPr>
+        <p:txBody>
+          <a:bodyPr wrap="none">
+            <a:spAutoFit/>
+          </a:bodyPr>
+          <a:lstStyle/>
+          <a:p>
+            <a:r>
+              <a:rPr lang="en-US" altLang="ko-KR" sz="1300" dirty="0">
+                <a:solidFill>
+                  <a:schemeClr val="accent5">
+                    <a:lumMod val="60000"/>
+                    <a:lumOff val="40000"/>
+                  </a:schemeClr>
+                </a:solidFill>
+                <a:latin typeface="+mn-ea"/>
+              </a:rPr>
+              <a:t>0 3</a:t>
+            </a:r>
+            <a:endParaRPr lang="ko-KR" altLang="en-US" sz="1300" dirty="0">
+              <a:solidFill>
+                <a:schemeClr val="accent5">
+                  <a:lumMod val="60000"/>
+                  <a:lumOff val="40000"/>
+                </a:schemeClr>
+              </a:solidFill>
+              <a:latin typeface="+mn-ea"/>
+            </a:endParaRPr>
+          </a:p>
+        </p:txBody>
+      </p:sp>
+      <p:cxnSp>
+        <p:nvCxnSpPr>
+          <p:cNvPr id="7" name="직선 연결선 6">
+            <a:extLst>
+              <a:ext uri="{FF2B5EF4-FFF2-40B4-BE49-F238E27FC236}">
+                <a16:creationId xmlns:a16="http://schemas.microsoft.com/office/drawing/2014/main" id="{4BA12FE1-FD36-4FF4-8BA9-4010A3C4E046}"/>
+              </a:ext>
+            </a:extLst>
+          </p:cNvPr>
+          <p:cNvCxnSpPr/>
+          <p:nvPr/>
+        </p:nvCxnSpPr>
+        <p:spPr>
+          <a:xfrm>
+            <a:off x="870696" y="2265317"/>
+            <a:ext cx="1336718" cy="0"/>
+          </a:xfrm>
+          <a:prstGeom prst="line">
+            <a:avLst/>
+          </a:prstGeom>
+          <a:ln w="38100">
+            <a:solidFill>
+              <a:schemeClr val="bg1">
+                <a:lumMod val="75000"/>
+              </a:schemeClr>
+            </a:solidFill>
+          </a:ln>
+        </p:spPr>
+        <p:style>
+          <a:lnRef idx="1">
+            <a:schemeClr val="accent1"/>
+          </a:lnRef>
+          <a:fillRef idx="0">
+            <a:schemeClr val="accent1"/>
+          </a:fillRef>
+          <a:effectRef idx="0">
+            <a:schemeClr val="accent1"/>
+          </a:effectRef>
+          <a:fontRef idx="minor">
+            <a:schemeClr val="tx1"/>
+          </a:fontRef>
+        </p:style>
+      </p:cxnSp>
+      <p:sp>
+        <p:nvSpPr>
+          <p:cNvPr id="9" name="직사각형 8">
+            <a:extLst>
+              <a:ext uri="{FF2B5EF4-FFF2-40B4-BE49-F238E27FC236}">
+                <a16:creationId xmlns:a16="http://schemas.microsoft.com/office/drawing/2014/main" id="{7EA0B303-F062-4704-BA9E-466DC1A91C34}"/>
+              </a:ext>
+            </a:extLst>
+          </p:cNvPr>
+          <p:cNvSpPr/>
+          <p:nvPr/>
+        </p:nvSpPr>
+        <p:spPr>
+          <a:xfrm>
+            <a:off x="766591" y="2295462"/>
+            <a:ext cx="1527676" cy="373885"/>
+          </a:xfrm>
+          <a:prstGeom prst="rect">
+            <a:avLst/>
+          </a:prstGeom>
+        </p:spPr>
+        <p:txBody>
+          <a:bodyPr wrap="square">
+            <a:spAutoFit/>
+          </a:bodyPr>
+          <a:lstStyle/>
+          <a:p>
+            <a:pPr>
+              <a:lnSpc>
+                <a:spcPct val="150000"/>
+              </a:lnSpc>
+            </a:pPr>
+            <a:r>
+              <a:rPr lang="en-US" altLang="ko-KR" sz="1400" dirty="0">
+                <a:solidFill>
+                  <a:schemeClr val="bg1">
+                    <a:lumMod val="65000"/>
+                  </a:schemeClr>
+                </a:solidFill>
+                <a:latin typeface="+mn-ea"/>
+              </a:rPr>
+              <a:t>Messenger</a:t>
+            </a:r>
+          </a:p>
+        </p:txBody>
+      </p:sp>
+      <p:sp>
+        <p:nvSpPr>
+          <p:cNvPr id="2" name="TextBox 1">
+            <a:extLst>
+              <a:ext uri="{FF2B5EF4-FFF2-40B4-BE49-F238E27FC236}">
+                <a16:creationId xmlns:a16="http://schemas.microsoft.com/office/drawing/2014/main" id="{C1673B5D-546B-417D-8DC9-54015B985F8B}"/>
+              </a:ext>
+            </a:extLst>
+          </p:cNvPr>
+          <p:cNvSpPr txBox="1"/>
+          <p:nvPr/>
+        </p:nvSpPr>
+        <p:spPr>
+          <a:xfrm>
+            <a:off x="766591" y="2893325"/>
+            <a:ext cx="3027487" cy="1323439"/>
+          </a:xfrm>
+          <a:prstGeom prst="rect">
+            <a:avLst/>
+          </a:prstGeom>
+          <a:noFill/>
+        </p:spPr>
+        <p:txBody>
+          <a:bodyPr wrap="square" rtlCol="0">
+            <a:spAutoFit/>
+          </a:bodyPr>
+          <a:lstStyle/>
+          <a:p>
+            <a:r>
+              <a:rPr lang="en-US" altLang="ko-KR" sz="1600" dirty="0">
+                <a:solidFill>
+                  <a:schemeClr val="bg1"/>
+                </a:solidFill>
+                <a:latin typeface="+mn-ea"/>
+              </a:rPr>
+              <a:t>Message send &amp; receive</a:t>
+            </a:r>
+          </a:p>
+          <a:p>
+            <a:r>
+              <a:rPr lang="en-US" altLang="ko-KR" sz="1600" dirty="0">
+                <a:solidFill>
+                  <a:schemeClr val="bg1"/>
+                </a:solidFill>
+                <a:latin typeface="+mn-ea"/>
+              </a:rPr>
+              <a:t>Timetable send &amp; receive</a:t>
+            </a:r>
+          </a:p>
+          <a:p>
+            <a:r>
+              <a:rPr lang="en-US" altLang="ko-KR" sz="1600" dirty="0">
+                <a:solidFill>
+                  <a:schemeClr val="bg1"/>
+                </a:solidFill>
+                <a:latin typeface="+mn-ea"/>
+              </a:rPr>
+              <a:t>File(video, photo) send &amp; receive</a:t>
+            </a:r>
+          </a:p>
+          <a:p>
+            <a:r>
+              <a:rPr lang="en-US" altLang="ko-KR" sz="1600" dirty="0">
+                <a:solidFill>
+                  <a:schemeClr val="bg1"/>
+                </a:solidFill>
+                <a:latin typeface="+mn-ea"/>
+              </a:rPr>
+              <a:t>Group talk</a:t>
+            </a:r>
+            <a:endParaRPr lang="ko-KR" altLang="en-US" sz="1600" dirty="0">
+              <a:solidFill>
+                <a:schemeClr val="bg1"/>
+              </a:solidFill>
+              <a:latin typeface="+mn-ea"/>
+            </a:endParaRPr>
+          </a:p>
+        </p:txBody>
+      </p:sp>
+      <p:cxnSp>
+        <p:nvCxnSpPr>
+          <p:cNvPr id="23" name="직선 연결선 22">
+            <a:extLst>
+              <a:ext uri="{FF2B5EF4-FFF2-40B4-BE49-F238E27FC236}">
+                <a16:creationId xmlns:a16="http://schemas.microsoft.com/office/drawing/2014/main" id="{82B251C6-16EE-4968-A0F2-940A86DB4477}"/>
+              </a:ext>
+            </a:extLst>
+          </p:cNvPr>
+          <p:cNvCxnSpPr/>
+          <p:nvPr/>
+        </p:nvCxnSpPr>
+        <p:spPr>
+          <a:xfrm>
+            <a:off x="5452191" y="2235172"/>
+            <a:ext cx="1336718" cy="0"/>
+          </a:xfrm>
+          <a:prstGeom prst="line">
+            <a:avLst/>
+          </a:prstGeom>
+          <a:ln w="38100">
+            <a:solidFill>
+              <a:schemeClr val="bg1">
+                <a:lumMod val="75000"/>
+              </a:schemeClr>
+            </a:solidFill>
+          </a:ln>
+        </p:spPr>
+        <p:style>
+          <a:lnRef idx="1">
+            <a:schemeClr val="accent1"/>
+          </a:lnRef>
+          <a:fillRef idx="0">
+            <a:schemeClr val="accent1"/>
+          </a:fillRef>
+          <a:effectRef idx="0">
+            <a:schemeClr val="accent1"/>
+          </a:effectRef>
+          <a:fontRef idx="minor">
+            <a:schemeClr val="tx1"/>
+          </a:fontRef>
+        </p:style>
+      </p:cxnSp>
+      <p:sp>
+        <p:nvSpPr>
+          <p:cNvPr id="24" name="직사각형 23">
+            <a:extLst>
+              <a:ext uri="{FF2B5EF4-FFF2-40B4-BE49-F238E27FC236}">
+                <a16:creationId xmlns:a16="http://schemas.microsoft.com/office/drawing/2014/main" id="{A092B530-129C-4A80-9809-D7C6CC1B5F53}"/>
+              </a:ext>
+            </a:extLst>
+          </p:cNvPr>
+          <p:cNvSpPr/>
+          <p:nvPr/>
+        </p:nvSpPr>
+        <p:spPr>
+          <a:xfrm>
+            <a:off x="5348086" y="2265317"/>
+            <a:ext cx="1527676" cy="373885"/>
+          </a:xfrm>
+          <a:prstGeom prst="rect">
+            <a:avLst/>
+          </a:prstGeom>
+        </p:spPr>
+        <p:txBody>
+          <a:bodyPr wrap="square">
+            <a:spAutoFit/>
+          </a:bodyPr>
+          <a:lstStyle/>
+          <a:p>
+            <a:pPr>
+              <a:lnSpc>
+                <a:spcPct val="150000"/>
+              </a:lnSpc>
+            </a:pPr>
+            <a:r>
+              <a:rPr lang="en-US" altLang="ko-KR" sz="1400" dirty="0">
+                <a:solidFill>
+                  <a:schemeClr val="bg1">
+                    <a:lumMod val="65000"/>
+                  </a:schemeClr>
+                </a:solidFill>
+                <a:latin typeface="+mn-ea"/>
+              </a:rPr>
+              <a:t>Timetable</a:t>
+            </a:r>
+          </a:p>
+        </p:txBody>
+      </p:sp>
+      <p:sp>
+        <p:nvSpPr>
+          <p:cNvPr id="27" name="TextBox 26">
+            <a:extLst>
+              <a:ext uri="{FF2B5EF4-FFF2-40B4-BE49-F238E27FC236}">
+                <a16:creationId xmlns:a16="http://schemas.microsoft.com/office/drawing/2014/main" id="{6DA99171-E14C-4BA9-B562-78151EF9F227}"/>
+              </a:ext>
+            </a:extLst>
+          </p:cNvPr>
+          <p:cNvSpPr txBox="1"/>
+          <p:nvPr/>
+        </p:nvSpPr>
+        <p:spPr>
+          <a:xfrm>
+            <a:off x="5275165" y="2863307"/>
+            <a:ext cx="3027487" cy="584775"/>
+          </a:xfrm>
+          <a:prstGeom prst="rect">
+            <a:avLst/>
+          </a:prstGeom>
+          <a:noFill/>
+        </p:spPr>
+        <p:txBody>
+          <a:bodyPr wrap="square" rtlCol="0">
+            <a:spAutoFit/>
+          </a:bodyPr>
+          <a:lstStyle/>
+          <a:p>
+            <a:r>
+              <a:rPr lang="en-US" altLang="ko-KR" sz="1600" dirty="0">
+                <a:solidFill>
+                  <a:schemeClr val="bg1"/>
+                </a:solidFill>
+                <a:latin typeface="+mn-ea"/>
+              </a:rPr>
+              <a:t>Timetable</a:t>
+            </a:r>
+          </a:p>
+          <a:p>
+            <a:r>
+              <a:rPr lang="en-US" altLang="ko-KR" sz="1600" dirty="0">
+                <a:solidFill>
+                  <a:schemeClr val="bg1"/>
+                </a:solidFill>
+                <a:latin typeface="+mn-ea"/>
+              </a:rPr>
+              <a:t>Lookup class</a:t>
+            </a:r>
+            <a:endParaRPr lang="ko-KR" altLang="en-US" sz="1600" dirty="0">
+              <a:solidFill>
+                <a:schemeClr val="bg1"/>
+              </a:solidFill>
+              <a:latin typeface="+mn-ea"/>
+            </a:endParaRPr>
+          </a:p>
+        </p:txBody>
+      </p:sp>
+      <p:cxnSp>
+        <p:nvCxnSpPr>
+          <p:cNvPr id="29" name="직선 연결선 28">
+            <a:extLst>
+              <a:ext uri="{FF2B5EF4-FFF2-40B4-BE49-F238E27FC236}">
+                <a16:creationId xmlns:a16="http://schemas.microsoft.com/office/drawing/2014/main" id="{8E02A9B6-0031-469F-86C2-F7440948DB4C}"/>
+              </a:ext>
+            </a:extLst>
+          </p:cNvPr>
+          <p:cNvCxnSpPr/>
+          <p:nvPr/>
+        </p:nvCxnSpPr>
+        <p:spPr>
+          <a:xfrm>
+            <a:off x="870696" y="4492979"/>
+            <a:ext cx="1336718" cy="0"/>
+          </a:xfrm>
+          <a:prstGeom prst="line">
+            <a:avLst/>
+          </a:prstGeom>
+          <a:ln w="38100">
+            <a:solidFill>
+              <a:schemeClr val="bg1">
+                <a:lumMod val="75000"/>
+              </a:schemeClr>
+            </a:solidFill>
+          </a:ln>
+        </p:spPr>
+        <p:style>
+          <a:lnRef idx="1">
+            <a:schemeClr val="accent1"/>
+          </a:lnRef>
+          <a:fillRef idx="0">
+            <a:schemeClr val="accent1"/>
+          </a:fillRef>
+          <a:effectRef idx="0">
+            <a:schemeClr val="accent1"/>
+          </a:effectRef>
+          <a:fontRef idx="minor">
+            <a:schemeClr val="tx1"/>
+          </a:fontRef>
+        </p:style>
+      </p:cxnSp>
+      <p:sp>
+        <p:nvSpPr>
+          <p:cNvPr id="30" name="직사각형 29">
+            <a:extLst>
+              <a:ext uri="{FF2B5EF4-FFF2-40B4-BE49-F238E27FC236}">
+                <a16:creationId xmlns:a16="http://schemas.microsoft.com/office/drawing/2014/main" id="{BE7277ED-91D3-41AB-9716-61915CE198B6}"/>
+              </a:ext>
+            </a:extLst>
+          </p:cNvPr>
+          <p:cNvSpPr/>
+          <p:nvPr/>
+        </p:nvSpPr>
+        <p:spPr>
+          <a:xfrm>
+            <a:off x="766591" y="4523124"/>
+            <a:ext cx="1527676" cy="373885"/>
+          </a:xfrm>
+          <a:prstGeom prst="rect">
+            <a:avLst/>
+          </a:prstGeom>
+        </p:spPr>
+        <p:txBody>
+          <a:bodyPr wrap="square">
+            <a:spAutoFit/>
+          </a:bodyPr>
+          <a:lstStyle/>
+          <a:p>
+            <a:pPr>
+              <a:lnSpc>
+                <a:spcPct val="150000"/>
+              </a:lnSpc>
+            </a:pPr>
+            <a:r>
+              <a:rPr lang="en-US" altLang="ko-KR" sz="1400" dirty="0">
+                <a:solidFill>
+                  <a:schemeClr val="bg1">
+                    <a:lumMod val="65000"/>
+                  </a:schemeClr>
+                </a:solidFill>
+                <a:latin typeface="+mn-ea"/>
+              </a:rPr>
+              <a:t>Schedule</a:t>
+            </a:r>
+          </a:p>
+        </p:txBody>
+      </p:sp>
+      <p:sp>
+        <p:nvSpPr>
+          <p:cNvPr id="31" name="TextBox 30">
+            <a:extLst>
+              <a:ext uri="{FF2B5EF4-FFF2-40B4-BE49-F238E27FC236}">
+                <a16:creationId xmlns:a16="http://schemas.microsoft.com/office/drawing/2014/main" id="{B03D20AB-30E9-49B7-B8CB-0484349192A1}"/>
+              </a:ext>
+            </a:extLst>
+          </p:cNvPr>
+          <p:cNvSpPr txBox="1"/>
+          <p:nvPr/>
+        </p:nvSpPr>
+        <p:spPr>
+          <a:xfrm>
+            <a:off x="766591" y="5120987"/>
+            <a:ext cx="3027487" cy="584775"/>
+          </a:xfrm>
+          <a:prstGeom prst="rect">
+            <a:avLst/>
+          </a:prstGeom>
+          <a:noFill/>
+        </p:spPr>
+        <p:txBody>
+          <a:bodyPr wrap="square" rtlCol="0">
+            <a:spAutoFit/>
+          </a:bodyPr>
+          <a:lstStyle/>
+          <a:p>
+            <a:r>
+              <a:rPr lang="en-US" altLang="ko-KR" sz="1600" dirty="0">
+                <a:solidFill>
+                  <a:schemeClr val="bg1"/>
+                </a:solidFill>
+                <a:latin typeface="+mn-ea"/>
+              </a:rPr>
+              <a:t>Calendar</a:t>
+            </a:r>
+          </a:p>
+          <a:p>
+            <a:r>
+              <a:rPr lang="en-US" altLang="ko-KR" sz="1600" dirty="0">
+                <a:solidFill>
+                  <a:schemeClr val="bg1"/>
+                </a:solidFill>
+                <a:latin typeface="+mn-ea"/>
+              </a:rPr>
+              <a:t>Save schedule</a:t>
+            </a:r>
+            <a:endParaRPr lang="ko-KR" altLang="en-US" sz="1600" dirty="0">
+              <a:solidFill>
+                <a:schemeClr val="bg1"/>
+              </a:solidFill>
+              <a:latin typeface="+mn-ea"/>
+            </a:endParaRPr>
+          </a:p>
+        </p:txBody>
+      </p:sp>
+      <p:cxnSp>
+        <p:nvCxnSpPr>
+          <p:cNvPr id="32" name="직선 연결선 31">
+            <a:extLst>
+              <a:ext uri="{FF2B5EF4-FFF2-40B4-BE49-F238E27FC236}">
+                <a16:creationId xmlns:a16="http://schemas.microsoft.com/office/drawing/2014/main" id="{C16CD52F-CF84-44D5-8E4D-72D016711383}"/>
+              </a:ext>
+            </a:extLst>
+          </p:cNvPr>
+          <p:cNvCxnSpPr/>
+          <p:nvPr/>
+        </p:nvCxnSpPr>
+        <p:spPr>
+          <a:xfrm>
+            <a:off x="5452191" y="4465895"/>
+            <a:ext cx="1336718" cy="0"/>
+          </a:xfrm>
+          <a:prstGeom prst="line">
+            <a:avLst/>
+          </a:prstGeom>
+          <a:ln w="38100">
+            <a:solidFill>
+              <a:schemeClr val="bg1">
+                <a:lumMod val="75000"/>
+              </a:schemeClr>
+            </a:solidFill>
+          </a:ln>
+        </p:spPr>
+        <p:style>
+          <a:lnRef idx="1">
+            <a:schemeClr val="accent1"/>
+          </a:lnRef>
+          <a:fillRef idx="0">
+            <a:schemeClr val="accent1"/>
+          </a:fillRef>
+          <a:effectRef idx="0">
+            <a:schemeClr val="accent1"/>
+          </a:effectRef>
+          <a:fontRef idx="minor">
+            <a:schemeClr val="tx1"/>
+          </a:fontRef>
+        </p:style>
+      </p:cxnSp>
+      <p:sp>
+        <p:nvSpPr>
+          <p:cNvPr id="33" name="직사각형 32">
+            <a:extLst>
+              <a:ext uri="{FF2B5EF4-FFF2-40B4-BE49-F238E27FC236}">
+                <a16:creationId xmlns:a16="http://schemas.microsoft.com/office/drawing/2014/main" id="{91DF5719-E791-4D41-8BB0-61A5732F7F5B}"/>
+              </a:ext>
+            </a:extLst>
+          </p:cNvPr>
+          <p:cNvSpPr/>
+          <p:nvPr/>
+        </p:nvSpPr>
+        <p:spPr>
+          <a:xfrm>
+            <a:off x="5348086" y="4496040"/>
+            <a:ext cx="1527676" cy="373885"/>
+          </a:xfrm>
+          <a:prstGeom prst="rect">
+            <a:avLst/>
+          </a:prstGeom>
+        </p:spPr>
+        <p:txBody>
+          <a:bodyPr wrap="square">
+            <a:spAutoFit/>
+          </a:bodyPr>
+          <a:lstStyle/>
+          <a:p>
+            <a:pPr>
+              <a:lnSpc>
+                <a:spcPct val="150000"/>
+              </a:lnSpc>
+            </a:pPr>
+            <a:r>
+              <a:rPr lang="en-US" altLang="ko-KR" sz="1400" dirty="0">
+                <a:solidFill>
+                  <a:schemeClr val="bg1">
+                    <a:lumMod val="65000"/>
+                  </a:schemeClr>
+                </a:solidFill>
+                <a:latin typeface="+mn-ea"/>
+              </a:rPr>
+              <a:t>UI</a:t>
+            </a:r>
+          </a:p>
+        </p:txBody>
+      </p:sp>
+      <p:sp>
+        <p:nvSpPr>
+          <p:cNvPr id="34" name="TextBox 33">
+            <a:extLst>
+              <a:ext uri="{FF2B5EF4-FFF2-40B4-BE49-F238E27FC236}">
+                <a16:creationId xmlns:a16="http://schemas.microsoft.com/office/drawing/2014/main" id="{053BF325-86B5-456F-A46D-626E23E0C483}"/>
+              </a:ext>
+            </a:extLst>
+          </p:cNvPr>
+          <p:cNvSpPr txBox="1"/>
+          <p:nvPr/>
+        </p:nvSpPr>
+        <p:spPr>
+          <a:xfrm>
+            <a:off x="5348086" y="5093903"/>
+            <a:ext cx="3027487" cy="830997"/>
+          </a:xfrm>
+          <a:prstGeom prst="rect">
+            <a:avLst/>
+          </a:prstGeom>
+          <a:noFill/>
+        </p:spPr>
+        <p:txBody>
+          <a:bodyPr wrap="square" rtlCol="0">
+            <a:spAutoFit/>
+          </a:bodyPr>
+          <a:lstStyle/>
+          <a:p>
+            <a:pPr lvl="0"/>
+            <a:r>
+              <a:rPr lang="fr-FR" altLang="ko-KR" sz="1600" dirty="0">
+                <a:solidFill>
+                  <a:schemeClr val="bg1"/>
+                </a:solidFill>
+                <a:latin typeface="+mn-ea"/>
+              </a:rPr>
+              <a:t>login page</a:t>
+            </a:r>
+            <a:endParaRPr lang="ko-KR" altLang="ko-KR" sz="1600" dirty="0">
+              <a:solidFill>
+                <a:schemeClr val="bg1"/>
+              </a:solidFill>
+              <a:latin typeface="+mn-ea"/>
+            </a:endParaRPr>
+          </a:p>
+          <a:p>
+            <a:pPr lvl="0"/>
+            <a:r>
+              <a:rPr lang="fr-FR" altLang="ko-KR" sz="1600" dirty="0">
+                <a:solidFill>
+                  <a:schemeClr val="bg1"/>
+                </a:solidFill>
+                <a:latin typeface="+mn-ea"/>
+              </a:rPr>
+              <a:t>registration page</a:t>
+            </a:r>
+            <a:endParaRPr lang="ko-KR" altLang="ko-KR" sz="1600" dirty="0">
+              <a:solidFill>
+                <a:schemeClr val="bg1"/>
+              </a:solidFill>
+              <a:latin typeface="+mn-ea"/>
+            </a:endParaRPr>
+          </a:p>
+          <a:p>
+            <a:r>
+              <a:rPr lang="fr-FR" altLang="ko-KR" sz="1600" dirty="0">
+                <a:solidFill>
+                  <a:schemeClr val="bg1"/>
+                </a:solidFill>
+                <a:latin typeface="+mn-ea"/>
+              </a:rPr>
+              <a:t>main UI</a:t>
+            </a:r>
+            <a:endParaRPr lang="ko-KR" altLang="en-US" sz="1600" dirty="0">
+              <a:solidFill>
+                <a:schemeClr val="bg1"/>
+              </a:solidFill>
+              <a:latin typeface="+mn-ea"/>
+            </a:endParaRPr>
+          </a:p>
+        </p:txBody>
+      </p:sp>
+    </p:spTree>
+    <p:extLst>
+      <p:ext uri="{BB962C8B-B14F-4D97-AF65-F5344CB8AC3E}">
+        <p14:creationId xmlns:p14="http://schemas.microsoft.com/office/powerpoint/2010/main" val="2421638953"/>
+      </p:ext>
+    </p:extLst>
+  </p:cSld>
+  <p:clrMapOvr>
+    <a:masterClrMapping/>
+  </p:clrMapOvr>
+</p:sld>
+</file>
+
+<file path=ppt/slides/slide7.xml><?xml version="1.0" encoding="utf-8"?>
+<p:sld xmlns:a="http://schemas.openxmlformats.org/drawingml/2006/main" xmlns:r="http://schemas.openxmlformats.org/officeDocument/2006/relationships" xmlns:p="http://schemas.openxmlformats.org/presentationml/2006/main">
+  <p:cSld>
+    <p:bg>
+      <p:bgPr>
+        <a:blipFill dpi="0" rotWithShape="1">
+          <a:blip r:embed="rId2">
+            <a:lum/>
+          </a:blip>
+          <a:srcRect/>
+          <a:stretch>
+            <a:fillRect/>
+          </a:stretch>
+        </a:blipFill>
+        <a:effectLst/>
+      </p:bgPr>
+    </p:bg>
+    <p:spTree>
+      <p:nvGrpSpPr>
+        <p:cNvPr id="1" name=""/>
+        <p:cNvGrpSpPr/>
+        <p:nvPr/>
+      </p:nvGrpSpPr>
+      <p:grpSpPr>
+        <a:xfrm>
+          <a:off x="0" y="0"/>
+          <a:ext cx="0" cy="0"/>
+          <a:chOff x="0" y="0"/>
+          <a:chExt cx="0" cy="0"/>
+        </a:xfrm>
+      </p:grpSpPr>
+      <p:sp>
+        <p:nvSpPr>
+          <p:cNvPr id="5" name="직사각형 4">
+            <a:extLst>
+              <a:ext uri="{FF2B5EF4-FFF2-40B4-BE49-F238E27FC236}">
+                <a16:creationId xmlns:a16="http://schemas.microsoft.com/office/drawing/2014/main" id="{2811AF8E-7C3E-4BDE-B568-5628CE4BC9BC}"/>
+              </a:ext>
+            </a:extLst>
+          </p:cNvPr>
+          <p:cNvSpPr/>
+          <p:nvPr/>
+        </p:nvSpPr>
+        <p:spPr>
+          <a:xfrm>
+            <a:off x="523668" y="2516697"/>
+            <a:ext cx="8872002" cy="3003259"/>
+          </a:xfrm>
+          <a:prstGeom prst="rect">
+            <a:avLst/>
+          </a:prstGeom>
+          <a:solidFill>
+            <a:schemeClr val="bg1"/>
+          </a:solidFill>
+          <a:ln>
+            <a:noFill/>
+          </a:ln>
+          <a:effectLst>
+            <a:softEdge rad="63500"/>
+          </a:effectLst>
+        </p:spPr>
+        <p:style>
+          <a:lnRef idx="2">
+            <a:schemeClr val="accent1">
+              <a:shade val="50000"/>
+            </a:schemeClr>
+          </a:lnRef>
+          <a:fillRef idx="1">
+            <a:schemeClr val="accent1"/>
+          </a:fillRef>
+          <a:effectRef idx="0">
+            <a:schemeClr val="accent1"/>
+          </a:effectRef>
+          <a:fontRef idx="minor">
+            <a:schemeClr val="lt1"/>
+          </a:fontRef>
+        </p:style>
+        <p:txBody>
+          <a:bodyPr rtlCol="0" anchor="ctr"/>
+          <a:lstStyle/>
+          <a:p>
+            <a:pPr algn="ctr"/>
+            <a:endParaRPr lang="ko-KR" altLang="en-US" dirty="0"/>
+          </a:p>
+        </p:txBody>
+      </p:sp>
+      <p:sp>
+        <p:nvSpPr>
+          <p:cNvPr id="6" name="직사각형 5">
+            <a:extLst>
+              <a:ext uri="{FF2B5EF4-FFF2-40B4-BE49-F238E27FC236}">
+                <a16:creationId xmlns:a16="http://schemas.microsoft.com/office/drawing/2014/main" id="{32D00C9F-60FA-4A81-A522-72D3FF020E60}"/>
+              </a:ext>
+            </a:extLst>
+          </p:cNvPr>
+          <p:cNvSpPr/>
+          <p:nvPr/>
+        </p:nvSpPr>
+        <p:spPr>
+          <a:xfrm>
+            <a:off x="2938467" y="901845"/>
+            <a:ext cx="423876" cy="1015663"/>
+          </a:xfrm>
+          <a:prstGeom prst="rect">
+            <a:avLst/>
+          </a:prstGeom>
+          <a:noFill/>
+        </p:spPr>
+        <p:txBody>
+          <a:bodyPr wrap="square">
+            <a:spAutoFit/>
+          </a:bodyPr>
+          <a:lstStyle/>
+          <a:p>
+            <a:r>
+              <a:rPr lang="en-US" altLang="ko-KR" sz="6000" dirty="0">
+                <a:solidFill>
+                  <a:schemeClr val="accent5">
+                    <a:lumMod val="60000"/>
+                    <a:lumOff val="40000"/>
+                  </a:schemeClr>
+                </a:solidFill>
+                <a:latin typeface="+mn-ea"/>
+              </a:rPr>
+              <a:t>]</a:t>
+            </a:r>
+            <a:endParaRPr lang="ko-KR" altLang="en-US" sz="6000" dirty="0">
+              <a:solidFill>
+                <a:schemeClr val="accent5">
+                  <a:lumMod val="60000"/>
+                  <a:lumOff val="40000"/>
+                </a:schemeClr>
+              </a:solidFill>
+              <a:latin typeface="+mn-ea"/>
+            </a:endParaRPr>
+          </a:p>
+        </p:txBody>
+      </p:sp>
+      <p:sp>
+        <p:nvSpPr>
+          <p:cNvPr id="10" name="직사각형 9">
+            <a:extLst>
+              <a:ext uri="{FF2B5EF4-FFF2-40B4-BE49-F238E27FC236}">
+                <a16:creationId xmlns:a16="http://schemas.microsoft.com/office/drawing/2014/main" id="{D3933E22-409F-404B-B5B7-0313B68915CD}"/>
+              </a:ext>
+            </a:extLst>
+          </p:cNvPr>
+          <p:cNvSpPr/>
+          <p:nvPr/>
+        </p:nvSpPr>
+        <p:spPr>
+          <a:xfrm>
+            <a:off x="637296" y="879689"/>
+            <a:ext cx="423876" cy="1015663"/>
+          </a:xfrm>
+          <a:prstGeom prst="rect">
+            <a:avLst/>
+          </a:prstGeom>
+          <a:noFill/>
+        </p:spPr>
+        <p:txBody>
+          <a:bodyPr wrap="square">
+            <a:spAutoFit/>
+          </a:bodyPr>
+          <a:lstStyle/>
+          <a:p>
+            <a:r>
+              <a:rPr lang="en-US" altLang="ko-KR" sz="6000" dirty="0">
+                <a:solidFill>
+                  <a:schemeClr val="accent5">
+                    <a:lumMod val="60000"/>
+                    <a:lumOff val="40000"/>
+                  </a:schemeClr>
+                </a:solidFill>
+                <a:latin typeface="+mn-ea"/>
+              </a:rPr>
+              <a:t>[</a:t>
+            </a:r>
+            <a:endParaRPr lang="ko-KR" altLang="en-US" sz="6000" dirty="0">
+              <a:solidFill>
+                <a:schemeClr val="accent5">
+                  <a:lumMod val="60000"/>
+                  <a:lumOff val="40000"/>
+                </a:schemeClr>
+              </a:solidFill>
+              <a:latin typeface="+mn-ea"/>
+            </a:endParaRPr>
+          </a:p>
+        </p:txBody>
+      </p:sp>
+      <p:sp>
+        <p:nvSpPr>
+          <p:cNvPr id="11" name="직사각형 10">
+            <a:extLst>
+              <a:ext uri="{FF2B5EF4-FFF2-40B4-BE49-F238E27FC236}">
+                <a16:creationId xmlns:a16="http://schemas.microsoft.com/office/drawing/2014/main" id="{594CE7EC-440B-45A8-B3A9-9CF82B61EA48}"/>
+              </a:ext>
+            </a:extLst>
+          </p:cNvPr>
+          <p:cNvSpPr/>
+          <p:nvPr/>
+        </p:nvSpPr>
+        <p:spPr>
+          <a:xfrm>
+            <a:off x="523668" y="1190850"/>
+            <a:ext cx="2895034" cy="323165"/>
+          </a:xfrm>
+          <a:prstGeom prst="rect">
+            <a:avLst/>
+          </a:prstGeom>
+        </p:spPr>
+        <p:txBody>
+          <a:bodyPr wrap="square">
+            <a:spAutoFit/>
+          </a:bodyPr>
+          <a:lstStyle/>
+          <a:p>
+            <a:pPr algn="ctr"/>
+            <a:r>
+              <a:rPr lang="en-US" altLang="ko-KR" sz="1500" dirty="0">
+                <a:solidFill>
+                  <a:schemeClr val="bg1"/>
+                </a:solidFill>
+                <a:latin typeface="+mn-ea"/>
+              </a:rPr>
+              <a:t>Data Description</a:t>
+            </a:r>
+          </a:p>
+        </p:txBody>
+      </p:sp>
+      <p:sp>
+        <p:nvSpPr>
+          <p:cNvPr id="15" name="직사각형 14">
+            <a:extLst>
+              <a:ext uri="{FF2B5EF4-FFF2-40B4-BE49-F238E27FC236}">
+                <a16:creationId xmlns:a16="http://schemas.microsoft.com/office/drawing/2014/main" id="{C696F74F-F97D-4B76-B35C-725EA38EAEB5}"/>
+              </a:ext>
+            </a:extLst>
+          </p:cNvPr>
+          <p:cNvSpPr/>
+          <p:nvPr/>
+        </p:nvSpPr>
+        <p:spPr>
+          <a:xfrm>
+            <a:off x="523668" y="479579"/>
+            <a:ext cx="3541199" cy="400110"/>
+          </a:xfrm>
+          <a:prstGeom prst="rect">
+            <a:avLst/>
+          </a:prstGeom>
+        </p:spPr>
+        <p:txBody>
+          <a:bodyPr wrap="square">
+            <a:spAutoFit/>
+          </a:bodyPr>
+          <a:lstStyle/>
+          <a:p>
+            <a:r>
+              <a:rPr lang="en-US" altLang="ko-KR" sz="2000" dirty="0">
+                <a:solidFill>
+                  <a:schemeClr val="bg1"/>
+                </a:solidFill>
+                <a:latin typeface="+mn-ea"/>
+              </a:rPr>
+              <a:t>Summarize</a:t>
+            </a:r>
+            <a:r>
+              <a:rPr lang="ko-KR" altLang="en-US" sz="2000" dirty="0">
+                <a:solidFill>
+                  <a:schemeClr val="bg1"/>
+                </a:solidFill>
+                <a:latin typeface="+mn-ea"/>
+              </a:rPr>
+              <a:t> </a:t>
+            </a:r>
+            <a:r>
+              <a:rPr lang="en-US" altLang="ko-KR" sz="2000" dirty="0">
+                <a:solidFill>
+                  <a:schemeClr val="bg1"/>
+                </a:solidFill>
+                <a:latin typeface="+mn-ea"/>
+              </a:rPr>
+              <a:t>the</a:t>
+            </a:r>
+            <a:r>
+              <a:rPr lang="ko-KR" altLang="en-US" sz="2000" dirty="0">
+                <a:solidFill>
+                  <a:schemeClr val="bg1"/>
+                </a:solidFill>
+                <a:latin typeface="+mn-ea"/>
+              </a:rPr>
+              <a:t> </a:t>
+            </a:r>
+            <a:r>
+              <a:rPr lang="en-US" altLang="ko-KR" sz="2000" dirty="0">
+                <a:solidFill>
+                  <a:schemeClr val="bg1"/>
+                </a:solidFill>
+                <a:latin typeface="+mn-ea"/>
+              </a:rPr>
+              <a:t>requirements</a:t>
+            </a:r>
+            <a:endParaRPr lang="ko-KR" altLang="en-US" sz="2000" dirty="0">
+              <a:solidFill>
+                <a:schemeClr val="bg1"/>
+              </a:solidFill>
+              <a:latin typeface="+mn-ea"/>
+            </a:endParaRPr>
+          </a:p>
+        </p:txBody>
+      </p:sp>
+      <p:sp>
+        <p:nvSpPr>
+          <p:cNvPr id="16" name="직사각형 15">
+            <a:extLst>
+              <a:ext uri="{FF2B5EF4-FFF2-40B4-BE49-F238E27FC236}">
+                <a16:creationId xmlns:a16="http://schemas.microsoft.com/office/drawing/2014/main" id="{1F791E7C-E1F0-408C-A76E-8ABB7402711F}"/>
+              </a:ext>
+            </a:extLst>
+          </p:cNvPr>
+          <p:cNvSpPr/>
+          <p:nvPr/>
+        </p:nvSpPr>
+        <p:spPr>
+          <a:xfrm>
+            <a:off x="1771942" y="901845"/>
+            <a:ext cx="426720" cy="292388"/>
+          </a:xfrm>
+          <a:prstGeom prst="rect">
+            <a:avLst/>
+          </a:prstGeom>
+        </p:spPr>
+        <p:txBody>
+          <a:bodyPr wrap="none">
+            <a:spAutoFit/>
+          </a:bodyPr>
+          <a:lstStyle/>
+          <a:p>
+            <a:r>
+              <a:rPr lang="en-US" altLang="ko-KR" sz="1300" dirty="0">
+                <a:solidFill>
+                  <a:schemeClr val="accent5">
+                    <a:lumMod val="60000"/>
+                    <a:lumOff val="40000"/>
+                  </a:schemeClr>
+                </a:solidFill>
+                <a:latin typeface="+mn-ea"/>
+              </a:rPr>
+              <a:t>0 4</a:t>
+            </a:r>
+            <a:endParaRPr lang="ko-KR" altLang="en-US" sz="1300" dirty="0">
+              <a:solidFill>
+                <a:schemeClr val="accent5">
+                  <a:lumMod val="60000"/>
+                  <a:lumOff val="40000"/>
+                </a:schemeClr>
+              </a:solidFill>
+              <a:latin typeface="+mn-ea"/>
+            </a:endParaRPr>
+          </a:p>
+        </p:txBody>
+      </p:sp>
       <p:pic>
         <p:nvPicPr>
-          <p:cNvPr id="7" name="그림 6">
+          <p:cNvPr id="1026" name="Picture 2" descr="dd">
             <a:extLst>
               <a:ext uri="{FF2B5EF4-FFF2-40B4-BE49-F238E27FC236}">
-                <a16:creationId xmlns:a16="http://schemas.microsoft.com/office/drawing/2014/main" id="{C1008ABC-78B2-4BD7-9298-01EBEACDAE33}"/>
+                <a16:creationId xmlns:a16="http://schemas.microsoft.com/office/drawing/2014/main" id="{39B67590-F4D8-48C5-BCE1-74B5DE735823}"/>
+              </a:ext>
+            </a:extLst>
+          </p:cNvPr>
+          <p:cNvPicPr>
+            <a:picLocks noChangeAspect="1" noChangeArrowheads="1"/>
+          </p:cNvPicPr>
+          <p:nvPr/>
+        </p:nvPicPr>
+        <p:blipFill>
+          <a:blip r:embed="rId3">
+            <a:extLst>
+              <a:ext uri="{28A0092B-C50C-407E-A947-70E740481C1C}">
+                <a14:useLocalDpi xmlns:a14="http://schemas.microsoft.com/office/drawing/2010/main" val="0"/>
+              </a:ext>
+            </a:extLst>
+          </a:blip>
+          <a:srcRect/>
+          <a:stretch>
+            <a:fillRect/>
+          </a:stretch>
+        </p:blipFill>
+        <p:spPr bwMode="auto">
+          <a:xfrm>
+            <a:off x="7319935" y="3070166"/>
+            <a:ext cx="1790700" cy="1943100"/>
+          </a:xfrm>
+          <a:prstGeom prst="rect">
+            <a:avLst/>
+          </a:prstGeom>
+          <a:noFill/>
+          <a:ln>
+            <a:noFill/>
+          </a:ln>
+          <a:extLst>
+            <a:ext uri="{909E8E84-426E-40DD-AFC4-6F175D3DCCD1}">
+              <a14:hiddenFill xmlns:a14="http://schemas.microsoft.com/office/drawing/2010/main">
+                <a:solidFill>
+                  <a:srgbClr val="FFFFFF"/>
+                </a:solidFill>
+              </a14:hiddenFill>
+            </a:ext>
+            <a:ext uri="{91240B29-F687-4F45-9708-019B960494DF}">
+              <a14:hiddenLine xmlns:a14="http://schemas.microsoft.com/office/drawing/2010/main" w="9525">
+                <a:solidFill>
+                  <a:srgbClr val="000000"/>
+                </a:solidFill>
+                <a:miter lim="800000"/>
+                <a:headEnd/>
+                <a:tailEnd/>
+              </a14:hiddenLine>
+            </a:ext>
+          </a:extLst>
+        </p:spPr>
+      </p:pic>
+      <p:pic>
+        <p:nvPicPr>
+          <p:cNvPr id="1027" name="Picture 3" descr="ggg">
+            <a:extLst>
+              <a:ext uri="{FF2B5EF4-FFF2-40B4-BE49-F238E27FC236}">
+                <a16:creationId xmlns:a16="http://schemas.microsoft.com/office/drawing/2014/main" id="{6EA3DB01-E3DE-4438-9B33-765465BC0AB5}"/>
+              </a:ext>
+            </a:extLst>
+          </p:cNvPr>
+          <p:cNvPicPr>
+            <a:picLocks noChangeAspect="1" noChangeArrowheads="1"/>
+          </p:cNvPicPr>
+          <p:nvPr/>
+        </p:nvPicPr>
+        <p:blipFill>
+          <a:blip r:embed="rId4">
+            <a:extLst>
+              <a:ext uri="{28A0092B-C50C-407E-A947-70E740481C1C}">
+                <a14:useLocalDpi xmlns:a14="http://schemas.microsoft.com/office/drawing/2010/main" val="0"/>
+              </a:ext>
+            </a:extLst>
+          </a:blip>
+          <a:srcRect/>
+          <a:stretch>
+            <a:fillRect/>
+          </a:stretch>
+        </p:blipFill>
+        <p:spPr bwMode="auto">
+          <a:xfrm>
+            <a:off x="5264648" y="2965391"/>
+            <a:ext cx="1581150" cy="2152650"/>
+          </a:xfrm>
+          <a:prstGeom prst="rect">
+            <a:avLst/>
+          </a:prstGeom>
+          <a:noFill/>
+          <a:ln>
+            <a:noFill/>
+          </a:ln>
+          <a:extLst>
+            <a:ext uri="{909E8E84-426E-40DD-AFC4-6F175D3DCCD1}">
+              <a14:hiddenFill xmlns:a14="http://schemas.microsoft.com/office/drawing/2010/main">
+                <a:solidFill>
+                  <a:srgbClr val="FFFFFF"/>
+                </a:solidFill>
+              </a14:hiddenFill>
+            </a:ext>
+            <a:ext uri="{91240B29-F687-4F45-9708-019B960494DF}">
+              <a14:hiddenLine xmlns:a14="http://schemas.microsoft.com/office/drawing/2010/main" w="9525">
+                <a:solidFill>
+                  <a:srgbClr val="000000"/>
+                </a:solidFill>
+                <a:miter lim="800000"/>
+                <a:headEnd/>
+                <a:tailEnd/>
+              </a14:hiddenLine>
+            </a:ext>
+          </a:extLst>
+        </p:spPr>
+      </p:pic>
+      <p:pic>
+        <p:nvPicPr>
+          <p:cNvPr id="1028" name="Picture 4" descr="ss">
+            <a:extLst>
+              <a:ext uri="{FF2B5EF4-FFF2-40B4-BE49-F238E27FC236}">
+                <a16:creationId xmlns:a16="http://schemas.microsoft.com/office/drawing/2014/main" id="{DA427E74-7010-4510-923A-5DFB97E3344C}"/>
+              </a:ext>
+            </a:extLst>
+          </p:cNvPr>
+          <p:cNvPicPr>
+            <a:picLocks noChangeAspect="1" noChangeArrowheads="1"/>
+          </p:cNvPicPr>
+          <p:nvPr/>
+        </p:nvPicPr>
+        <p:blipFill>
+          <a:blip r:embed="rId5">
+            <a:extLst>
+              <a:ext uri="{28A0092B-C50C-407E-A947-70E740481C1C}">
+                <a14:useLocalDpi xmlns:a14="http://schemas.microsoft.com/office/drawing/2010/main" val="0"/>
+              </a:ext>
+            </a:extLst>
+          </a:blip>
+          <a:srcRect/>
+          <a:stretch>
+            <a:fillRect/>
+          </a:stretch>
+        </p:blipFill>
+        <p:spPr bwMode="auto">
+          <a:xfrm>
+            <a:off x="3037911" y="3070166"/>
+            <a:ext cx="1752600" cy="1819275"/>
+          </a:xfrm>
+          <a:prstGeom prst="rect">
+            <a:avLst/>
+          </a:prstGeom>
+          <a:noFill/>
+          <a:ln>
+            <a:noFill/>
+          </a:ln>
+          <a:extLst>
+            <a:ext uri="{909E8E84-426E-40DD-AFC4-6F175D3DCCD1}">
+              <a14:hiddenFill xmlns:a14="http://schemas.microsoft.com/office/drawing/2010/main">
+                <a:solidFill>
+                  <a:srgbClr val="FFFFFF"/>
+                </a:solidFill>
+              </a14:hiddenFill>
+            </a:ext>
+            <a:ext uri="{91240B29-F687-4F45-9708-019B960494DF}">
+              <a14:hiddenLine xmlns:a14="http://schemas.microsoft.com/office/drawing/2010/main" w="9525">
+                <a:solidFill>
+                  <a:srgbClr val="000000"/>
+                </a:solidFill>
+                <a:miter lim="800000"/>
+                <a:headEnd/>
+                <a:tailEnd/>
+              </a14:hiddenLine>
+            </a:ext>
+          </a:extLst>
+        </p:spPr>
+      </p:pic>
+      <p:pic>
+        <p:nvPicPr>
+          <p:cNvPr id="17" name="image4.png">
+            <a:extLst>
+              <a:ext uri="{FF2B5EF4-FFF2-40B4-BE49-F238E27FC236}">
+                <a16:creationId xmlns:a16="http://schemas.microsoft.com/office/drawing/2014/main" id="{4E5BBB46-7C63-4FDF-BA61-43F493C0E98F}"/>
+              </a:ext>
+            </a:extLst>
+          </p:cNvPr>
+          <p:cNvPicPr/>
+          <p:nvPr/>
+        </p:nvPicPr>
+        <p:blipFill>
+          <a:blip r:embed="rId6"/>
+          <a:srcRect/>
+          <a:stretch>
+            <a:fillRect/>
+          </a:stretch>
+        </p:blipFill>
+        <p:spPr>
+          <a:xfrm>
+            <a:off x="780212" y="2698956"/>
+            <a:ext cx="1783563" cy="2538150"/>
+          </a:xfrm>
+          <a:prstGeom prst="rect">
+            <a:avLst/>
+          </a:prstGeom>
+          <a:ln/>
+        </p:spPr>
+      </p:pic>
+    </p:spTree>
+    <p:extLst>
+      <p:ext uri="{BB962C8B-B14F-4D97-AF65-F5344CB8AC3E}">
+        <p14:creationId xmlns:p14="http://schemas.microsoft.com/office/powerpoint/2010/main" val="3973377283"/>
+      </p:ext>
+    </p:extLst>
+  </p:cSld>
+  <p:clrMapOvr>
+    <a:masterClrMapping/>
+  </p:clrMapOvr>
+</p:sld>
+</file>
+
+<file path=ppt/slides/slide8.xml><?xml version="1.0" encoding="utf-8"?>
+<p:sld xmlns:a="http://schemas.openxmlformats.org/drawingml/2006/main" xmlns:r="http://schemas.openxmlformats.org/officeDocument/2006/relationships" xmlns:p="http://schemas.openxmlformats.org/presentationml/2006/main">
+  <p:cSld>
+    <p:bg>
+      <p:bgPr>
+        <a:blipFill dpi="0" rotWithShape="1">
+          <a:blip r:embed="rId2">
+            <a:lum/>
+          </a:blip>
+          <a:srcRect/>
+          <a:stretch>
+            <a:fillRect/>
+          </a:stretch>
+        </a:blipFill>
+        <a:effectLst/>
+      </p:bgPr>
+    </p:bg>
+    <p:spTree>
+      <p:nvGrpSpPr>
+        <p:cNvPr id="1" name=""/>
+        <p:cNvGrpSpPr/>
+        <p:nvPr/>
+      </p:nvGrpSpPr>
+      <p:grpSpPr>
+        <a:xfrm>
+          <a:off x="0" y="0"/>
+          <a:ext cx="0" cy="0"/>
+          <a:chOff x="0" y="0"/>
+          <a:chExt cx="0" cy="0"/>
+        </a:xfrm>
+      </p:grpSpPr>
+      <p:sp>
+        <p:nvSpPr>
+          <p:cNvPr id="15" name="직사각형 14">
+            <a:extLst>
+              <a:ext uri="{FF2B5EF4-FFF2-40B4-BE49-F238E27FC236}">
+                <a16:creationId xmlns:a16="http://schemas.microsoft.com/office/drawing/2014/main" id="{C696F74F-F97D-4B76-B35C-725EA38EAEB5}"/>
+              </a:ext>
+            </a:extLst>
+          </p:cNvPr>
+          <p:cNvSpPr/>
+          <p:nvPr/>
+        </p:nvSpPr>
+        <p:spPr>
+          <a:xfrm>
+            <a:off x="523668" y="479579"/>
+            <a:ext cx="3541199" cy="400110"/>
+          </a:xfrm>
+          <a:prstGeom prst="rect">
+            <a:avLst/>
+          </a:prstGeom>
+        </p:spPr>
+        <p:txBody>
+          <a:bodyPr wrap="square">
+            <a:spAutoFit/>
+          </a:bodyPr>
+          <a:lstStyle/>
+          <a:p>
+            <a:pPr marL="0" marR="0" lvl="0" indent="0" algn="l" defTabSz="914400" rtl="0" eaLnBrk="1" fontAlgn="auto" latinLnBrk="1" hangingPunct="1">
+              <a:lnSpc>
+                <a:spcPct val="100000"/>
+              </a:lnSpc>
+              <a:spcBef>
+                <a:spcPts val="0"/>
+              </a:spcBef>
+              <a:spcAft>
+                <a:spcPts val="0"/>
+              </a:spcAft>
+              <a:buClrTx/>
+              <a:buSzTx/>
+              <a:buFontTx/>
+              <a:buNone/>
+              <a:tabLst/>
+              <a:defRPr/>
+            </a:pPr>
+            <a:r>
+              <a:rPr kumimoji="0" lang="en-US" altLang="ko-KR" sz="2000" b="0" i="0" u="none" strike="noStrike" kern="1200" cap="none" spc="0" normalizeH="0" baseline="0" noProof="0" dirty="0">
+                <a:ln>
+                  <a:noFill/>
+                </a:ln>
+                <a:solidFill>
+                  <a:prstClr val="white"/>
+                </a:solidFill>
+                <a:effectLst/>
+                <a:uLnTx/>
+                <a:uFillTx/>
+                <a:latin typeface="맑은 고딕" panose="020B0503020000020004" pitchFamily="50" charset="-127"/>
+                <a:ea typeface="맑은 고딕" panose="020B0503020000020004" pitchFamily="50" charset="-127"/>
+                <a:cs typeface="+mn-cs"/>
+              </a:rPr>
+              <a:t>Architectural design</a:t>
+            </a:r>
+            <a:endParaRPr kumimoji="0" lang="ko-KR" altLang="en-US" sz="2000" b="0" i="0" u="none" strike="noStrike" kern="1200" cap="none" spc="0" normalizeH="0" baseline="0" noProof="0" dirty="0">
+              <a:ln>
+                <a:noFill/>
+              </a:ln>
+              <a:solidFill>
+                <a:prstClr val="white"/>
+              </a:solidFill>
+              <a:effectLst/>
+              <a:uLnTx/>
+              <a:uFillTx/>
+              <a:latin typeface="맑은 고딕" panose="020B0503020000020004" pitchFamily="50" charset="-127"/>
+              <a:ea typeface="맑은 고딕" panose="020B0503020000020004" pitchFamily="50" charset="-127"/>
+              <a:cs typeface="+mn-cs"/>
+            </a:endParaRPr>
+          </a:p>
+        </p:txBody>
+      </p:sp>
+      <p:pic>
+        <p:nvPicPr>
+          <p:cNvPr id="4" name="그림 3">
+            <a:extLst>
+              <a:ext uri="{FF2B5EF4-FFF2-40B4-BE49-F238E27FC236}">
+                <a16:creationId xmlns:a16="http://schemas.microsoft.com/office/drawing/2014/main" id="{8FC8D931-3975-4EA9-9FFB-830D7AE87E9F}"/>
               </a:ext>
             </a:extLst>
           </p:cNvPr>
@@ -6665,57 +8556,760 @@
           <p:nvPr/>
         </p:nvPicPr>
         <p:blipFill>
-          <a:blip r:embed="rId3"/>
+          <a:blip r:embed="rId3">
+            <a:extLst>
+              <a:ext uri="{28A0092B-C50C-407E-A947-70E740481C1C}">
+                <a14:useLocalDpi xmlns:a14="http://schemas.microsoft.com/office/drawing/2010/main" val="0"/>
+              </a:ext>
+            </a:extLst>
+          </a:blip>
           <a:stretch>
             <a:fillRect/>
           </a:stretch>
         </p:blipFill>
         <p:spPr>
           <a:xfrm>
-            <a:off x="849234" y="2647391"/>
-            <a:ext cx="1943100" cy="1762125"/>
+            <a:off x="1254119" y="1656348"/>
+            <a:ext cx="7363353" cy="4257890"/>
           </a:xfrm>
           <a:prstGeom prst="rect">
             <a:avLst/>
           </a:prstGeom>
+          <a:effectLst>
+            <a:softEdge rad="12700"/>
+          </a:effectLst>
         </p:spPr>
       </p:pic>
+      <p:sp>
+        <p:nvSpPr>
+          <p:cNvPr id="6" name="직사각형 5">
+            <a:extLst>
+              <a:ext uri="{FF2B5EF4-FFF2-40B4-BE49-F238E27FC236}">
+                <a16:creationId xmlns:a16="http://schemas.microsoft.com/office/drawing/2014/main" id="{2E64DC77-BADA-498D-B1C5-7169C53D8052}"/>
+              </a:ext>
+            </a:extLst>
+          </p:cNvPr>
+          <p:cNvSpPr/>
+          <p:nvPr/>
+        </p:nvSpPr>
+        <p:spPr>
+          <a:xfrm>
+            <a:off x="5058433" y="5914238"/>
+            <a:ext cx="412540" cy="523220"/>
+          </a:xfrm>
+          <a:prstGeom prst="rect">
+            <a:avLst/>
+          </a:prstGeom>
+          <a:noFill/>
+        </p:spPr>
+        <p:txBody>
+          <a:bodyPr wrap="square">
+            <a:spAutoFit/>
+          </a:bodyPr>
+          <a:lstStyle/>
+          <a:p>
+            <a:r>
+              <a:rPr lang="en-US" altLang="ko-KR" sz="2800" dirty="0">
+                <a:solidFill>
+                  <a:schemeClr val="accent5">
+                    <a:lumMod val="60000"/>
+                    <a:lumOff val="40000"/>
+                  </a:schemeClr>
+                </a:solidFill>
+                <a:latin typeface="+mn-ea"/>
+              </a:rPr>
+              <a:t>]</a:t>
+            </a:r>
+            <a:endParaRPr lang="ko-KR" altLang="en-US" sz="2800" dirty="0">
+              <a:solidFill>
+                <a:schemeClr val="accent5">
+                  <a:lumMod val="60000"/>
+                  <a:lumOff val="40000"/>
+                </a:schemeClr>
+              </a:solidFill>
+              <a:latin typeface="+mn-ea"/>
+            </a:endParaRPr>
+          </a:p>
+        </p:txBody>
+      </p:sp>
+      <p:sp>
+        <p:nvSpPr>
+          <p:cNvPr id="7" name="직사각형 6">
+            <a:extLst>
+              <a:ext uri="{FF2B5EF4-FFF2-40B4-BE49-F238E27FC236}">
+                <a16:creationId xmlns:a16="http://schemas.microsoft.com/office/drawing/2014/main" id="{97DF342E-FBFD-4FEE-9DA0-9A70E352222C}"/>
+              </a:ext>
+            </a:extLst>
+          </p:cNvPr>
+          <p:cNvSpPr/>
+          <p:nvPr/>
+        </p:nvSpPr>
+        <p:spPr>
+          <a:xfrm>
+            <a:off x="4533858" y="5914238"/>
+            <a:ext cx="412540" cy="523220"/>
+          </a:xfrm>
+          <a:prstGeom prst="rect">
+            <a:avLst/>
+          </a:prstGeom>
+          <a:noFill/>
+        </p:spPr>
+        <p:txBody>
+          <a:bodyPr wrap="square">
+            <a:spAutoFit/>
+          </a:bodyPr>
+          <a:lstStyle/>
+          <a:p>
+            <a:r>
+              <a:rPr lang="en-US" altLang="ko-KR" sz="2800" dirty="0">
+                <a:solidFill>
+                  <a:schemeClr val="accent5">
+                    <a:lumMod val="60000"/>
+                    <a:lumOff val="40000"/>
+                  </a:schemeClr>
+                </a:solidFill>
+                <a:latin typeface="+mn-ea"/>
+              </a:rPr>
+              <a:t>[</a:t>
+            </a:r>
+            <a:endParaRPr lang="ko-KR" altLang="en-US" sz="2800" dirty="0">
+              <a:solidFill>
+                <a:schemeClr val="accent5">
+                  <a:lumMod val="60000"/>
+                  <a:lumOff val="40000"/>
+                </a:schemeClr>
+              </a:solidFill>
+              <a:latin typeface="+mn-ea"/>
+            </a:endParaRPr>
+          </a:p>
+        </p:txBody>
+      </p:sp>
+      <p:sp>
+        <p:nvSpPr>
+          <p:cNvPr id="8" name="직사각형 7">
+            <a:extLst>
+              <a:ext uri="{FF2B5EF4-FFF2-40B4-BE49-F238E27FC236}">
+                <a16:creationId xmlns:a16="http://schemas.microsoft.com/office/drawing/2014/main" id="{3FFB6760-658F-4A23-9831-5BB09C4FFFBA}"/>
+              </a:ext>
+            </a:extLst>
+          </p:cNvPr>
+          <p:cNvSpPr/>
+          <p:nvPr/>
+        </p:nvSpPr>
+        <p:spPr>
+          <a:xfrm>
+            <a:off x="3537593" y="6014266"/>
+            <a:ext cx="2817611" cy="323165"/>
+          </a:xfrm>
+          <a:prstGeom prst="rect">
+            <a:avLst/>
+          </a:prstGeom>
+        </p:spPr>
+        <p:txBody>
+          <a:bodyPr wrap="square">
+            <a:spAutoFit/>
+          </a:bodyPr>
+          <a:lstStyle/>
+          <a:p>
+            <a:pPr algn="ctr"/>
+            <a:r>
+              <a:rPr lang="en-US" altLang="ko-KR" sz="1500" dirty="0">
+                <a:solidFill>
+                  <a:schemeClr val="bg1"/>
+                </a:solidFill>
+                <a:latin typeface="+mn-ea"/>
+              </a:rPr>
+              <a:t>UI</a:t>
+            </a:r>
+          </a:p>
+        </p:txBody>
+      </p:sp>
+    </p:spTree>
+    <p:extLst>
+      <p:ext uri="{BB962C8B-B14F-4D97-AF65-F5344CB8AC3E}">
+        <p14:creationId xmlns:p14="http://schemas.microsoft.com/office/powerpoint/2010/main" val="3499552812"/>
+      </p:ext>
+    </p:extLst>
+  </p:cSld>
+  <p:clrMapOvr>
+    <a:masterClrMapping/>
+  </p:clrMapOvr>
+</p:sld>
+</file>
+
+<file path=ppt/slides/slide9.xml><?xml version="1.0" encoding="utf-8"?>
+<p:sld xmlns:a="http://schemas.openxmlformats.org/drawingml/2006/main" xmlns:r="http://schemas.openxmlformats.org/officeDocument/2006/relationships" xmlns:p="http://schemas.openxmlformats.org/presentationml/2006/main">
+  <p:cSld>
+    <p:bg>
+      <p:bgPr>
+        <a:blipFill dpi="0" rotWithShape="1">
+          <a:blip r:embed="rId2">
+            <a:lum/>
+          </a:blip>
+          <a:srcRect/>
+          <a:stretch>
+            <a:fillRect/>
+          </a:stretch>
+        </a:blipFill>
+        <a:effectLst/>
+      </p:bgPr>
+    </p:bg>
+    <p:spTree>
+      <p:nvGrpSpPr>
+        <p:cNvPr id="1" name=""/>
+        <p:cNvGrpSpPr/>
+        <p:nvPr/>
+      </p:nvGrpSpPr>
+      <p:grpSpPr>
+        <a:xfrm>
+          <a:off x="0" y="0"/>
+          <a:ext cx="0" cy="0"/>
+          <a:chOff x="0" y="0"/>
+          <a:chExt cx="0" cy="0"/>
+        </a:xfrm>
+      </p:grpSpPr>
+      <p:sp>
+        <p:nvSpPr>
+          <p:cNvPr id="2" name="직사각형 1">
+            <a:extLst>
+              <a:ext uri="{FF2B5EF4-FFF2-40B4-BE49-F238E27FC236}">
+                <a16:creationId xmlns:a16="http://schemas.microsoft.com/office/drawing/2014/main" id="{61A8ABBB-8B91-4676-A362-3C83A7764CF0}"/>
+              </a:ext>
+            </a:extLst>
+          </p:cNvPr>
+          <p:cNvSpPr/>
+          <p:nvPr/>
+        </p:nvSpPr>
+        <p:spPr>
+          <a:xfrm>
+            <a:off x="4528535" y="1838282"/>
+            <a:ext cx="5269806" cy="4095750"/>
+          </a:xfrm>
+          <a:prstGeom prst="rect">
+            <a:avLst/>
+          </a:prstGeom>
+          <a:solidFill>
+            <a:schemeClr val="bg1"/>
+          </a:solidFill>
+          <a:ln>
+            <a:noFill/>
+          </a:ln>
+        </p:spPr>
+        <p:style>
+          <a:lnRef idx="2">
+            <a:schemeClr val="accent1">
+              <a:shade val="50000"/>
+            </a:schemeClr>
+          </a:lnRef>
+          <a:fillRef idx="1">
+            <a:schemeClr val="accent1"/>
+          </a:fillRef>
+          <a:effectRef idx="0">
+            <a:schemeClr val="accent1"/>
+          </a:effectRef>
+          <a:fontRef idx="minor">
+            <a:schemeClr val="lt1"/>
+          </a:fontRef>
+        </p:style>
+        <p:txBody>
+          <a:bodyPr rtlCol="0" anchor="ctr"/>
+          <a:lstStyle/>
+          <a:p>
+            <a:pPr algn="ctr"/>
+            <a:endParaRPr lang="ko-KR" altLang="en-US"/>
+          </a:p>
+        </p:txBody>
+      </p:sp>
+      <p:sp>
+        <p:nvSpPr>
+          <p:cNvPr id="15" name="직사각형 14">
+            <a:extLst>
+              <a:ext uri="{FF2B5EF4-FFF2-40B4-BE49-F238E27FC236}">
+                <a16:creationId xmlns:a16="http://schemas.microsoft.com/office/drawing/2014/main" id="{C696F74F-F97D-4B76-B35C-725EA38EAEB5}"/>
+              </a:ext>
+            </a:extLst>
+          </p:cNvPr>
+          <p:cNvSpPr/>
+          <p:nvPr/>
+        </p:nvSpPr>
+        <p:spPr>
+          <a:xfrm>
+            <a:off x="523668" y="479579"/>
+            <a:ext cx="3541199" cy="400110"/>
+          </a:xfrm>
+          <a:prstGeom prst="rect">
+            <a:avLst/>
+          </a:prstGeom>
+        </p:spPr>
+        <p:txBody>
+          <a:bodyPr wrap="square">
+            <a:spAutoFit/>
+          </a:bodyPr>
+          <a:lstStyle/>
+          <a:p>
+            <a:pPr marL="0" marR="0" lvl="0" indent="0" algn="l" defTabSz="914400" rtl="0" eaLnBrk="1" fontAlgn="auto" latinLnBrk="1" hangingPunct="1">
+              <a:lnSpc>
+                <a:spcPct val="100000"/>
+              </a:lnSpc>
+              <a:spcBef>
+                <a:spcPts val="0"/>
+              </a:spcBef>
+              <a:spcAft>
+                <a:spcPts val="0"/>
+              </a:spcAft>
+              <a:buClrTx/>
+              <a:buSzTx/>
+              <a:buFontTx/>
+              <a:buNone/>
+              <a:tabLst/>
+              <a:defRPr/>
+            </a:pPr>
+            <a:r>
+              <a:rPr kumimoji="0" lang="en-US" altLang="ko-KR" sz="2000" b="0" i="0" u="none" strike="noStrike" kern="1200" cap="none" spc="0" normalizeH="0" baseline="0" noProof="0" dirty="0">
+                <a:ln>
+                  <a:noFill/>
+                </a:ln>
+                <a:solidFill>
+                  <a:prstClr val="white"/>
+                </a:solidFill>
+                <a:effectLst/>
+                <a:uLnTx/>
+                <a:uFillTx/>
+                <a:latin typeface="맑은 고딕" panose="020B0503020000020004" pitchFamily="50" charset="-127"/>
+                <a:ea typeface="맑은 고딕" panose="020B0503020000020004" pitchFamily="50" charset="-127"/>
+                <a:cs typeface="+mn-cs"/>
+              </a:rPr>
+              <a:t>Architectural design</a:t>
+            </a:r>
+            <a:endParaRPr kumimoji="0" lang="ko-KR" altLang="en-US" sz="2000" b="0" i="0" u="none" strike="noStrike" kern="1200" cap="none" spc="0" normalizeH="0" baseline="0" noProof="0" dirty="0">
+              <a:ln>
+                <a:noFill/>
+              </a:ln>
+              <a:solidFill>
+                <a:prstClr val="white"/>
+              </a:solidFill>
+              <a:effectLst/>
+              <a:uLnTx/>
+              <a:uFillTx/>
+              <a:latin typeface="맑은 고딕" panose="020B0503020000020004" pitchFamily="50" charset="-127"/>
+              <a:ea typeface="맑은 고딕" panose="020B0503020000020004" pitchFamily="50" charset="-127"/>
+              <a:cs typeface="+mn-cs"/>
+            </a:endParaRPr>
+          </a:p>
+        </p:txBody>
+      </p:sp>
       <p:pic>
         <p:nvPicPr>
-          <p:cNvPr id="38" name="그림 37">
+          <p:cNvPr id="5" name="Picture 2" descr="d">
             <a:extLst>
               <a:ext uri="{FF2B5EF4-FFF2-40B4-BE49-F238E27FC236}">
-                <a16:creationId xmlns:a16="http://schemas.microsoft.com/office/drawing/2014/main" id="{A2A1F4D2-3FE6-44E3-9251-F2B9F353D2E4}"/>
+                <a16:creationId xmlns:a16="http://schemas.microsoft.com/office/drawing/2014/main" id="{C9B99A06-5C6D-4F9D-8040-C0DED722D1D5}"/>
               </a:ext>
             </a:extLst>
           </p:cNvPr>
           <p:cNvPicPr>
-            <a:picLocks noChangeAspect="1"/>
+            <a:picLocks noChangeAspect="1" noChangeArrowheads="1"/>
           </p:cNvPicPr>
           <p:nvPr/>
         </p:nvPicPr>
         <p:blipFill>
-          <a:blip r:embed="rId4"/>
+          <a:blip r:embed="rId3">
+            <a:extLst>
+              <a:ext uri="{28A0092B-C50C-407E-A947-70E740481C1C}">
+                <a14:useLocalDpi xmlns:a14="http://schemas.microsoft.com/office/drawing/2010/main" val="0"/>
+              </a:ext>
+            </a:extLst>
+          </a:blip>
+          <a:srcRect/>
           <a:stretch>
             <a:fillRect/>
           </a:stretch>
         </p:blipFill>
-        <p:spPr>
-          <a:xfrm>
-            <a:off x="4953000" y="2647391"/>
-            <a:ext cx="1666875" cy="1285875"/>
+        <p:spPr bwMode="auto">
+          <a:xfrm>
+            <a:off x="160667" y="1838282"/>
+            <a:ext cx="4267200" cy="4095750"/>
           </a:xfrm>
           <a:prstGeom prst="rect">
             <a:avLst/>
           </a:prstGeom>
+          <a:noFill/>
+          <a:ln>
+            <a:noFill/>
+          </a:ln>
+          <a:extLst>
+            <a:ext uri="{909E8E84-426E-40DD-AFC4-6F175D3DCCD1}">
+              <a14:hiddenFill xmlns:a14="http://schemas.microsoft.com/office/drawing/2010/main">
+                <a:solidFill>
+                  <a:srgbClr val="FFFFFF"/>
+                </a:solidFill>
+              </a14:hiddenFill>
+            </a:ext>
+            <a:ext uri="{91240B29-F687-4F45-9708-019B960494DF}">
+              <a14:hiddenLine xmlns:a14="http://schemas.microsoft.com/office/drawing/2010/main" w="9525">
+                <a:solidFill>
+                  <a:srgbClr val="000000"/>
+                </a:solidFill>
+                <a:miter lim="800000"/>
+                <a:headEnd/>
+                <a:tailEnd/>
+              </a14:hiddenLine>
+            </a:ext>
+          </a:extLst>
         </p:spPr>
       </p:pic>
       <p:pic>
         <p:nvPicPr>
-          <p:cNvPr id="39" name="image4.png">
+          <p:cNvPr id="6" name="Picture 3" descr="fff">
             <a:extLst>
               <a:ext uri="{FF2B5EF4-FFF2-40B4-BE49-F238E27FC236}">
-                <a16:creationId xmlns:a16="http://schemas.microsoft.com/office/drawing/2014/main" id="{FEFBD619-3B48-4F14-AC5A-BBC4C13F4A6D}"/>
+                <a16:creationId xmlns:a16="http://schemas.microsoft.com/office/drawing/2014/main" id="{849A94A0-67B6-45C6-B9F8-4670B6C553C1}"/>
+              </a:ext>
+            </a:extLst>
+          </p:cNvPr>
+          <p:cNvPicPr>
+            <a:picLocks noChangeAspect="1" noChangeArrowheads="1"/>
+          </p:cNvPicPr>
+          <p:nvPr/>
+        </p:nvPicPr>
+        <p:blipFill rotWithShape="1">
+          <a:blip r:embed="rId4">
+            <a:extLst>
+              <a:ext uri="{28A0092B-C50C-407E-A947-70E740481C1C}">
+                <a14:useLocalDpi xmlns:a14="http://schemas.microsoft.com/office/drawing/2010/main" val="0"/>
+              </a:ext>
+            </a:extLst>
+          </a:blip>
+          <a:srcRect r="3980"/>
+          <a:stretch/>
+        </p:blipFill>
+        <p:spPr bwMode="auto">
+          <a:xfrm>
+            <a:off x="4633397" y="4065731"/>
+            <a:ext cx="5060082" cy="1768274"/>
+          </a:xfrm>
+          <a:prstGeom prst="rect">
+            <a:avLst/>
+          </a:prstGeom>
+          <a:noFill/>
+          <a:ln>
+            <a:noFill/>
+          </a:ln>
+          <a:extLst>
+            <a:ext uri="{909E8E84-426E-40DD-AFC4-6F175D3DCCD1}">
+              <a14:hiddenFill xmlns:a14="http://schemas.microsoft.com/office/drawing/2010/main">
+                <a:solidFill>
+                  <a:srgbClr val="FFFFFF"/>
+                </a:solidFill>
+              </a14:hiddenFill>
+            </a:ext>
+            <a:ext uri="{91240B29-F687-4F45-9708-019B960494DF}">
+              <a14:hiddenLine xmlns:a14="http://schemas.microsoft.com/office/drawing/2010/main" w="9525">
+                <a:solidFill>
+                  <a:srgbClr val="000000"/>
+                </a:solidFill>
+                <a:miter lim="800000"/>
+                <a:headEnd/>
+                <a:tailEnd/>
+              </a14:hiddenLine>
+            </a:ext>
+          </a:extLst>
+        </p:spPr>
+      </p:pic>
+      <p:sp>
+        <p:nvSpPr>
+          <p:cNvPr id="7" name="직사각형 6">
+            <a:extLst>
+              <a:ext uri="{FF2B5EF4-FFF2-40B4-BE49-F238E27FC236}">
+                <a16:creationId xmlns:a16="http://schemas.microsoft.com/office/drawing/2014/main" id="{D28AA949-ECC7-4AC9-8E6E-B169B86EDAB1}"/>
+              </a:ext>
+            </a:extLst>
+          </p:cNvPr>
+          <p:cNvSpPr/>
+          <p:nvPr/>
+        </p:nvSpPr>
+        <p:spPr>
+          <a:xfrm>
+            <a:off x="2585734" y="5934032"/>
+            <a:ext cx="412540" cy="523220"/>
+          </a:xfrm>
+          <a:prstGeom prst="rect">
+            <a:avLst/>
+          </a:prstGeom>
+          <a:noFill/>
+        </p:spPr>
+        <p:txBody>
+          <a:bodyPr wrap="square">
+            <a:spAutoFit/>
+          </a:bodyPr>
+          <a:lstStyle/>
+          <a:p>
+            <a:r>
+              <a:rPr lang="en-US" altLang="ko-KR" sz="2800" dirty="0">
+                <a:solidFill>
+                  <a:schemeClr val="accent5">
+                    <a:lumMod val="60000"/>
+                    <a:lumOff val="40000"/>
+                  </a:schemeClr>
+                </a:solidFill>
+                <a:latin typeface="+mn-ea"/>
+              </a:rPr>
+              <a:t>]</a:t>
+            </a:r>
+            <a:endParaRPr lang="ko-KR" altLang="en-US" sz="2800" dirty="0">
+              <a:solidFill>
+                <a:schemeClr val="accent5">
+                  <a:lumMod val="60000"/>
+                  <a:lumOff val="40000"/>
+                </a:schemeClr>
+              </a:solidFill>
+              <a:latin typeface="+mn-ea"/>
+            </a:endParaRPr>
+          </a:p>
+        </p:txBody>
+      </p:sp>
+      <p:sp>
+        <p:nvSpPr>
+          <p:cNvPr id="8" name="직사각형 7">
+            <a:extLst>
+              <a:ext uri="{FF2B5EF4-FFF2-40B4-BE49-F238E27FC236}">
+                <a16:creationId xmlns:a16="http://schemas.microsoft.com/office/drawing/2014/main" id="{C595EB7B-BDE4-4E39-9D13-534DB56387C2}"/>
+              </a:ext>
+            </a:extLst>
+          </p:cNvPr>
+          <p:cNvSpPr/>
+          <p:nvPr/>
+        </p:nvSpPr>
+        <p:spPr>
+          <a:xfrm>
+            <a:off x="1468013" y="5934032"/>
+            <a:ext cx="412540" cy="523220"/>
+          </a:xfrm>
+          <a:prstGeom prst="rect">
+            <a:avLst/>
+          </a:prstGeom>
+          <a:noFill/>
+        </p:spPr>
+        <p:txBody>
+          <a:bodyPr wrap="square">
+            <a:spAutoFit/>
+          </a:bodyPr>
+          <a:lstStyle/>
+          <a:p>
+            <a:r>
+              <a:rPr lang="en-US" altLang="ko-KR" sz="2800" dirty="0">
+                <a:solidFill>
+                  <a:schemeClr val="accent5">
+                    <a:lumMod val="60000"/>
+                    <a:lumOff val="40000"/>
+                  </a:schemeClr>
+                </a:solidFill>
+                <a:latin typeface="+mn-ea"/>
+              </a:rPr>
+              <a:t>[</a:t>
+            </a:r>
+            <a:endParaRPr lang="ko-KR" altLang="en-US" sz="2800" dirty="0">
+              <a:solidFill>
+                <a:schemeClr val="accent5">
+                  <a:lumMod val="60000"/>
+                  <a:lumOff val="40000"/>
+                </a:schemeClr>
+              </a:solidFill>
+              <a:latin typeface="+mn-ea"/>
+            </a:endParaRPr>
+          </a:p>
+        </p:txBody>
+      </p:sp>
+      <p:sp>
+        <p:nvSpPr>
+          <p:cNvPr id="9" name="직사각형 8">
+            <a:extLst>
+              <a:ext uri="{FF2B5EF4-FFF2-40B4-BE49-F238E27FC236}">
+                <a16:creationId xmlns:a16="http://schemas.microsoft.com/office/drawing/2014/main" id="{8A55C76E-B240-465A-8180-5F57A8D44A1C}"/>
+              </a:ext>
+            </a:extLst>
+          </p:cNvPr>
+          <p:cNvSpPr/>
+          <p:nvPr/>
+        </p:nvSpPr>
+        <p:spPr>
+          <a:xfrm>
+            <a:off x="786004" y="6034060"/>
+            <a:ext cx="2817611" cy="323165"/>
+          </a:xfrm>
+          <a:prstGeom prst="rect">
+            <a:avLst/>
+          </a:prstGeom>
+        </p:spPr>
+        <p:txBody>
+          <a:bodyPr wrap="square">
+            <a:spAutoFit/>
+          </a:bodyPr>
+          <a:lstStyle/>
+          <a:p>
+            <a:pPr algn="ctr"/>
+            <a:r>
+              <a:rPr lang="en-US" altLang="ko-KR" sz="1500" dirty="0">
+                <a:solidFill>
+                  <a:schemeClr val="bg1"/>
+                </a:solidFill>
+                <a:latin typeface="+mn-ea"/>
+              </a:rPr>
+              <a:t>Messenger</a:t>
+            </a:r>
+          </a:p>
+        </p:txBody>
+      </p:sp>
+      <p:sp>
+        <p:nvSpPr>
+          <p:cNvPr id="10" name="직사각형 9">
+            <a:extLst>
+              <a:ext uri="{FF2B5EF4-FFF2-40B4-BE49-F238E27FC236}">
+                <a16:creationId xmlns:a16="http://schemas.microsoft.com/office/drawing/2014/main" id="{4ED223AE-D644-47EE-ADD7-A95FFEBF780C}"/>
+              </a:ext>
+            </a:extLst>
+          </p:cNvPr>
+          <p:cNvSpPr/>
+          <p:nvPr/>
+        </p:nvSpPr>
+        <p:spPr>
+          <a:xfrm>
+            <a:off x="8259424" y="5934032"/>
+            <a:ext cx="412540" cy="523220"/>
+          </a:xfrm>
+          <a:prstGeom prst="rect">
+            <a:avLst/>
+          </a:prstGeom>
+          <a:noFill/>
+        </p:spPr>
+        <p:txBody>
+          <a:bodyPr wrap="square">
+            <a:spAutoFit/>
+          </a:bodyPr>
+          <a:lstStyle/>
+          <a:p>
+            <a:r>
+              <a:rPr lang="en-US" altLang="ko-KR" sz="2800" dirty="0">
+                <a:solidFill>
+                  <a:schemeClr val="accent5">
+                    <a:lumMod val="60000"/>
+                    <a:lumOff val="40000"/>
+                  </a:schemeClr>
+                </a:solidFill>
+                <a:latin typeface="+mn-ea"/>
+              </a:rPr>
+              <a:t>]</a:t>
+            </a:r>
+            <a:endParaRPr lang="ko-KR" altLang="en-US" sz="2800" dirty="0">
+              <a:solidFill>
+                <a:schemeClr val="accent5">
+                  <a:lumMod val="60000"/>
+                  <a:lumOff val="40000"/>
+                </a:schemeClr>
+              </a:solidFill>
+              <a:latin typeface="+mn-ea"/>
+            </a:endParaRPr>
+          </a:p>
+        </p:txBody>
+      </p:sp>
+      <p:sp>
+        <p:nvSpPr>
+          <p:cNvPr id="11" name="직사각형 10">
+            <a:extLst>
+              <a:ext uri="{FF2B5EF4-FFF2-40B4-BE49-F238E27FC236}">
+                <a16:creationId xmlns:a16="http://schemas.microsoft.com/office/drawing/2014/main" id="{244BB44B-BE7D-486B-89D9-F8F7792F85C9}"/>
+              </a:ext>
+            </a:extLst>
+          </p:cNvPr>
+          <p:cNvSpPr/>
+          <p:nvPr/>
+        </p:nvSpPr>
+        <p:spPr>
+          <a:xfrm>
+            <a:off x="5981440" y="5934032"/>
+            <a:ext cx="412540" cy="523220"/>
+          </a:xfrm>
+          <a:prstGeom prst="rect">
+            <a:avLst/>
+          </a:prstGeom>
+          <a:noFill/>
+        </p:spPr>
+        <p:txBody>
+          <a:bodyPr wrap="square">
+            <a:spAutoFit/>
+          </a:bodyPr>
+          <a:lstStyle/>
+          <a:p>
+            <a:r>
+              <a:rPr lang="en-US" altLang="ko-KR" sz="2800" dirty="0">
+                <a:solidFill>
+                  <a:schemeClr val="accent5">
+                    <a:lumMod val="60000"/>
+                    <a:lumOff val="40000"/>
+                  </a:schemeClr>
+                </a:solidFill>
+                <a:latin typeface="+mn-ea"/>
+              </a:rPr>
+              <a:t>[</a:t>
+            </a:r>
+            <a:endParaRPr lang="ko-KR" altLang="en-US" sz="2800" dirty="0">
+              <a:solidFill>
+                <a:schemeClr val="accent5">
+                  <a:lumMod val="60000"/>
+                  <a:lumOff val="40000"/>
+                </a:schemeClr>
+              </a:solidFill>
+              <a:latin typeface="+mn-ea"/>
+            </a:endParaRPr>
+          </a:p>
+        </p:txBody>
+      </p:sp>
+      <p:sp>
+        <p:nvSpPr>
+          <p:cNvPr id="12" name="직사각형 11">
+            <a:extLst>
+              <a:ext uri="{FF2B5EF4-FFF2-40B4-BE49-F238E27FC236}">
+                <a16:creationId xmlns:a16="http://schemas.microsoft.com/office/drawing/2014/main" id="{60548968-71A9-491F-8D2C-6E942624CCAD}"/>
+              </a:ext>
+            </a:extLst>
+          </p:cNvPr>
+          <p:cNvSpPr/>
+          <p:nvPr/>
+        </p:nvSpPr>
+        <p:spPr>
+          <a:xfrm>
+            <a:off x="5854353" y="6034060"/>
+            <a:ext cx="2817611" cy="323165"/>
+          </a:xfrm>
+          <a:prstGeom prst="rect">
+            <a:avLst/>
+          </a:prstGeom>
+        </p:spPr>
+        <p:txBody>
+          <a:bodyPr wrap="square">
+            <a:spAutoFit/>
+          </a:bodyPr>
+          <a:lstStyle/>
+          <a:p>
+            <a:pPr algn="ctr"/>
+            <a:r>
+              <a:rPr lang="en-US" altLang="ko-KR" sz="1500" dirty="0">
+                <a:solidFill>
+                  <a:schemeClr val="bg1"/>
+                </a:solidFill>
+                <a:latin typeface="+mn-ea"/>
+              </a:rPr>
+              <a:t>Scheduler &amp; Time Table</a:t>
+            </a:r>
+          </a:p>
+        </p:txBody>
+      </p:sp>
+      <p:pic>
+        <p:nvPicPr>
+          <p:cNvPr id="13" name="그림 12">
+            <a:extLst>
+              <a:ext uri="{FF2B5EF4-FFF2-40B4-BE49-F238E27FC236}">
+                <a16:creationId xmlns:a16="http://schemas.microsoft.com/office/drawing/2014/main" id="{E517F2BB-DC3A-44B9-9A9B-87A27137AA62}"/>
               </a:ext>
             </a:extLst>
           </p:cNvPr>
@@ -6723,27 +9317,36 @@
           <p:nvPr/>
         </p:nvPicPr>
         <p:blipFill>
-          <a:blip r:embed="rId5"/>
+          <a:blip r:embed="rId5">
+            <a:extLst>
+              <a:ext uri="{28A0092B-C50C-407E-A947-70E740481C1C}">
+                <a14:useLocalDpi xmlns:a14="http://schemas.microsoft.com/office/drawing/2010/main" val="0"/>
+              </a:ext>
+            </a:extLst>
+          </a:blip>
           <a:srcRect/>
           <a:stretch>
             <a:fillRect/>
           </a:stretch>
         </p:blipFill>
-        <p:spPr>
-          <a:xfrm>
-            <a:off x="7113668" y="2647391"/>
-            <a:ext cx="1571625" cy="2390775"/>
+        <p:spPr bwMode="auto">
+          <a:xfrm>
+            <a:off x="4633397" y="1838282"/>
+            <a:ext cx="5060082" cy="2127421"/>
           </a:xfrm>
           <a:prstGeom prst="rect">
             <a:avLst/>
           </a:prstGeom>
-          <a:ln/>
+          <a:noFill/>
+          <a:ln>
+            <a:noFill/>
+          </a:ln>
         </p:spPr>
       </p:pic>
     </p:spTree>
     <p:extLst>
       <p:ext uri="{BB962C8B-B14F-4D97-AF65-F5344CB8AC3E}">
-        <p14:creationId xmlns:p14="http://schemas.microsoft.com/office/powerpoint/2010/main" val="3973377283"/>
+        <p14:creationId xmlns:p14="http://schemas.microsoft.com/office/powerpoint/2010/main" val="825041536"/>
       </p:ext>
     </p:extLst>
   </p:cSld>
